--- a/test_presentations/good.pptx
+++ b/test_presentations/good.pptx
@@ -1,15 +1,12 @@
 
 <file path=ppt/presentation.xml><?xml version="1.0" encoding="utf-8"?>
-<p:presentation xmlns:a="http://schemas.openxmlformats.org/drawingml/2006/main" xmlns:r="http://schemas.openxmlformats.org/officeDocument/2006/relationships" xmlns:p="http://schemas.openxmlformats.org/presentationml/2006/main" saveSubsetFonts="1">
+<p:presentation xmlns:a="http://schemas.openxmlformats.org/drawingml/2006/main" xmlns:r="http://schemas.openxmlformats.org/officeDocument/2006/relationships" xmlns:p="http://schemas.openxmlformats.org/presentationml/2006/main" showSpecialPlsOnTitleSld="0" saveSubsetFonts="1">
   <p:sldMasterIdLst>
     <p:sldMasterId id="2147483648" r:id="rId1"/>
   </p:sldMasterIdLst>
   <p:notesMasterIdLst>
     <p:notesMasterId r:id="rId13"/>
   </p:notesMasterIdLst>
-  <p:handoutMasterIdLst>
-    <p:handoutMasterId r:id="rId14"/>
-  </p:handoutMasterIdLst>
   <p:sldIdLst>
     <p:sldId id="256" r:id="rId2"/>
     <p:sldId id="257" r:id="rId3"/>
@@ -23,8 +20,8 @@
     <p:sldId id="265" r:id="rId11"/>
     <p:sldId id="266" r:id="rId12"/>
   </p:sldIdLst>
-  <p:sldSz cx="10077450" cy="5668963"/>
-  <p:notesSz cx="7772400" cy="10058400"/>
+  <p:sldSz cx="12192000" cy="6858000"/>
+  <p:notesSz cx="6858000" cy="9144000"/>
   <p:defaultTextStyle>
     <a:defPPr>
       <a:defRPr lang="ru-RU"/>
@@ -128,259 +125,6 @@
 </p:presentation>
 </file>
 
-<file path=ppt/handoutMasters/handoutMaster1.xml><?xml version="1.0" encoding="utf-8"?>
-<p:handoutMaster xmlns:a="http://schemas.openxmlformats.org/drawingml/2006/main" xmlns:r="http://schemas.openxmlformats.org/officeDocument/2006/relationships" xmlns:p="http://schemas.openxmlformats.org/presentationml/2006/main">
-  <p:cSld>
-    <p:bg>
-      <p:bgPr>
-        <a:noFill/>
-        <a:effectLst/>
-      </p:bgPr>
-    </p:bg>
-    <p:spTree>
-      <p:nvGrpSpPr>
-        <p:cNvPr id="1" name=""/>
-        <p:cNvGrpSpPr/>
-        <p:nvPr/>
-      </p:nvGrpSpPr>
-      <p:grpSpPr>
-        <a:xfrm>
-          <a:off x="0" y="0"/>
-          <a:ext cx="0" cy="0"/>
-          <a:chOff x="0" y="0"/>
-          <a:chExt cx="0" cy="0"/>
-        </a:xfrm>
-      </p:grpSpPr>
-      <p:sp>
-        <p:nvSpPr>
-          <p:cNvPr id="2" name="Header Placeholder 1"/>
-          <p:cNvSpPr txBox="1">
-            <a:spLocks noGrp="1"/>
-          </p:cNvSpPr>
-          <p:nvPr>
-            <p:ph type="hdr" sz="quarter"/>
-          </p:nvPr>
-        </p:nvSpPr>
-        <p:spPr>
-          <a:xfrm>
-            <a:off x="0" y="0"/>
-            <a:ext cx="3372840" cy="502560"/>
-          </a:xfrm>
-          <a:prstGeom prst="rect">
-            <a:avLst/>
-          </a:prstGeom>
-          <a:noFill/>
-          <a:ln>
-            <a:noFill/>
-          </a:ln>
-        </p:spPr>
-        <p:txBody>
-          <a:bodyPr vert="horz" wrap="none" lIns="90000" tIns="45000" rIns="90000" bIns="45000" anchorCtr="0" compatLnSpc="0">
-            <a:noAutofit/>
-          </a:bodyPr>
-          <a:lstStyle/>
-          <a:p>
-            <a:pPr marL="0" marR="0" lvl="0" indent="0" rtl="0" hangingPunct="0">
-              <a:lnSpc>
-                <a:spcPct val="100000"/>
-              </a:lnSpc>
-              <a:spcBef>
-                <a:spcPts val="0"/>
-              </a:spcBef>
-              <a:spcAft>
-                <a:spcPts val="0"/>
-              </a:spcAft>
-              <a:buNone/>
-              <a:tabLst/>
-              <a:defRPr sz="1400"/>
-            </a:pPr>
-            <a:endParaRPr lang="en-US" sz="1400" b="0" i="0" u="none" strike="noStrike" kern="1200" cap="none">
-              <a:ln>
-                <a:noFill/>
-              </a:ln>
-              <a:latin typeface="Liberation Sans" pitchFamily="18"/>
-              <a:ea typeface="DejaVu Sans" pitchFamily="2"/>
-              <a:cs typeface="Noto Sans Devanagari" pitchFamily="2"/>
-            </a:endParaRPr>
-          </a:p>
-        </p:txBody>
-      </p:sp>
-      <p:sp>
-        <p:nvSpPr>
-          <p:cNvPr id="3" name="Date Placeholder 2"/>
-          <p:cNvSpPr txBox="1">
-            <a:spLocks noGrp="1"/>
-          </p:cNvSpPr>
-          <p:nvPr>
-            <p:ph type="dt" sz="quarter" idx="1"/>
-          </p:nvPr>
-        </p:nvSpPr>
-        <p:spPr>
-          <a:xfrm>
-            <a:off x="4399200" y="0"/>
-            <a:ext cx="3372840" cy="502560"/>
-          </a:xfrm>
-          <a:prstGeom prst="rect">
-            <a:avLst/>
-          </a:prstGeom>
-          <a:noFill/>
-          <a:ln>
-            <a:noFill/>
-          </a:ln>
-        </p:spPr>
-        <p:txBody>
-          <a:bodyPr vert="horz" wrap="none" lIns="90000" tIns="45000" rIns="90000" bIns="45000" anchorCtr="0" compatLnSpc="0">
-            <a:noAutofit/>
-          </a:bodyPr>
-          <a:lstStyle/>
-          <a:p>
-            <a:pPr marL="0" marR="0" lvl="0" indent="0" algn="r" rtl="0" hangingPunct="0">
-              <a:lnSpc>
-                <a:spcPct val="100000"/>
-              </a:lnSpc>
-              <a:spcBef>
-                <a:spcPts val="0"/>
-              </a:spcBef>
-              <a:spcAft>
-                <a:spcPts val="0"/>
-              </a:spcAft>
-              <a:buNone/>
-              <a:tabLst/>
-              <a:defRPr sz="1400"/>
-            </a:pPr>
-            <a:endParaRPr lang="en-US" sz="1400" b="0" i="0" u="none" strike="noStrike" kern="1200" cap="none">
-              <a:ln>
-                <a:noFill/>
-              </a:ln>
-              <a:latin typeface="Liberation Sans" pitchFamily="18"/>
-              <a:ea typeface="DejaVu Sans" pitchFamily="2"/>
-              <a:cs typeface="Noto Sans Devanagari" pitchFamily="2"/>
-            </a:endParaRPr>
-          </a:p>
-        </p:txBody>
-      </p:sp>
-      <p:sp>
-        <p:nvSpPr>
-          <p:cNvPr id="4" name="Footer Placeholder 3"/>
-          <p:cNvSpPr txBox="1">
-            <a:spLocks noGrp="1"/>
-          </p:cNvSpPr>
-          <p:nvPr>
-            <p:ph type="ftr" sz="quarter" idx="2"/>
-          </p:nvPr>
-        </p:nvSpPr>
-        <p:spPr>
-          <a:xfrm>
-            <a:off x="0" y="9555480"/>
-            <a:ext cx="3372840" cy="502560"/>
-          </a:xfrm>
-          <a:prstGeom prst="rect">
-            <a:avLst/>
-          </a:prstGeom>
-          <a:noFill/>
-          <a:ln>
-            <a:noFill/>
-          </a:ln>
-        </p:spPr>
-        <p:txBody>
-          <a:bodyPr vert="horz" wrap="none" lIns="90000" tIns="45000" rIns="90000" bIns="45000" anchor="b" anchorCtr="0" compatLnSpc="0">
-            <a:noAutofit/>
-          </a:bodyPr>
-          <a:lstStyle/>
-          <a:p>
-            <a:pPr marL="0" marR="0" lvl="0" indent="0" rtl="0" hangingPunct="0">
-              <a:lnSpc>
-                <a:spcPct val="100000"/>
-              </a:lnSpc>
-              <a:spcBef>
-                <a:spcPts val="0"/>
-              </a:spcBef>
-              <a:spcAft>
-                <a:spcPts val="0"/>
-              </a:spcAft>
-              <a:buNone/>
-              <a:tabLst/>
-              <a:defRPr sz="1400"/>
-            </a:pPr>
-            <a:endParaRPr lang="en-US" sz="1400" b="0" i="0" u="none" strike="noStrike" kern="1200" cap="none">
-              <a:ln>
-                <a:noFill/>
-              </a:ln>
-              <a:latin typeface="Liberation Sans" pitchFamily="18"/>
-              <a:ea typeface="DejaVu Sans" pitchFamily="2"/>
-              <a:cs typeface="Noto Sans Devanagari" pitchFamily="2"/>
-            </a:endParaRPr>
-          </a:p>
-        </p:txBody>
-      </p:sp>
-      <p:sp>
-        <p:nvSpPr>
-          <p:cNvPr id="5" name="Slide Number Placeholder 4"/>
-          <p:cNvSpPr txBox="1">
-            <a:spLocks noGrp="1"/>
-          </p:cNvSpPr>
-          <p:nvPr>
-            <p:ph type="sldNum" sz="quarter" idx="3"/>
-          </p:nvPr>
-        </p:nvSpPr>
-        <p:spPr>
-          <a:xfrm>
-            <a:off x="4399200" y="9555480"/>
-            <a:ext cx="3372840" cy="502560"/>
-          </a:xfrm>
-          <a:prstGeom prst="rect">
-            <a:avLst/>
-          </a:prstGeom>
-          <a:noFill/>
-          <a:ln>
-            <a:noFill/>
-          </a:ln>
-        </p:spPr>
-        <p:txBody>
-          <a:bodyPr vert="horz" wrap="none" lIns="90000" tIns="45000" rIns="90000" bIns="45000" anchor="b" anchorCtr="0" compatLnSpc="0">
-            <a:noAutofit/>
-          </a:bodyPr>
-          <a:lstStyle/>
-          <a:p>
-            <a:pPr marL="0" marR="0" lvl="0" indent="0" algn="r" rtl="0" hangingPunct="0">
-              <a:lnSpc>
-                <a:spcPct val="100000"/>
-              </a:lnSpc>
-              <a:spcBef>
-                <a:spcPts val="0"/>
-              </a:spcBef>
-              <a:spcAft>
-                <a:spcPts val="0"/>
-              </a:spcAft>
-              <a:buNone/>
-              <a:tabLst/>
-              <a:defRPr sz="1400"/>
-            </a:pPr>
-            <a:fld id="{6B0D9BA9-13A8-4579-B6CA-8DBA3E6DCB4E}" type="slidenum">
-              <a:t>‹#›</a:t>
-            </a:fld>
-            <a:endParaRPr lang="en-US" sz="1400" b="0" i="0" u="none" strike="noStrike" kern="1200" cap="none">
-              <a:ln>
-                <a:noFill/>
-              </a:ln>
-              <a:latin typeface="Liberation Sans" pitchFamily="18"/>
-              <a:ea typeface="DejaVu Sans" pitchFamily="2"/>
-              <a:cs typeface="Noto Sans Devanagari" pitchFamily="2"/>
-            </a:endParaRPr>
-          </a:p>
-        </p:txBody>
-      </p:sp>
-    </p:spTree>
-    <p:extLst>
-      <p:ext uri="{BB962C8B-B14F-4D97-AF65-F5344CB8AC3E}">
-        <p14:creationId xmlns:p14="http://schemas.microsoft.com/office/powerpoint/2010/main" val="2285681731"/>
-      </p:ext>
-    </p:extLst>
-  </p:cSld>
-  <p:clrMap bg1="lt1" tx1="dk1" bg2="lt2" tx2="dk2" accent1="accent1" accent2="accent2" accent3="accent3" accent4="accent4" accent5="accent5" accent6="accent6" hlink="hlink" folHlink="folHlink"/>
-</p:handoutMaster>
-</file>
-
 <file path=ppt/notesMasters/notesMaster1.xml><?xml version="1.0" encoding="utf-8"?>
 <p:notesMaster xmlns:a="http://schemas.openxmlformats.org/drawingml/2006/main" xmlns:r="http://schemas.openxmlformats.org/officeDocument/2006/relationships" xmlns:p="http://schemas.openxmlformats.org/presentationml/2006/main">
   <p:cSld>
@@ -405,33 +149,107 @@
       </p:grpSpPr>
       <p:sp>
         <p:nvSpPr>
-          <p:cNvPr id="2" name="Slide Image Placeholder 1"/>
-          <p:cNvSpPr>
-            <a:spLocks noGrp="1" noRot="1" noChangeAspect="1"/>
-          </p:cNvSpPr>
-          <p:nvPr>
-            <p:ph type="sldImg" idx="2"/>
+          <p:cNvPr id="2" name="Header Placeholder 1"/>
+          <p:cNvSpPr>
+            <a:spLocks noGrp="1"/>
+          </p:cNvSpPr>
+          <p:nvPr>
+            <p:ph type="hdr" sz="quarter"/>
           </p:nvPr>
         </p:nvSpPr>
         <p:spPr>
           <a:xfrm>
-            <a:off x="533520" y="764280"/>
-            <a:ext cx="6704640" cy="3771360"/>
+            <a:off x="0" y="0"/>
+            <a:ext cx="2971800" cy="458788"/>
+          </a:xfrm>
+          <a:prstGeom prst="rect">
+            <a:avLst/>
+          </a:prstGeom>
+        </p:spPr>
+        <p:txBody>
+          <a:bodyPr vert="horz" lIns="91440" tIns="45720" rIns="91440" bIns="45720" rtlCol="0"/>
+          <a:lstStyle>
+            <a:lvl1pPr algn="l">
+              <a:defRPr sz="1200"/>
+            </a:lvl1pPr>
+          </a:lstStyle>
+          <a:p>
+            <a:endParaRPr lang="ru-RU"/>
+          </a:p>
+        </p:txBody>
+      </p:sp>
+      <p:sp>
+        <p:nvSpPr>
+          <p:cNvPr id="3" name="Date Placeholder 2"/>
+          <p:cNvSpPr>
+            <a:spLocks noGrp="1"/>
+          </p:cNvSpPr>
+          <p:nvPr>
+            <p:ph type="dt" idx="1"/>
+          </p:nvPr>
+        </p:nvSpPr>
+        <p:spPr>
+          <a:xfrm>
+            <a:off x="3884613" y="0"/>
+            <a:ext cx="2971800" cy="458788"/>
+          </a:xfrm>
+          <a:prstGeom prst="rect">
+            <a:avLst/>
+          </a:prstGeom>
+        </p:spPr>
+        <p:txBody>
+          <a:bodyPr vert="horz" lIns="91440" tIns="45720" rIns="91440" bIns="45720" rtlCol="0"/>
+          <a:lstStyle>
+            <a:lvl1pPr algn="r">
+              <a:defRPr sz="1200"/>
+            </a:lvl1pPr>
+          </a:lstStyle>
+          <a:p>
+            <a:fld id="{784A72F9-72BF-4EFF-9C09-4793B4FA005A}" type="datetimeFigureOut">
+              <a:rPr lang="ru-RU" smtClean="0"/>
+              <a:t>27.10.2020</a:t>
+            </a:fld>
+            <a:endParaRPr lang="ru-RU"/>
+          </a:p>
+        </p:txBody>
+      </p:sp>
+      <p:sp>
+        <p:nvSpPr>
+          <p:cNvPr id="4" name="Slide Image Placeholder 3"/>
+          <p:cNvSpPr>
+            <a:spLocks noGrp="1" noRot="1" noChangeAspect="1"/>
+          </p:cNvSpPr>
+          <p:nvPr>
+            <p:ph type="sldImg" idx="2"/>
+          </p:nvPr>
+        </p:nvSpPr>
+        <p:spPr>
+          <a:xfrm>
+            <a:off x="685800" y="1143000"/>
+            <a:ext cx="5486400" cy="3086100"/>
           </a:xfrm>
           <a:prstGeom prst="rect">
             <a:avLst/>
           </a:prstGeom>
           <a:noFill/>
-          <a:ln>
-            <a:noFill/>
-            <a:prstDash val="solid"/>
+          <a:ln w="12700">
+            <a:solidFill>
+              <a:prstClr val="black"/>
+            </a:solidFill>
           </a:ln>
         </p:spPr>
-      </p:sp>
-      <p:sp>
-        <p:nvSpPr>
-          <p:cNvPr id="3" name="Notes Placeholder 2"/>
-          <p:cNvSpPr txBox="1">
+        <p:txBody>
+          <a:bodyPr vert="horz" lIns="91440" tIns="45720" rIns="91440" bIns="45720" rtlCol="0" anchor="ctr"/>
+          <a:lstStyle/>
+          <a:p>
+            <a:endParaRPr lang="ru-RU"/>
+          </a:p>
+        </p:txBody>
+      </p:sp>
+      <p:sp>
+        <p:nvSpPr>
+          <p:cNvPr id="5" name="Notes Placeholder 4"/>
+          <p:cNvSpPr>
             <a:spLocks noGrp="1"/>
           </p:cNvSpPr>
           <p:nvPr>
@@ -440,225 +258,137 @@
         </p:nvSpPr>
         <p:spPr>
           <a:xfrm>
-            <a:off x="777239" y="4777560"/>
-            <a:ext cx="6217560" cy="4525920"/>
+            <a:off x="685800" y="4400550"/>
+            <a:ext cx="5486400" cy="3600450"/>
           </a:xfrm>
           <a:prstGeom prst="rect">
             <a:avLst/>
           </a:prstGeom>
-          <a:noFill/>
-          <a:ln>
-            <a:noFill/>
-          </a:ln>
         </p:spPr>
         <p:txBody>
-          <a:bodyPr lIns="0" tIns="0" rIns="0" bIns="0"/>
-          <a:lstStyle/>
-          <a:p>
-            <a:endParaRPr lang="en-US"/>
-          </a:p>
-        </p:txBody>
-      </p:sp>
-      <p:sp>
-        <p:nvSpPr>
-          <p:cNvPr id="4" name="Header Placeholder 3"/>
-          <p:cNvSpPr txBox="1">
-            <a:spLocks noGrp="1"/>
-          </p:cNvSpPr>
-          <p:nvPr>
-            <p:ph type="hdr" sz="quarter"/>
+          <a:bodyPr vert="horz" lIns="91440" tIns="45720" rIns="91440" bIns="45720" rtlCol="0"/>
+          <a:lstStyle/>
+          <a:p>
+            <a:pPr lvl="0"/>
+            <a:r>
+              <a:rPr lang="en-US" smtClean="0"/>
+              <a:t>Edit Master text styles</a:t>
+            </a:r>
+          </a:p>
+          <a:p>
+            <a:pPr lvl="1"/>
+            <a:r>
+              <a:rPr lang="en-US" smtClean="0"/>
+              <a:t>Second level</a:t>
+            </a:r>
+          </a:p>
+          <a:p>
+            <a:pPr lvl="2"/>
+            <a:r>
+              <a:rPr lang="en-US" smtClean="0"/>
+              <a:t>Third level</a:t>
+            </a:r>
+          </a:p>
+          <a:p>
+            <a:pPr lvl="3"/>
+            <a:r>
+              <a:rPr lang="en-US" smtClean="0"/>
+              <a:t>Fourth level</a:t>
+            </a:r>
+          </a:p>
+          <a:p>
+            <a:pPr lvl="4"/>
+            <a:r>
+              <a:rPr lang="en-US" smtClean="0"/>
+              <a:t>Fifth level</a:t>
+            </a:r>
+            <a:endParaRPr lang="ru-RU"/>
+          </a:p>
+        </p:txBody>
+      </p:sp>
+      <p:sp>
+        <p:nvSpPr>
+          <p:cNvPr id="6" name="Footer Placeholder 5"/>
+          <p:cNvSpPr>
+            <a:spLocks noGrp="1"/>
+          </p:cNvSpPr>
+          <p:nvPr>
+            <p:ph type="ftr" sz="quarter" idx="4"/>
           </p:nvPr>
         </p:nvSpPr>
         <p:spPr>
           <a:xfrm>
-            <a:off x="0" y="0"/>
-            <a:ext cx="3372840" cy="502560"/>
+            <a:off x="0" y="8685213"/>
+            <a:ext cx="2971800" cy="458787"/>
           </a:xfrm>
           <a:prstGeom prst="rect">
             <a:avLst/>
           </a:prstGeom>
-          <a:noFill/>
-          <a:ln>
-            <a:noFill/>
-          </a:ln>
         </p:spPr>
         <p:txBody>
-          <a:bodyPr vert="horz" lIns="0" tIns="0" rIns="0" bIns="0" anchorCtr="0">
-            <a:noAutofit/>
-          </a:bodyPr>
+          <a:bodyPr vert="horz" lIns="91440" tIns="45720" rIns="91440" bIns="45720" rtlCol="0" anchor="b"/>
           <a:lstStyle>
-            <a:lvl1pPr lvl="0" rtl="0" hangingPunct="0">
-              <a:buNone/>
-              <a:tabLst/>
-              <a:defRPr lang="en-US" sz="1400" kern="1200">
-                <a:latin typeface="Liberation Serif" pitchFamily="18"/>
-                <a:ea typeface="DejaVu Sans" pitchFamily="2"/>
-                <a:cs typeface="DejaVu Sans" pitchFamily="2"/>
-              </a:defRPr>
+            <a:lvl1pPr algn="l">
+              <a:defRPr sz="1200"/>
             </a:lvl1pPr>
           </a:lstStyle>
           <a:p>
-            <a:pPr lvl="0"/>
-            <a:endParaRPr lang="en-US"/>
-          </a:p>
-        </p:txBody>
-      </p:sp>
-      <p:sp>
-        <p:nvSpPr>
-          <p:cNvPr id="5" name="Date Placeholder 4"/>
-          <p:cNvSpPr txBox="1">
-            <a:spLocks noGrp="1"/>
-          </p:cNvSpPr>
-          <p:nvPr>
-            <p:ph type="dt" idx="1"/>
+            <a:endParaRPr lang="ru-RU"/>
+          </a:p>
+        </p:txBody>
+      </p:sp>
+      <p:sp>
+        <p:nvSpPr>
+          <p:cNvPr id="7" name="Slide Number Placeholder 6"/>
+          <p:cNvSpPr>
+            <a:spLocks noGrp="1"/>
+          </p:cNvSpPr>
+          <p:nvPr>
+            <p:ph type="sldNum" sz="quarter" idx="5"/>
           </p:nvPr>
         </p:nvSpPr>
         <p:spPr>
           <a:xfrm>
-            <a:off x="4399200" y="0"/>
-            <a:ext cx="3372840" cy="502560"/>
+            <a:off x="3884613" y="8685213"/>
+            <a:ext cx="2971800" cy="458787"/>
           </a:xfrm>
           <a:prstGeom prst="rect">
             <a:avLst/>
           </a:prstGeom>
-          <a:noFill/>
-          <a:ln>
-            <a:noFill/>
-          </a:ln>
         </p:spPr>
         <p:txBody>
-          <a:bodyPr vert="horz" lIns="0" tIns="0" rIns="0" bIns="0" anchorCtr="0">
-            <a:noAutofit/>
-          </a:bodyPr>
+          <a:bodyPr vert="horz" lIns="91440" tIns="45720" rIns="91440" bIns="45720" rtlCol="0" anchor="b"/>
           <a:lstStyle>
-            <a:lvl1pPr lvl="0" algn="r" rtl="0" hangingPunct="0">
-              <a:buNone/>
-              <a:tabLst/>
-              <a:defRPr lang="en-US" sz="1400" kern="1200">
-                <a:latin typeface="Liberation Serif" pitchFamily="18"/>
-                <a:ea typeface="DejaVu Sans" pitchFamily="2"/>
-                <a:cs typeface="DejaVu Sans" pitchFamily="2"/>
-              </a:defRPr>
+            <a:lvl1pPr algn="r">
+              <a:defRPr sz="1200"/>
             </a:lvl1pPr>
           </a:lstStyle>
           <a:p>
-            <a:pPr lvl="0"/>
-            <a:endParaRPr lang="en-US"/>
-          </a:p>
-        </p:txBody>
-      </p:sp>
-      <p:sp>
-        <p:nvSpPr>
-          <p:cNvPr id="6" name="Footer Placeholder 5"/>
-          <p:cNvSpPr txBox="1">
-            <a:spLocks noGrp="1"/>
-          </p:cNvSpPr>
-          <p:nvPr>
-            <p:ph type="ftr" sz="quarter" idx="4"/>
-          </p:nvPr>
-        </p:nvSpPr>
-        <p:spPr>
-          <a:xfrm>
-            <a:off x="0" y="9555480"/>
-            <a:ext cx="3372840" cy="502560"/>
-          </a:xfrm>
-          <a:prstGeom prst="rect">
-            <a:avLst/>
-          </a:prstGeom>
-          <a:noFill/>
-          <a:ln>
-            <a:noFill/>
-          </a:ln>
-        </p:spPr>
-        <p:txBody>
-          <a:bodyPr vert="horz" lIns="0" tIns="0" rIns="0" bIns="0" anchor="b" anchorCtr="0">
-            <a:noAutofit/>
-          </a:bodyPr>
-          <a:lstStyle>
-            <a:lvl1pPr lvl="0" rtl="0" hangingPunct="0">
-              <a:buNone/>
-              <a:tabLst/>
-              <a:defRPr lang="en-US" sz="1400" kern="1200">
-                <a:latin typeface="Liberation Serif" pitchFamily="18"/>
-                <a:ea typeface="DejaVu Sans" pitchFamily="2"/>
-                <a:cs typeface="DejaVu Sans" pitchFamily="2"/>
-              </a:defRPr>
-            </a:lvl1pPr>
-          </a:lstStyle>
-          <a:p>
-            <a:pPr lvl="0"/>
-            <a:endParaRPr lang="en-US"/>
-          </a:p>
-        </p:txBody>
-      </p:sp>
-      <p:sp>
-        <p:nvSpPr>
-          <p:cNvPr id="7" name="Slide Number Placeholder 6"/>
-          <p:cNvSpPr txBox="1">
-            <a:spLocks noGrp="1"/>
-          </p:cNvSpPr>
-          <p:nvPr>
-            <p:ph type="sldNum" sz="quarter" idx="5"/>
-          </p:nvPr>
-        </p:nvSpPr>
-        <p:spPr>
-          <a:xfrm>
-            <a:off x="4399200" y="9555480"/>
-            <a:ext cx="3372840" cy="502560"/>
-          </a:xfrm>
-          <a:prstGeom prst="rect">
-            <a:avLst/>
-          </a:prstGeom>
-          <a:noFill/>
-          <a:ln>
-            <a:noFill/>
-          </a:ln>
-        </p:spPr>
-        <p:txBody>
-          <a:bodyPr vert="horz" lIns="0" tIns="0" rIns="0" bIns="0" anchor="b" anchorCtr="0">
-            <a:noAutofit/>
-          </a:bodyPr>
-          <a:lstStyle>
-            <a:lvl1pPr lvl="0" algn="r" rtl="0" hangingPunct="0">
-              <a:buNone/>
-              <a:tabLst/>
-              <a:defRPr lang="en-US" sz="1400" kern="1200">
-                <a:latin typeface="Liberation Serif" pitchFamily="18"/>
-                <a:ea typeface="DejaVu Sans" pitchFamily="2"/>
-                <a:cs typeface="DejaVu Sans" pitchFamily="2"/>
-              </a:defRPr>
-            </a:lvl1pPr>
-          </a:lstStyle>
-          <a:p>
-            <a:pPr lvl="0"/>
-            <a:fld id="{BFCE2BD7-9668-4908-838F-DF945597F184}" type="slidenum">
+            <a:fld id="{945904FD-B4BB-4301-ACE6-4B6BD437CA7F}" type="slidenum">
+              <a:rPr lang="ru-RU" smtClean="0"/>
               <a:t>‹#›</a:t>
             </a:fld>
-            <a:endParaRPr lang="en-US"/>
+            <a:endParaRPr lang="ru-RU"/>
           </a:p>
         </p:txBody>
       </p:sp>
     </p:spTree>
     <p:extLst>
       <p:ext uri="{BB962C8B-B14F-4D97-AF65-F5344CB8AC3E}">
-        <p14:creationId xmlns:p14="http://schemas.microsoft.com/office/powerpoint/2010/main" val="2862231619"/>
+        <p14:creationId xmlns:p14="http://schemas.microsoft.com/office/powerpoint/2010/main" val="4139280212"/>
       </p:ext>
     </p:extLst>
   </p:cSld>
   <p:clrMap bg1="lt1" tx1="dk1" bg2="lt2" tx2="dk2" accent1="accent1" accent2="accent2" accent3="accent3" accent4="accent4" accent5="accent5" accent6="accent6" hlink="hlink" folHlink="folHlink"/>
   <p:notesStyle>
-    <a:lvl1pPr marL="216000" marR="0" indent="-216000" rtl="0" hangingPunct="0">
-      <a:tabLst/>
-      <a:defRPr lang="en-US" sz="2000" b="0" i="0" u="none" strike="noStrike" kern="1200" cap="none">
-        <a:ln>
-          <a:noFill/>
-        </a:ln>
-        <a:highlight>
-          <a:scrgbClr r="0" g="0" b="0">
-            <a:alpha val="0"/>
-          </a:scrgbClr>
-        </a:highlight>
-        <a:latin typeface="Liberation Sans" pitchFamily="18"/>
+    <a:lvl1pPr marL="0" algn="l" defTabSz="914400" rtl="0" eaLnBrk="1" latinLnBrk="0" hangingPunct="1">
+      <a:defRPr sz="1200" kern="1200">
+        <a:solidFill>
+          <a:schemeClr val="tx1"/>
+        </a:solidFill>
+        <a:latin typeface="+mn-lt"/>
+        <a:ea typeface="+mn-ea"/>
+        <a:cs typeface="+mn-cs"/>
       </a:defRPr>
     </a:lvl1pPr>
     <a:lvl2pPr marL="457200" algn="l" defTabSz="914400" rtl="0" eaLnBrk="1" latinLnBrk="0" hangingPunct="1">
@@ -745,1075 +475,6 @@
 </p:notesMaster>
 </file>
 
-<file path=ppt/notesSlides/notesSlide1.xml><?xml version="1.0" encoding="utf-8"?>
-<p:notes xmlns:a="http://schemas.openxmlformats.org/drawingml/2006/main" xmlns:r="http://schemas.openxmlformats.org/officeDocument/2006/relationships" xmlns:p="http://schemas.openxmlformats.org/presentationml/2006/main">
-  <p:cSld>
-    <p:spTree>
-      <p:nvGrpSpPr>
-        <p:cNvPr id="1" name=""/>
-        <p:cNvGrpSpPr/>
-        <p:nvPr/>
-      </p:nvGrpSpPr>
-      <p:grpSpPr>
-        <a:xfrm>
-          <a:off x="0" y="0"/>
-          <a:ext cx="0" cy="0"/>
-          <a:chOff x="0" y="0"/>
-          <a:chExt cx="0" cy="0"/>
-        </a:xfrm>
-      </p:grpSpPr>
-      <p:sp>
-        <p:nvSpPr>
-          <p:cNvPr id="7" name="Slide Number Placeholder 6"/>
-          <p:cNvSpPr txBox="1">
-            <a:spLocks noGrp="1"/>
-          </p:cNvSpPr>
-          <p:nvPr>
-            <p:ph type="sldNum" sz="quarter" idx="5"/>
-          </p:nvPr>
-        </p:nvSpPr>
-        <p:spPr>
-          <a:ln/>
-        </p:spPr>
-        <p:txBody>
-          <a:bodyPr vert="horz" lIns="0" tIns="0" rIns="0" bIns="0" anchor="b" anchorCtr="0">
-            <a:noAutofit/>
-          </a:bodyPr>
-          <a:lstStyle/>
-          <a:p>
-            <a:pPr lvl="0"/>
-            <a:fld id="{31EB55F0-E7B3-40C7-8875-76976D006196}" type="slidenum">
-              <a:t>1</a:t>
-            </a:fld>
-            <a:endParaRPr lang="en-US"/>
-          </a:p>
-        </p:txBody>
-      </p:sp>
-      <p:sp>
-        <p:nvSpPr>
-          <p:cNvPr id="2" name="Slide Image Placeholder 1"/>
-          <p:cNvSpPr>
-            <a:spLocks noGrp="1" noRot="1" noChangeAspect="1" noResize="1"/>
-          </p:cNvSpPr>
-          <p:nvPr>
-            <p:ph type="sldImg"/>
-          </p:nvPr>
-        </p:nvSpPr>
-        <p:spPr>
-          <a:xfrm>
-            <a:off x="533400" y="763588"/>
-            <a:ext cx="6704013" cy="3771900"/>
-          </a:xfrm>
-          <a:solidFill>
-            <a:srgbClr val="729FCF"/>
-          </a:solidFill>
-          <a:ln w="25400">
-            <a:solidFill>
-              <a:srgbClr val="3465A4"/>
-            </a:solidFill>
-            <a:prstDash val="solid"/>
-          </a:ln>
-        </p:spPr>
-      </p:sp>
-      <p:sp>
-        <p:nvSpPr>
-          <p:cNvPr id="3" name="Notes Placeholder 2"/>
-          <p:cNvSpPr txBox="1">
-            <a:spLocks noGrp="1"/>
-          </p:cNvSpPr>
-          <p:nvPr>
-            <p:ph type="body" sz="quarter" idx="1"/>
-          </p:nvPr>
-        </p:nvSpPr>
-        <p:spPr/>
-        <p:txBody>
-          <a:bodyPr vert="horz">
-            <a:spAutoFit/>
-          </a:bodyPr>
-          <a:lstStyle/>
-          <a:p>
-            <a:endParaRPr lang="en-US"/>
-          </a:p>
-        </p:txBody>
-      </p:sp>
-    </p:spTree>
-  </p:cSld>
-  <p:clrMapOvr>
-    <a:masterClrMapping/>
-  </p:clrMapOvr>
-</p:notes>
-</file>
-
-<file path=ppt/notesSlides/notesSlide10.xml><?xml version="1.0" encoding="utf-8"?>
-<p:notes xmlns:a="http://schemas.openxmlformats.org/drawingml/2006/main" xmlns:r="http://schemas.openxmlformats.org/officeDocument/2006/relationships" xmlns:p="http://schemas.openxmlformats.org/presentationml/2006/main">
-  <p:cSld>
-    <p:spTree>
-      <p:nvGrpSpPr>
-        <p:cNvPr id="1" name=""/>
-        <p:cNvGrpSpPr/>
-        <p:nvPr/>
-      </p:nvGrpSpPr>
-      <p:grpSpPr>
-        <a:xfrm>
-          <a:off x="0" y="0"/>
-          <a:ext cx="0" cy="0"/>
-          <a:chOff x="0" y="0"/>
-          <a:chExt cx="0" cy="0"/>
-        </a:xfrm>
-      </p:grpSpPr>
-      <p:sp>
-        <p:nvSpPr>
-          <p:cNvPr id="7" name="Slide Number Placeholder 6"/>
-          <p:cNvSpPr txBox="1">
-            <a:spLocks noGrp="1"/>
-          </p:cNvSpPr>
-          <p:nvPr>
-            <p:ph type="sldNum" sz="quarter" idx="5"/>
-          </p:nvPr>
-        </p:nvSpPr>
-        <p:spPr>
-          <a:ln/>
-        </p:spPr>
-        <p:txBody>
-          <a:bodyPr vert="horz" lIns="0" tIns="0" rIns="0" bIns="0" anchor="b" anchorCtr="0">
-            <a:noAutofit/>
-          </a:bodyPr>
-          <a:lstStyle/>
-          <a:p>
-            <a:pPr lvl="0"/>
-            <a:fld id="{F6FAC422-5ED8-4B69-9F43-9E114374EB6E}" type="slidenum">
-              <a:t>10</a:t>
-            </a:fld>
-            <a:endParaRPr lang="en-US"/>
-          </a:p>
-        </p:txBody>
-      </p:sp>
-      <p:sp>
-        <p:nvSpPr>
-          <p:cNvPr id="2" name="Slide Image Placeholder 1"/>
-          <p:cNvSpPr>
-            <a:spLocks noGrp="1" noRot="1" noChangeAspect="1" noResize="1"/>
-          </p:cNvSpPr>
-          <p:nvPr>
-            <p:ph type="sldImg"/>
-          </p:nvPr>
-        </p:nvSpPr>
-        <p:spPr>
-          <a:xfrm>
-            <a:off x="533400" y="763588"/>
-            <a:ext cx="6704013" cy="3771900"/>
-          </a:xfrm>
-          <a:solidFill>
-            <a:srgbClr val="729FCF"/>
-          </a:solidFill>
-          <a:ln w="25400">
-            <a:solidFill>
-              <a:srgbClr val="3465A4"/>
-            </a:solidFill>
-            <a:prstDash val="solid"/>
-          </a:ln>
-        </p:spPr>
-      </p:sp>
-      <p:sp>
-        <p:nvSpPr>
-          <p:cNvPr id="3" name="Notes Placeholder 2"/>
-          <p:cNvSpPr txBox="1">
-            <a:spLocks noGrp="1"/>
-          </p:cNvSpPr>
-          <p:nvPr>
-            <p:ph type="body" sz="quarter" idx="1"/>
-          </p:nvPr>
-        </p:nvSpPr>
-        <p:spPr/>
-        <p:txBody>
-          <a:bodyPr vert="horz"/>
-          <a:lstStyle/>
-          <a:p>
-            <a:endParaRPr lang="en-US"/>
-          </a:p>
-        </p:txBody>
-      </p:sp>
-    </p:spTree>
-  </p:cSld>
-  <p:clrMapOvr>
-    <a:masterClrMapping/>
-  </p:clrMapOvr>
-</p:notes>
-</file>
-
-<file path=ppt/notesSlides/notesSlide11.xml><?xml version="1.0" encoding="utf-8"?>
-<p:notes xmlns:a="http://schemas.openxmlformats.org/drawingml/2006/main" xmlns:r="http://schemas.openxmlformats.org/officeDocument/2006/relationships" xmlns:p="http://schemas.openxmlformats.org/presentationml/2006/main">
-  <p:cSld>
-    <p:spTree>
-      <p:nvGrpSpPr>
-        <p:cNvPr id="1" name=""/>
-        <p:cNvGrpSpPr/>
-        <p:nvPr/>
-      </p:nvGrpSpPr>
-      <p:grpSpPr>
-        <a:xfrm>
-          <a:off x="0" y="0"/>
-          <a:ext cx="0" cy="0"/>
-          <a:chOff x="0" y="0"/>
-          <a:chExt cx="0" cy="0"/>
-        </a:xfrm>
-      </p:grpSpPr>
-      <p:sp>
-        <p:nvSpPr>
-          <p:cNvPr id="7" name="Slide Number Placeholder 6"/>
-          <p:cNvSpPr txBox="1">
-            <a:spLocks noGrp="1"/>
-          </p:cNvSpPr>
-          <p:nvPr>
-            <p:ph type="sldNum" sz="quarter" idx="5"/>
-          </p:nvPr>
-        </p:nvSpPr>
-        <p:spPr>
-          <a:ln/>
-        </p:spPr>
-        <p:txBody>
-          <a:bodyPr vert="horz" lIns="0" tIns="0" rIns="0" bIns="0" anchor="b" anchorCtr="0">
-            <a:noAutofit/>
-          </a:bodyPr>
-          <a:lstStyle/>
-          <a:p>
-            <a:pPr lvl="0"/>
-            <a:fld id="{5EEC3456-CF52-420F-A020-A97F555B6916}" type="slidenum">
-              <a:t>11</a:t>
-            </a:fld>
-            <a:endParaRPr lang="en-US"/>
-          </a:p>
-        </p:txBody>
-      </p:sp>
-      <p:sp>
-        <p:nvSpPr>
-          <p:cNvPr id="2" name="Slide Image Placeholder 1"/>
-          <p:cNvSpPr>
-            <a:spLocks noGrp="1" noRot="1" noChangeAspect="1" noResize="1"/>
-          </p:cNvSpPr>
-          <p:nvPr>
-            <p:ph type="sldImg"/>
-          </p:nvPr>
-        </p:nvSpPr>
-        <p:spPr>
-          <a:xfrm>
-            <a:off x="533400" y="763588"/>
-            <a:ext cx="6704013" cy="3771900"/>
-          </a:xfrm>
-          <a:solidFill>
-            <a:srgbClr val="729FCF"/>
-          </a:solidFill>
-          <a:ln w="25400">
-            <a:solidFill>
-              <a:srgbClr val="3465A4"/>
-            </a:solidFill>
-            <a:prstDash val="solid"/>
-          </a:ln>
-        </p:spPr>
-      </p:sp>
-      <p:sp>
-        <p:nvSpPr>
-          <p:cNvPr id="3" name="Notes Placeholder 2"/>
-          <p:cNvSpPr txBox="1">
-            <a:spLocks noGrp="1"/>
-          </p:cNvSpPr>
-          <p:nvPr>
-            <p:ph type="body" sz="quarter" idx="1"/>
-          </p:nvPr>
-        </p:nvSpPr>
-        <p:spPr/>
-        <p:txBody>
-          <a:bodyPr vert="horz"/>
-          <a:lstStyle/>
-          <a:p>
-            <a:endParaRPr lang="en-US"/>
-          </a:p>
-        </p:txBody>
-      </p:sp>
-    </p:spTree>
-  </p:cSld>
-  <p:clrMapOvr>
-    <a:masterClrMapping/>
-  </p:clrMapOvr>
-</p:notes>
-</file>
-
-<file path=ppt/notesSlides/notesSlide2.xml><?xml version="1.0" encoding="utf-8"?>
-<p:notes xmlns:a="http://schemas.openxmlformats.org/drawingml/2006/main" xmlns:r="http://schemas.openxmlformats.org/officeDocument/2006/relationships" xmlns:p="http://schemas.openxmlformats.org/presentationml/2006/main">
-  <p:cSld>
-    <p:spTree>
-      <p:nvGrpSpPr>
-        <p:cNvPr id="1" name=""/>
-        <p:cNvGrpSpPr/>
-        <p:nvPr/>
-      </p:nvGrpSpPr>
-      <p:grpSpPr>
-        <a:xfrm>
-          <a:off x="0" y="0"/>
-          <a:ext cx="0" cy="0"/>
-          <a:chOff x="0" y="0"/>
-          <a:chExt cx="0" cy="0"/>
-        </a:xfrm>
-      </p:grpSpPr>
-      <p:sp>
-        <p:nvSpPr>
-          <p:cNvPr id="7" name="Slide Number Placeholder 6"/>
-          <p:cNvSpPr txBox="1">
-            <a:spLocks noGrp="1"/>
-          </p:cNvSpPr>
-          <p:nvPr>
-            <p:ph type="sldNum" sz="quarter" idx="5"/>
-          </p:nvPr>
-        </p:nvSpPr>
-        <p:spPr>
-          <a:ln/>
-        </p:spPr>
-        <p:txBody>
-          <a:bodyPr vert="horz" lIns="0" tIns="0" rIns="0" bIns="0" anchor="b" anchorCtr="0">
-            <a:noAutofit/>
-          </a:bodyPr>
-          <a:lstStyle/>
-          <a:p>
-            <a:pPr lvl="0"/>
-            <a:fld id="{D180C76D-F7B8-46B2-854B-4C3B8624F1DF}" type="slidenum">
-              <a:t>2</a:t>
-            </a:fld>
-            <a:endParaRPr lang="en-US"/>
-          </a:p>
-        </p:txBody>
-      </p:sp>
-      <p:sp>
-        <p:nvSpPr>
-          <p:cNvPr id="2" name="Slide Image Placeholder 1"/>
-          <p:cNvSpPr>
-            <a:spLocks noGrp="1" noRot="1" noChangeAspect="1" noResize="1"/>
-          </p:cNvSpPr>
-          <p:nvPr>
-            <p:ph type="sldImg"/>
-          </p:nvPr>
-        </p:nvSpPr>
-        <p:spPr>
-          <a:xfrm>
-            <a:off x="533400" y="763588"/>
-            <a:ext cx="6704013" cy="3771900"/>
-          </a:xfrm>
-          <a:solidFill>
-            <a:srgbClr val="729FCF"/>
-          </a:solidFill>
-          <a:ln w="25400">
-            <a:solidFill>
-              <a:srgbClr val="3465A4"/>
-            </a:solidFill>
-            <a:prstDash val="solid"/>
-          </a:ln>
-        </p:spPr>
-      </p:sp>
-      <p:sp>
-        <p:nvSpPr>
-          <p:cNvPr id="3" name="Notes Placeholder 2"/>
-          <p:cNvSpPr txBox="1">
-            <a:spLocks noGrp="1"/>
-          </p:cNvSpPr>
-          <p:nvPr>
-            <p:ph type="body" sz="quarter" idx="1"/>
-          </p:nvPr>
-        </p:nvSpPr>
-        <p:spPr/>
-        <p:txBody>
-          <a:bodyPr vert="horz"/>
-          <a:lstStyle/>
-          <a:p>
-            <a:endParaRPr lang="en-US"/>
-          </a:p>
-        </p:txBody>
-      </p:sp>
-    </p:spTree>
-  </p:cSld>
-  <p:clrMapOvr>
-    <a:masterClrMapping/>
-  </p:clrMapOvr>
-</p:notes>
-</file>
-
-<file path=ppt/notesSlides/notesSlide3.xml><?xml version="1.0" encoding="utf-8"?>
-<p:notes xmlns:a="http://schemas.openxmlformats.org/drawingml/2006/main" xmlns:r="http://schemas.openxmlformats.org/officeDocument/2006/relationships" xmlns:p="http://schemas.openxmlformats.org/presentationml/2006/main">
-  <p:cSld>
-    <p:spTree>
-      <p:nvGrpSpPr>
-        <p:cNvPr id="1" name=""/>
-        <p:cNvGrpSpPr/>
-        <p:nvPr/>
-      </p:nvGrpSpPr>
-      <p:grpSpPr>
-        <a:xfrm>
-          <a:off x="0" y="0"/>
-          <a:ext cx="0" cy="0"/>
-          <a:chOff x="0" y="0"/>
-          <a:chExt cx="0" cy="0"/>
-        </a:xfrm>
-      </p:grpSpPr>
-      <p:sp>
-        <p:nvSpPr>
-          <p:cNvPr id="7" name="Slide Number Placeholder 6"/>
-          <p:cNvSpPr txBox="1">
-            <a:spLocks noGrp="1"/>
-          </p:cNvSpPr>
-          <p:nvPr>
-            <p:ph type="sldNum" sz="quarter" idx="5"/>
-          </p:nvPr>
-        </p:nvSpPr>
-        <p:spPr>
-          <a:ln/>
-        </p:spPr>
-        <p:txBody>
-          <a:bodyPr vert="horz" lIns="0" tIns="0" rIns="0" bIns="0" anchor="b" anchorCtr="0">
-            <a:noAutofit/>
-          </a:bodyPr>
-          <a:lstStyle/>
-          <a:p>
-            <a:pPr lvl="0"/>
-            <a:fld id="{5758AD6B-0433-4073-AEF7-8D50B738BC68}" type="slidenum">
-              <a:t>3</a:t>
-            </a:fld>
-            <a:endParaRPr lang="en-US"/>
-          </a:p>
-        </p:txBody>
-      </p:sp>
-      <p:sp>
-        <p:nvSpPr>
-          <p:cNvPr id="2" name="Slide Image Placeholder 1"/>
-          <p:cNvSpPr>
-            <a:spLocks noGrp="1" noRot="1" noChangeAspect="1" noResize="1"/>
-          </p:cNvSpPr>
-          <p:nvPr>
-            <p:ph type="sldImg"/>
-          </p:nvPr>
-        </p:nvSpPr>
-        <p:spPr>
-          <a:xfrm>
-            <a:off x="533400" y="763588"/>
-            <a:ext cx="6704013" cy="3771900"/>
-          </a:xfrm>
-          <a:solidFill>
-            <a:srgbClr val="729FCF"/>
-          </a:solidFill>
-          <a:ln w="25400">
-            <a:solidFill>
-              <a:srgbClr val="3465A4"/>
-            </a:solidFill>
-            <a:prstDash val="solid"/>
-          </a:ln>
-        </p:spPr>
-      </p:sp>
-      <p:sp>
-        <p:nvSpPr>
-          <p:cNvPr id="3" name="Notes Placeholder 2"/>
-          <p:cNvSpPr txBox="1">
-            <a:spLocks noGrp="1"/>
-          </p:cNvSpPr>
-          <p:nvPr>
-            <p:ph type="body" sz="quarter" idx="1"/>
-          </p:nvPr>
-        </p:nvSpPr>
-        <p:spPr/>
-        <p:txBody>
-          <a:bodyPr vert="horz"/>
-          <a:lstStyle/>
-          <a:p>
-            <a:endParaRPr lang="en-US"/>
-          </a:p>
-        </p:txBody>
-      </p:sp>
-    </p:spTree>
-  </p:cSld>
-  <p:clrMapOvr>
-    <a:masterClrMapping/>
-  </p:clrMapOvr>
-</p:notes>
-</file>
-
-<file path=ppt/notesSlides/notesSlide4.xml><?xml version="1.0" encoding="utf-8"?>
-<p:notes xmlns:a="http://schemas.openxmlformats.org/drawingml/2006/main" xmlns:r="http://schemas.openxmlformats.org/officeDocument/2006/relationships" xmlns:p="http://schemas.openxmlformats.org/presentationml/2006/main">
-  <p:cSld>
-    <p:spTree>
-      <p:nvGrpSpPr>
-        <p:cNvPr id="1" name=""/>
-        <p:cNvGrpSpPr/>
-        <p:nvPr/>
-      </p:nvGrpSpPr>
-      <p:grpSpPr>
-        <a:xfrm>
-          <a:off x="0" y="0"/>
-          <a:ext cx="0" cy="0"/>
-          <a:chOff x="0" y="0"/>
-          <a:chExt cx="0" cy="0"/>
-        </a:xfrm>
-      </p:grpSpPr>
-      <p:sp>
-        <p:nvSpPr>
-          <p:cNvPr id="7" name="Slide Number Placeholder 6"/>
-          <p:cNvSpPr txBox="1">
-            <a:spLocks noGrp="1"/>
-          </p:cNvSpPr>
-          <p:nvPr>
-            <p:ph type="sldNum" sz="quarter" idx="5"/>
-          </p:nvPr>
-        </p:nvSpPr>
-        <p:spPr>
-          <a:ln/>
-        </p:spPr>
-        <p:txBody>
-          <a:bodyPr vert="horz" lIns="0" tIns="0" rIns="0" bIns="0" anchor="b" anchorCtr="0">
-            <a:noAutofit/>
-          </a:bodyPr>
-          <a:lstStyle/>
-          <a:p>
-            <a:pPr lvl="0"/>
-            <a:fld id="{50A1AFDD-C81B-4649-ABB4-67B95CDE2F13}" type="slidenum">
-              <a:t>4</a:t>
-            </a:fld>
-            <a:endParaRPr lang="en-US"/>
-          </a:p>
-        </p:txBody>
-      </p:sp>
-      <p:sp>
-        <p:nvSpPr>
-          <p:cNvPr id="2" name="Slide Image Placeholder 1"/>
-          <p:cNvSpPr>
-            <a:spLocks noGrp="1" noRot="1" noChangeAspect="1" noResize="1"/>
-          </p:cNvSpPr>
-          <p:nvPr>
-            <p:ph type="sldImg"/>
-          </p:nvPr>
-        </p:nvSpPr>
-        <p:spPr>
-          <a:xfrm>
-            <a:off x="533400" y="763588"/>
-            <a:ext cx="6704013" cy="3771900"/>
-          </a:xfrm>
-          <a:solidFill>
-            <a:srgbClr val="729FCF"/>
-          </a:solidFill>
-          <a:ln w="25400">
-            <a:solidFill>
-              <a:srgbClr val="3465A4"/>
-            </a:solidFill>
-            <a:prstDash val="solid"/>
-          </a:ln>
-        </p:spPr>
-      </p:sp>
-      <p:sp>
-        <p:nvSpPr>
-          <p:cNvPr id="3" name="Notes Placeholder 2"/>
-          <p:cNvSpPr txBox="1">
-            <a:spLocks noGrp="1"/>
-          </p:cNvSpPr>
-          <p:nvPr>
-            <p:ph type="body" sz="quarter" idx="1"/>
-          </p:nvPr>
-        </p:nvSpPr>
-        <p:spPr/>
-        <p:txBody>
-          <a:bodyPr vert="horz"/>
-          <a:lstStyle/>
-          <a:p>
-            <a:endParaRPr lang="en-US"/>
-          </a:p>
-        </p:txBody>
-      </p:sp>
-    </p:spTree>
-  </p:cSld>
-  <p:clrMapOvr>
-    <a:masterClrMapping/>
-  </p:clrMapOvr>
-</p:notes>
-</file>
-
-<file path=ppt/notesSlides/notesSlide5.xml><?xml version="1.0" encoding="utf-8"?>
-<p:notes xmlns:a="http://schemas.openxmlformats.org/drawingml/2006/main" xmlns:r="http://schemas.openxmlformats.org/officeDocument/2006/relationships" xmlns:p="http://schemas.openxmlformats.org/presentationml/2006/main">
-  <p:cSld>
-    <p:spTree>
-      <p:nvGrpSpPr>
-        <p:cNvPr id="1" name=""/>
-        <p:cNvGrpSpPr/>
-        <p:nvPr/>
-      </p:nvGrpSpPr>
-      <p:grpSpPr>
-        <a:xfrm>
-          <a:off x="0" y="0"/>
-          <a:ext cx="0" cy="0"/>
-          <a:chOff x="0" y="0"/>
-          <a:chExt cx="0" cy="0"/>
-        </a:xfrm>
-      </p:grpSpPr>
-      <p:sp>
-        <p:nvSpPr>
-          <p:cNvPr id="7" name="Slide Number Placeholder 6"/>
-          <p:cNvSpPr txBox="1">
-            <a:spLocks noGrp="1"/>
-          </p:cNvSpPr>
-          <p:nvPr>
-            <p:ph type="sldNum" sz="quarter" idx="5"/>
-          </p:nvPr>
-        </p:nvSpPr>
-        <p:spPr>
-          <a:ln/>
-        </p:spPr>
-        <p:txBody>
-          <a:bodyPr vert="horz" lIns="0" tIns="0" rIns="0" bIns="0" anchor="b" anchorCtr="0">
-            <a:noAutofit/>
-          </a:bodyPr>
-          <a:lstStyle/>
-          <a:p>
-            <a:pPr lvl="0"/>
-            <a:fld id="{829A74C1-9DF4-4E88-B159-F013A4A13FCF}" type="slidenum">
-              <a:t>5</a:t>
-            </a:fld>
-            <a:endParaRPr lang="en-US"/>
-          </a:p>
-        </p:txBody>
-      </p:sp>
-      <p:sp>
-        <p:nvSpPr>
-          <p:cNvPr id="2" name="Slide Image Placeholder 1"/>
-          <p:cNvSpPr>
-            <a:spLocks noGrp="1" noRot="1" noChangeAspect="1" noResize="1"/>
-          </p:cNvSpPr>
-          <p:nvPr>
-            <p:ph type="sldImg"/>
-          </p:nvPr>
-        </p:nvSpPr>
-        <p:spPr>
-          <a:xfrm>
-            <a:off x="533400" y="763588"/>
-            <a:ext cx="6704013" cy="3771900"/>
-          </a:xfrm>
-          <a:solidFill>
-            <a:srgbClr val="729FCF"/>
-          </a:solidFill>
-          <a:ln w="25400">
-            <a:solidFill>
-              <a:srgbClr val="3465A4"/>
-            </a:solidFill>
-            <a:prstDash val="solid"/>
-          </a:ln>
-        </p:spPr>
-      </p:sp>
-      <p:sp>
-        <p:nvSpPr>
-          <p:cNvPr id="3" name="Notes Placeholder 2"/>
-          <p:cNvSpPr txBox="1">
-            <a:spLocks noGrp="1"/>
-          </p:cNvSpPr>
-          <p:nvPr>
-            <p:ph type="body" sz="quarter" idx="1"/>
-          </p:nvPr>
-        </p:nvSpPr>
-        <p:spPr/>
-        <p:txBody>
-          <a:bodyPr vert="horz"/>
-          <a:lstStyle/>
-          <a:p>
-            <a:endParaRPr lang="en-US"/>
-          </a:p>
-        </p:txBody>
-      </p:sp>
-    </p:spTree>
-  </p:cSld>
-  <p:clrMapOvr>
-    <a:masterClrMapping/>
-  </p:clrMapOvr>
-</p:notes>
-</file>
-
-<file path=ppt/notesSlides/notesSlide6.xml><?xml version="1.0" encoding="utf-8"?>
-<p:notes xmlns:a="http://schemas.openxmlformats.org/drawingml/2006/main" xmlns:r="http://schemas.openxmlformats.org/officeDocument/2006/relationships" xmlns:p="http://schemas.openxmlformats.org/presentationml/2006/main">
-  <p:cSld>
-    <p:spTree>
-      <p:nvGrpSpPr>
-        <p:cNvPr id="1" name=""/>
-        <p:cNvGrpSpPr/>
-        <p:nvPr/>
-      </p:nvGrpSpPr>
-      <p:grpSpPr>
-        <a:xfrm>
-          <a:off x="0" y="0"/>
-          <a:ext cx="0" cy="0"/>
-          <a:chOff x="0" y="0"/>
-          <a:chExt cx="0" cy="0"/>
-        </a:xfrm>
-      </p:grpSpPr>
-      <p:sp>
-        <p:nvSpPr>
-          <p:cNvPr id="7" name="Slide Number Placeholder 6"/>
-          <p:cNvSpPr txBox="1">
-            <a:spLocks noGrp="1"/>
-          </p:cNvSpPr>
-          <p:nvPr>
-            <p:ph type="sldNum" sz="quarter" idx="5"/>
-          </p:nvPr>
-        </p:nvSpPr>
-        <p:spPr>
-          <a:ln/>
-        </p:spPr>
-        <p:txBody>
-          <a:bodyPr vert="horz" lIns="0" tIns="0" rIns="0" bIns="0" anchor="b" anchorCtr="0">
-            <a:noAutofit/>
-          </a:bodyPr>
-          <a:lstStyle/>
-          <a:p>
-            <a:pPr lvl="0"/>
-            <a:fld id="{15AA0C6C-7A6D-489B-8E93-35A442F4218E}" type="slidenum">
-              <a:t>6</a:t>
-            </a:fld>
-            <a:endParaRPr lang="en-US"/>
-          </a:p>
-        </p:txBody>
-      </p:sp>
-      <p:sp>
-        <p:nvSpPr>
-          <p:cNvPr id="2" name="Slide Image Placeholder 1"/>
-          <p:cNvSpPr>
-            <a:spLocks noGrp="1" noRot="1" noChangeAspect="1" noResize="1"/>
-          </p:cNvSpPr>
-          <p:nvPr>
-            <p:ph type="sldImg"/>
-          </p:nvPr>
-        </p:nvSpPr>
-        <p:spPr>
-          <a:xfrm>
-            <a:off x="533400" y="763588"/>
-            <a:ext cx="6704013" cy="3771900"/>
-          </a:xfrm>
-          <a:solidFill>
-            <a:srgbClr val="729FCF"/>
-          </a:solidFill>
-          <a:ln w="25400">
-            <a:solidFill>
-              <a:srgbClr val="3465A4"/>
-            </a:solidFill>
-            <a:prstDash val="solid"/>
-          </a:ln>
-        </p:spPr>
-      </p:sp>
-      <p:sp>
-        <p:nvSpPr>
-          <p:cNvPr id="3" name="Notes Placeholder 2"/>
-          <p:cNvSpPr txBox="1">
-            <a:spLocks noGrp="1"/>
-          </p:cNvSpPr>
-          <p:nvPr>
-            <p:ph type="body" sz="quarter" idx="1"/>
-          </p:nvPr>
-        </p:nvSpPr>
-        <p:spPr/>
-        <p:txBody>
-          <a:bodyPr vert="horz"/>
-          <a:lstStyle/>
-          <a:p>
-            <a:endParaRPr lang="en-US"/>
-          </a:p>
-        </p:txBody>
-      </p:sp>
-    </p:spTree>
-  </p:cSld>
-  <p:clrMapOvr>
-    <a:masterClrMapping/>
-  </p:clrMapOvr>
-</p:notes>
-</file>
-
-<file path=ppt/notesSlides/notesSlide7.xml><?xml version="1.0" encoding="utf-8"?>
-<p:notes xmlns:a="http://schemas.openxmlformats.org/drawingml/2006/main" xmlns:r="http://schemas.openxmlformats.org/officeDocument/2006/relationships" xmlns:p="http://schemas.openxmlformats.org/presentationml/2006/main">
-  <p:cSld>
-    <p:spTree>
-      <p:nvGrpSpPr>
-        <p:cNvPr id="1" name=""/>
-        <p:cNvGrpSpPr/>
-        <p:nvPr/>
-      </p:nvGrpSpPr>
-      <p:grpSpPr>
-        <a:xfrm>
-          <a:off x="0" y="0"/>
-          <a:ext cx="0" cy="0"/>
-          <a:chOff x="0" y="0"/>
-          <a:chExt cx="0" cy="0"/>
-        </a:xfrm>
-      </p:grpSpPr>
-      <p:sp>
-        <p:nvSpPr>
-          <p:cNvPr id="7" name="Slide Number Placeholder 6"/>
-          <p:cNvSpPr txBox="1">
-            <a:spLocks noGrp="1"/>
-          </p:cNvSpPr>
-          <p:nvPr>
-            <p:ph type="sldNum" sz="quarter" idx="5"/>
-          </p:nvPr>
-        </p:nvSpPr>
-        <p:spPr>
-          <a:ln/>
-        </p:spPr>
-        <p:txBody>
-          <a:bodyPr vert="horz" lIns="0" tIns="0" rIns="0" bIns="0" anchor="b" anchorCtr="0">
-            <a:noAutofit/>
-          </a:bodyPr>
-          <a:lstStyle/>
-          <a:p>
-            <a:pPr lvl="0"/>
-            <a:fld id="{41DDBA09-C5DC-4245-B5FA-D349F35E90F3}" type="slidenum">
-              <a:t>7</a:t>
-            </a:fld>
-            <a:endParaRPr lang="en-US"/>
-          </a:p>
-        </p:txBody>
-      </p:sp>
-      <p:sp>
-        <p:nvSpPr>
-          <p:cNvPr id="2" name="Slide Image Placeholder 1"/>
-          <p:cNvSpPr>
-            <a:spLocks noGrp="1" noRot="1" noChangeAspect="1" noResize="1"/>
-          </p:cNvSpPr>
-          <p:nvPr>
-            <p:ph type="sldImg"/>
-          </p:nvPr>
-        </p:nvSpPr>
-        <p:spPr>
-          <a:xfrm>
-            <a:off x="533400" y="763588"/>
-            <a:ext cx="6704013" cy="3771900"/>
-          </a:xfrm>
-          <a:solidFill>
-            <a:srgbClr val="729FCF"/>
-          </a:solidFill>
-          <a:ln w="25400">
-            <a:solidFill>
-              <a:srgbClr val="3465A4"/>
-            </a:solidFill>
-            <a:prstDash val="solid"/>
-          </a:ln>
-        </p:spPr>
-      </p:sp>
-      <p:sp>
-        <p:nvSpPr>
-          <p:cNvPr id="3" name="Notes Placeholder 2"/>
-          <p:cNvSpPr txBox="1">
-            <a:spLocks noGrp="1"/>
-          </p:cNvSpPr>
-          <p:nvPr>
-            <p:ph type="body" sz="quarter" idx="1"/>
-          </p:nvPr>
-        </p:nvSpPr>
-        <p:spPr/>
-        <p:txBody>
-          <a:bodyPr vert="horz"/>
-          <a:lstStyle/>
-          <a:p>
-            <a:endParaRPr lang="en-US"/>
-          </a:p>
-        </p:txBody>
-      </p:sp>
-    </p:spTree>
-  </p:cSld>
-  <p:clrMapOvr>
-    <a:masterClrMapping/>
-  </p:clrMapOvr>
-</p:notes>
-</file>
-
-<file path=ppt/notesSlides/notesSlide8.xml><?xml version="1.0" encoding="utf-8"?>
-<p:notes xmlns:a="http://schemas.openxmlformats.org/drawingml/2006/main" xmlns:r="http://schemas.openxmlformats.org/officeDocument/2006/relationships" xmlns:p="http://schemas.openxmlformats.org/presentationml/2006/main">
-  <p:cSld>
-    <p:spTree>
-      <p:nvGrpSpPr>
-        <p:cNvPr id="1" name=""/>
-        <p:cNvGrpSpPr/>
-        <p:nvPr/>
-      </p:nvGrpSpPr>
-      <p:grpSpPr>
-        <a:xfrm>
-          <a:off x="0" y="0"/>
-          <a:ext cx="0" cy="0"/>
-          <a:chOff x="0" y="0"/>
-          <a:chExt cx="0" cy="0"/>
-        </a:xfrm>
-      </p:grpSpPr>
-      <p:sp>
-        <p:nvSpPr>
-          <p:cNvPr id="7" name="Slide Number Placeholder 6"/>
-          <p:cNvSpPr txBox="1">
-            <a:spLocks noGrp="1"/>
-          </p:cNvSpPr>
-          <p:nvPr>
-            <p:ph type="sldNum" sz="quarter" idx="5"/>
-          </p:nvPr>
-        </p:nvSpPr>
-        <p:spPr>
-          <a:ln/>
-        </p:spPr>
-        <p:txBody>
-          <a:bodyPr vert="horz" lIns="0" tIns="0" rIns="0" bIns="0" anchor="b" anchorCtr="0">
-            <a:noAutofit/>
-          </a:bodyPr>
-          <a:lstStyle/>
-          <a:p>
-            <a:pPr lvl="0"/>
-            <a:fld id="{4AA24CF3-DB62-408D-BB1D-A3DDB7EE1BDC}" type="slidenum">
-              <a:t>8</a:t>
-            </a:fld>
-            <a:endParaRPr lang="en-US"/>
-          </a:p>
-        </p:txBody>
-      </p:sp>
-      <p:sp>
-        <p:nvSpPr>
-          <p:cNvPr id="2" name="Slide Image Placeholder 1"/>
-          <p:cNvSpPr>
-            <a:spLocks noGrp="1" noRot="1" noChangeAspect="1" noResize="1"/>
-          </p:cNvSpPr>
-          <p:nvPr>
-            <p:ph type="sldImg"/>
-          </p:nvPr>
-        </p:nvSpPr>
-        <p:spPr>
-          <a:xfrm>
-            <a:off x="533400" y="763588"/>
-            <a:ext cx="6704013" cy="3771900"/>
-          </a:xfrm>
-          <a:solidFill>
-            <a:srgbClr val="729FCF"/>
-          </a:solidFill>
-          <a:ln w="25400">
-            <a:solidFill>
-              <a:srgbClr val="3465A4"/>
-            </a:solidFill>
-            <a:prstDash val="solid"/>
-          </a:ln>
-        </p:spPr>
-      </p:sp>
-      <p:sp>
-        <p:nvSpPr>
-          <p:cNvPr id="3" name="Notes Placeholder 2"/>
-          <p:cNvSpPr txBox="1">
-            <a:spLocks noGrp="1"/>
-          </p:cNvSpPr>
-          <p:nvPr>
-            <p:ph type="body" sz="quarter" idx="1"/>
-          </p:nvPr>
-        </p:nvSpPr>
-        <p:spPr/>
-        <p:txBody>
-          <a:bodyPr vert="horz"/>
-          <a:lstStyle/>
-          <a:p>
-            <a:endParaRPr lang="en-US"/>
-          </a:p>
-        </p:txBody>
-      </p:sp>
-    </p:spTree>
-  </p:cSld>
-  <p:clrMapOvr>
-    <a:masterClrMapping/>
-  </p:clrMapOvr>
-</p:notes>
-</file>
-
-<file path=ppt/notesSlides/notesSlide9.xml><?xml version="1.0" encoding="utf-8"?>
-<p:notes xmlns:a="http://schemas.openxmlformats.org/drawingml/2006/main" xmlns:r="http://schemas.openxmlformats.org/officeDocument/2006/relationships" xmlns:p="http://schemas.openxmlformats.org/presentationml/2006/main">
-  <p:cSld>
-    <p:spTree>
-      <p:nvGrpSpPr>
-        <p:cNvPr id="1" name=""/>
-        <p:cNvGrpSpPr/>
-        <p:nvPr/>
-      </p:nvGrpSpPr>
-      <p:grpSpPr>
-        <a:xfrm>
-          <a:off x="0" y="0"/>
-          <a:ext cx="0" cy="0"/>
-          <a:chOff x="0" y="0"/>
-          <a:chExt cx="0" cy="0"/>
-        </a:xfrm>
-      </p:grpSpPr>
-      <p:sp>
-        <p:nvSpPr>
-          <p:cNvPr id="7" name="Slide Number Placeholder 6"/>
-          <p:cNvSpPr txBox="1">
-            <a:spLocks noGrp="1"/>
-          </p:cNvSpPr>
-          <p:nvPr>
-            <p:ph type="sldNum" sz="quarter" idx="5"/>
-          </p:nvPr>
-        </p:nvSpPr>
-        <p:spPr>
-          <a:ln/>
-        </p:spPr>
-        <p:txBody>
-          <a:bodyPr vert="horz" lIns="0" tIns="0" rIns="0" bIns="0" anchor="b" anchorCtr="0">
-            <a:noAutofit/>
-          </a:bodyPr>
-          <a:lstStyle/>
-          <a:p>
-            <a:pPr lvl="0"/>
-            <a:fld id="{6D16C5E7-3C68-49CD-9CB0-FABB88F1881D}" type="slidenum">
-              <a:t>9</a:t>
-            </a:fld>
-            <a:endParaRPr lang="en-US"/>
-          </a:p>
-        </p:txBody>
-      </p:sp>
-      <p:sp>
-        <p:nvSpPr>
-          <p:cNvPr id="2" name="Slide Image Placeholder 1"/>
-          <p:cNvSpPr>
-            <a:spLocks noGrp="1" noRot="1" noChangeAspect="1" noResize="1"/>
-          </p:cNvSpPr>
-          <p:nvPr>
-            <p:ph type="sldImg"/>
-          </p:nvPr>
-        </p:nvSpPr>
-        <p:spPr>
-          <a:xfrm>
-            <a:off x="533400" y="763588"/>
-            <a:ext cx="6704013" cy="3771900"/>
-          </a:xfrm>
-          <a:solidFill>
-            <a:srgbClr val="729FCF"/>
-          </a:solidFill>
-          <a:ln w="25400">
-            <a:solidFill>
-              <a:srgbClr val="3465A4"/>
-            </a:solidFill>
-            <a:prstDash val="solid"/>
-          </a:ln>
-        </p:spPr>
-      </p:sp>
-      <p:sp>
-        <p:nvSpPr>
-          <p:cNvPr id="3" name="Notes Placeholder 2"/>
-          <p:cNvSpPr txBox="1">
-            <a:spLocks noGrp="1"/>
-          </p:cNvSpPr>
-          <p:nvPr>
-            <p:ph type="body" sz="quarter" idx="1"/>
-          </p:nvPr>
-        </p:nvSpPr>
-        <p:spPr/>
-        <p:txBody>
-          <a:bodyPr vert="horz"/>
-          <a:lstStyle/>
-          <a:p>
-            <a:endParaRPr lang="en-US"/>
-          </a:p>
-        </p:txBody>
-      </p:sp>
-    </p:spTree>
-  </p:cSld>
-  <p:clrMapOvr>
-    <a:masterClrMapping/>
-  </p:clrMapOvr>
-</p:notes>
-</file>
-
 <file path=ppt/slideLayouts/slideLayout1.xml><?xml version="1.0" encoding="utf-8"?>
 <p:sldLayout xmlns:a="http://schemas.openxmlformats.org/drawingml/2006/main" xmlns:r="http://schemas.openxmlformats.org/officeDocument/2006/relationships" xmlns:p="http://schemas.openxmlformats.org/presentationml/2006/main" type="title" preserve="1">
   <p:cSld name="Title Slide">
@@ -1843,8 +504,8 @@
         </p:nvSpPr>
         <p:spPr>
           <a:xfrm>
-            <a:off x="1260475" y="927100"/>
-            <a:ext cx="7558088" cy="1974850"/>
+            <a:off x="1524000" y="1122363"/>
+            <a:ext cx="9144000" cy="2387600"/>
           </a:xfrm>
         </p:spPr>
         <p:txBody>
@@ -1875,8 +536,8 @@
         </p:nvSpPr>
         <p:spPr>
           <a:xfrm>
-            <a:off x="1260475" y="2978150"/>
-            <a:ext cx="7558088" cy="1368425"/>
+            <a:off x="1524000" y="3602038"/>
+            <a:ext cx="9144000" cy="1655762"/>
           </a:xfrm>
         </p:spPr>
         <p:txBody>
@@ -1943,8 +604,11 @@
           <a:bodyPr/>
           <a:lstStyle/>
           <a:p>
-            <a:pPr lvl="0"/>
-            <a:endParaRPr lang="en-US"/>
+            <a:fld id="{DFF3A2FA-EBD7-4FB1-81F2-E96F23F0C21D}" type="datetime1">
+              <a:rPr lang="ru-RU" smtClean="0"/>
+              <a:t>27.10.2020</a:t>
+            </a:fld>
+            <a:endParaRPr lang="ru-RU"/>
           </a:p>
         </p:txBody>
       </p:sp>
@@ -1963,8 +627,7 @@
           <a:bodyPr/>
           <a:lstStyle/>
           <a:p>
-            <a:pPr lvl="0"/>
-            <a:endParaRPr lang="en-US"/>
+            <a:endParaRPr lang="ru-RU"/>
           </a:p>
         </p:txBody>
       </p:sp>
@@ -1983,32 +646,24 @@
           <a:bodyPr/>
           <a:lstStyle/>
           <a:p>
-            <a:pPr lvl="0"/>
-            <a:fld id="{E9973292-22FB-4A6F-827B-34D9E7253925}" type="slidenum">
+            <a:fld id="{37A93542-8C58-4ADB-95DA-1B7887A706FA}" type="slidenum">
+              <a:rPr lang="ru-RU" smtClean="0"/>
               <a:t>‹#›</a:t>
             </a:fld>
-            <a:endParaRPr lang="en-US"/>
+            <a:endParaRPr lang="ru-RU"/>
           </a:p>
         </p:txBody>
       </p:sp>
     </p:spTree>
     <p:extLst>
       <p:ext uri="{BB962C8B-B14F-4D97-AF65-F5344CB8AC3E}">
-        <p14:creationId xmlns:p14="http://schemas.microsoft.com/office/powerpoint/2010/main" val="3079752433"/>
+        <p14:creationId xmlns:p14="http://schemas.microsoft.com/office/powerpoint/2010/main" val="3526175697"/>
       </p:ext>
     </p:extLst>
   </p:cSld>
   <p:clrMapOvr>
     <a:masterClrMapping/>
   </p:clrMapOvr>
-  <mc:AlternateContent xmlns:mc="http://schemas.openxmlformats.org/markup-compatibility/2006" xmlns:p14="http://schemas.microsoft.com/office/powerpoint/2010/main">
-    <mc:Choice Requires="p14">
-      <p:transition spd="slow" p14:dur="2000"/>
-    </mc:Choice>
-    <mc:Fallback xmlns="">
-      <p:transition spd="slow"/>
-    </mc:Fallback>
-  </mc:AlternateContent>
 </p:sldLayout>
 </file>
 
@@ -2119,8 +774,11 @@
           <a:bodyPr/>
           <a:lstStyle/>
           <a:p>
-            <a:pPr lvl="0"/>
-            <a:endParaRPr lang="en-US"/>
+            <a:fld id="{58E3A713-39BE-474C-AD04-6E7E39D9DB45}" type="datetime1">
+              <a:rPr lang="ru-RU" smtClean="0"/>
+              <a:t>27.10.2020</a:t>
+            </a:fld>
+            <a:endParaRPr lang="ru-RU"/>
           </a:p>
         </p:txBody>
       </p:sp>
@@ -2139,8 +797,7 @@
           <a:bodyPr/>
           <a:lstStyle/>
           <a:p>
-            <a:pPr lvl="0"/>
-            <a:endParaRPr lang="en-US"/>
+            <a:endParaRPr lang="ru-RU"/>
           </a:p>
         </p:txBody>
       </p:sp>
@@ -2159,32 +816,24 @@
           <a:bodyPr/>
           <a:lstStyle/>
           <a:p>
-            <a:pPr lvl="0"/>
-            <a:fld id="{C921310C-3878-4EC2-98DA-A9F1EE9E52E7}" type="slidenum">
+            <a:fld id="{37A93542-8C58-4ADB-95DA-1B7887A706FA}" type="slidenum">
+              <a:rPr lang="ru-RU" smtClean="0"/>
               <a:t>‹#›</a:t>
             </a:fld>
-            <a:endParaRPr lang="en-US"/>
+            <a:endParaRPr lang="ru-RU"/>
           </a:p>
         </p:txBody>
       </p:sp>
     </p:spTree>
     <p:extLst>
       <p:ext uri="{BB962C8B-B14F-4D97-AF65-F5344CB8AC3E}">
-        <p14:creationId xmlns:p14="http://schemas.microsoft.com/office/powerpoint/2010/main" val="3703394072"/>
+        <p14:creationId xmlns:p14="http://schemas.microsoft.com/office/powerpoint/2010/main" val="254666841"/>
       </p:ext>
     </p:extLst>
   </p:cSld>
   <p:clrMapOvr>
     <a:masterClrMapping/>
   </p:clrMapOvr>
-  <mc:AlternateContent xmlns:mc="http://schemas.openxmlformats.org/markup-compatibility/2006" xmlns:p14="http://schemas.microsoft.com/office/powerpoint/2010/main">
-    <mc:Choice Requires="p14">
-      <p:transition spd="slow" p14:dur="2000"/>
-    </mc:Choice>
-    <mc:Fallback xmlns="">
-      <p:transition spd="slow"/>
-    </mc:Fallback>
-  </mc:AlternateContent>
 </p:sldLayout>
 </file>
 
@@ -2217,8 +866,8 @@
         </p:nvSpPr>
         <p:spPr>
           <a:xfrm>
-            <a:off x="7305675" y="225425"/>
-            <a:ext cx="2266950" cy="4389438"/>
+            <a:off x="8724900" y="365125"/>
+            <a:ext cx="2628900" cy="5811838"/>
           </a:xfrm>
         </p:spPr>
         <p:txBody>
@@ -2245,8 +894,8 @@
         </p:nvSpPr>
         <p:spPr>
           <a:xfrm>
-            <a:off x="503238" y="225425"/>
-            <a:ext cx="6650037" cy="4389438"/>
+            <a:off x="838200" y="365125"/>
+            <a:ext cx="7734300" cy="5811838"/>
           </a:xfrm>
         </p:spPr>
         <p:txBody>
@@ -2305,8 +954,11 @@
           <a:bodyPr/>
           <a:lstStyle/>
           <a:p>
-            <a:pPr lvl="0"/>
-            <a:endParaRPr lang="en-US"/>
+            <a:fld id="{5B8174DB-6C42-4BDD-B948-CCBBAD3B0D4A}" type="datetime1">
+              <a:rPr lang="ru-RU" smtClean="0"/>
+              <a:t>27.10.2020</a:t>
+            </a:fld>
+            <a:endParaRPr lang="ru-RU"/>
           </a:p>
         </p:txBody>
       </p:sp>
@@ -2325,8 +977,7 @@
           <a:bodyPr/>
           <a:lstStyle/>
           <a:p>
-            <a:pPr lvl="0"/>
-            <a:endParaRPr lang="en-US"/>
+            <a:endParaRPr lang="ru-RU"/>
           </a:p>
         </p:txBody>
       </p:sp>
@@ -2345,32 +996,24 @@
           <a:bodyPr/>
           <a:lstStyle/>
           <a:p>
-            <a:pPr lvl="0"/>
-            <a:fld id="{AA0F5431-2B00-4905-9E86-25B5D32C1D9E}" type="slidenum">
+            <a:fld id="{37A93542-8C58-4ADB-95DA-1B7887A706FA}" type="slidenum">
+              <a:rPr lang="ru-RU" smtClean="0"/>
               <a:t>‹#›</a:t>
             </a:fld>
-            <a:endParaRPr lang="en-US"/>
+            <a:endParaRPr lang="ru-RU"/>
           </a:p>
         </p:txBody>
       </p:sp>
     </p:spTree>
     <p:extLst>
       <p:ext uri="{BB962C8B-B14F-4D97-AF65-F5344CB8AC3E}">
-        <p14:creationId xmlns:p14="http://schemas.microsoft.com/office/powerpoint/2010/main" val="2309865796"/>
+        <p14:creationId xmlns:p14="http://schemas.microsoft.com/office/powerpoint/2010/main" val="994252768"/>
       </p:ext>
     </p:extLst>
   </p:cSld>
   <p:clrMapOvr>
     <a:masterClrMapping/>
   </p:clrMapOvr>
-  <mc:AlternateContent xmlns:mc="http://schemas.openxmlformats.org/markup-compatibility/2006" xmlns:p14="http://schemas.microsoft.com/office/powerpoint/2010/main">
-    <mc:Choice Requires="p14">
-      <p:transition spd="slow" p14:dur="2000"/>
-    </mc:Choice>
-    <mc:Fallback xmlns="">
-      <p:transition spd="slow"/>
-    </mc:Fallback>
-  </mc:AlternateContent>
 </p:sldLayout>
 </file>
 
@@ -2481,8 +1124,11 @@
           <a:bodyPr/>
           <a:lstStyle/>
           <a:p>
-            <a:pPr lvl="0"/>
-            <a:endParaRPr lang="en-US"/>
+            <a:fld id="{7DFFC189-8185-4A59-B65E-740EAFC279AD}" type="datetime1">
+              <a:rPr lang="ru-RU" smtClean="0"/>
+              <a:t>27.10.2020</a:t>
+            </a:fld>
+            <a:endParaRPr lang="ru-RU"/>
           </a:p>
         </p:txBody>
       </p:sp>
@@ -2501,8 +1147,7 @@
           <a:bodyPr/>
           <a:lstStyle/>
           <a:p>
-            <a:pPr lvl="0"/>
-            <a:endParaRPr lang="en-US"/>
+            <a:endParaRPr lang="ru-RU"/>
           </a:p>
         </p:txBody>
       </p:sp>
@@ -2521,32 +1166,24 @@
           <a:bodyPr/>
           <a:lstStyle/>
           <a:p>
-            <a:pPr lvl="0"/>
-            <a:fld id="{FA65F5FF-F8EB-4B37-91ED-FB2AB871F1C3}" type="slidenum">
+            <a:fld id="{37A93542-8C58-4ADB-95DA-1B7887A706FA}" type="slidenum">
+              <a:rPr lang="ru-RU" smtClean="0"/>
               <a:t>‹#›</a:t>
             </a:fld>
-            <a:endParaRPr lang="en-US"/>
+            <a:endParaRPr lang="ru-RU"/>
           </a:p>
         </p:txBody>
       </p:sp>
     </p:spTree>
     <p:extLst>
       <p:ext uri="{BB962C8B-B14F-4D97-AF65-F5344CB8AC3E}">
-        <p14:creationId xmlns:p14="http://schemas.microsoft.com/office/powerpoint/2010/main" val="3661310372"/>
+        <p14:creationId xmlns:p14="http://schemas.microsoft.com/office/powerpoint/2010/main" val="1314255623"/>
       </p:ext>
     </p:extLst>
   </p:cSld>
   <p:clrMapOvr>
     <a:masterClrMapping/>
   </p:clrMapOvr>
-  <mc:AlternateContent xmlns:mc="http://schemas.openxmlformats.org/markup-compatibility/2006" xmlns:p14="http://schemas.microsoft.com/office/powerpoint/2010/main">
-    <mc:Choice Requires="p14">
-      <p:transition spd="slow" p14:dur="2000"/>
-    </mc:Choice>
-    <mc:Fallback xmlns="">
-      <p:transition spd="slow"/>
-    </mc:Fallback>
-  </mc:AlternateContent>
 </p:sldLayout>
 </file>
 
@@ -2579,8 +1216,8 @@
         </p:nvSpPr>
         <p:spPr>
           <a:xfrm>
-            <a:off x="687388" y="1412875"/>
-            <a:ext cx="8691562" cy="2359025"/>
+            <a:off x="831850" y="1709738"/>
+            <a:ext cx="10515600" cy="2852737"/>
           </a:xfrm>
         </p:spPr>
         <p:txBody>
@@ -2611,8 +1248,8 @@
         </p:nvSpPr>
         <p:spPr>
           <a:xfrm>
-            <a:off x="687388" y="3794125"/>
-            <a:ext cx="8691562" cy="1239838"/>
+            <a:off x="831850" y="4589463"/>
+            <a:ext cx="10515600" cy="1500187"/>
           </a:xfrm>
         </p:spPr>
         <p:txBody>
@@ -2733,8 +1370,11 @@
           <a:bodyPr/>
           <a:lstStyle/>
           <a:p>
-            <a:pPr lvl="0"/>
-            <a:endParaRPr lang="en-US"/>
+            <a:fld id="{59D9CC81-70E7-4819-BBE7-91025A0642F5}" type="datetime1">
+              <a:rPr lang="ru-RU" smtClean="0"/>
+              <a:t>27.10.2020</a:t>
+            </a:fld>
+            <a:endParaRPr lang="ru-RU"/>
           </a:p>
         </p:txBody>
       </p:sp>
@@ -2753,8 +1393,7 @@
           <a:bodyPr/>
           <a:lstStyle/>
           <a:p>
-            <a:pPr lvl="0"/>
-            <a:endParaRPr lang="en-US"/>
+            <a:endParaRPr lang="ru-RU"/>
           </a:p>
         </p:txBody>
       </p:sp>
@@ -2773,32 +1412,24 @@
           <a:bodyPr/>
           <a:lstStyle/>
           <a:p>
-            <a:pPr lvl="0"/>
-            <a:fld id="{595AE147-72C2-4C60-ADA4-3B2072284E09}" type="slidenum">
+            <a:fld id="{37A93542-8C58-4ADB-95DA-1B7887A706FA}" type="slidenum">
+              <a:rPr lang="ru-RU" smtClean="0"/>
               <a:t>‹#›</a:t>
             </a:fld>
-            <a:endParaRPr lang="en-US"/>
+            <a:endParaRPr lang="ru-RU"/>
           </a:p>
         </p:txBody>
       </p:sp>
     </p:spTree>
     <p:extLst>
       <p:ext uri="{BB962C8B-B14F-4D97-AF65-F5344CB8AC3E}">
-        <p14:creationId xmlns:p14="http://schemas.microsoft.com/office/powerpoint/2010/main" val="3850747737"/>
+        <p14:creationId xmlns:p14="http://schemas.microsoft.com/office/powerpoint/2010/main" val="3025685502"/>
       </p:ext>
     </p:extLst>
   </p:cSld>
   <p:clrMapOvr>
     <a:masterClrMapping/>
   </p:clrMapOvr>
-  <mc:AlternateContent xmlns:mc="http://schemas.openxmlformats.org/markup-compatibility/2006" xmlns:p14="http://schemas.microsoft.com/office/powerpoint/2010/main">
-    <mc:Choice Requires="p14">
-      <p:transition spd="slow" p14:dur="2000"/>
-    </mc:Choice>
-    <mc:Fallback xmlns="">
-      <p:transition spd="slow"/>
-    </mc:Fallback>
-  </mc:AlternateContent>
 </p:sldLayout>
 </file>
 
@@ -2854,8 +1485,8 @@
         </p:nvSpPr>
         <p:spPr>
           <a:xfrm>
-            <a:off x="503238" y="1325563"/>
-            <a:ext cx="4457700" cy="3289300"/>
+            <a:off x="838200" y="1825625"/>
+            <a:ext cx="5181600" cy="4351338"/>
           </a:xfrm>
         </p:spPr>
         <p:txBody>
@@ -2911,8 +1542,8 @@
         </p:nvSpPr>
         <p:spPr>
           <a:xfrm>
-            <a:off x="5113338" y="1325563"/>
-            <a:ext cx="4459287" cy="3289300"/>
+            <a:off x="6172200" y="1825625"/>
+            <a:ext cx="5181600" cy="4351338"/>
           </a:xfrm>
         </p:spPr>
         <p:txBody>
@@ -2971,8 +1602,11 @@
           <a:bodyPr/>
           <a:lstStyle/>
           <a:p>
-            <a:pPr lvl="0"/>
-            <a:endParaRPr lang="en-US"/>
+            <a:fld id="{60C67F85-DC4C-47EC-94C4-F04562CBAE85}" type="datetime1">
+              <a:rPr lang="ru-RU" smtClean="0"/>
+              <a:t>27.10.2020</a:t>
+            </a:fld>
+            <a:endParaRPr lang="ru-RU"/>
           </a:p>
         </p:txBody>
       </p:sp>
@@ -2991,8 +1625,7 @@
           <a:bodyPr/>
           <a:lstStyle/>
           <a:p>
-            <a:pPr lvl="0"/>
-            <a:endParaRPr lang="en-US"/>
+            <a:endParaRPr lang="ru-RU"/>
           </a:p>
         </p:txBody>
       </p:sp>
@@ -3011,32 +1644,24 @@
           <a:bodyPr/>
           <a:lstStyle/>
           <a:p>
-            <a:pPr lvl="0"/>
-            <a:fld id="{4CC2F939-9BDB-41D7-9E56-04CEAE561293}" type="slidenum">
+            <a:fld id="{37A93542-8C58-4ADB-95DA-1B7887A706FA}" type="slidenum">
+              <a:rPr lang="ru-RU" smtClean="0"/>
               <a:t>‹#›</a:t>
             </a:fld>
-            <a:endParaRPr lang="en-US"/>
+            <a:endParaRPr lang="ru-RU"/>
           </a:p>
         </p:txBody>
       </p:sp>
     </p:spTree>
     <p:extLst>
       <p:ext uri="{BB962C8B-B14F-4D97-AF65-F5344CB8AC3E}">
-        <p14:creationId xmlns:p14="http://schemas.microsoft.com/office/powerpoint/2010/main" val="3775278921"/>
+        <p14:creationId xmlns:p14="http://schemas.microsoft.com/office/powerpoint/2010/main" val="261063666"/>
       </p:ext>
     </p:extLst>
   </p:cSld>
   <p:clrMapOvr>
     <a:masterClrMapping/>
   </p:clrMapOvr>
-  <mc:AlternateContent xmlns:mc="http://schemas.openxmlformats.org/markup-compatibility/2006" xmlns:p14="http://schemas.microsoft.com/office/powerpoint/2010/main">
-    <mc:Choice Requires="p14">
-      <p:transition spd="slow" p14:dur="2000"/>
-    </mc:Choice>
-    <mc:Fallback xmlns="">
-      <p:transition spd="slow"/>
-    </mc:Fallback>
-  </mc:AlternateContent>
 </p:sldLayout>
 </file>
 
@@ -3069,8 +1694,8 @@
         </p:nvSpPr>
         <p:spPr>
           <a:xfrm>
-            <a:off x="693738" y="301625"/>
-            <a:ext cx="8691562" cy="1095375"/>
+            <a:off x="839788" y="365125"/>
+            <a:ext cx="10515600" cy="1325563"/>
           </a:xfrm>
         </p:spPr>
         <p:txBody>
@@ -3097,8 +1722,8 @@
         </p:nvSpPr>
         <p:spPr>
           <a:xfrm>
-            <a:off x="693738" y="1389063"/>
-            <a:ext cx="4264025" cy="681037"/>
+            <a:off x="839788" y="1681163"/>
+            <a:ext cx="5157787" cy="823912"/>
           </a:xfrm>
         </p:spPr>
         <p:txBody>
@@ -3162,8 +1787,8 @@
         </p:nvSpPr>
         <p:spPr>
           <a:xfrm>
-            <a:off x="693738" y="2070100"/>
-            <a:ext cx="4264025" cy="3046413"/>
+            <a:off x="839788" y="2505075"/>
+            <a:ext cx="5157787" cy="3684588"/>
           </a:xfrm>
         </p:spPr>
         <p:txBody>
@@ -3219,8 +1844,8 @@
         </p:nvSpPr>
         <p:spPr>
           <a:xfrm>
-            <a:off x="5102225" y="1389063"/>
-            <a:ext cx="4283075" cy="681037"/>
+            <a:off x="6172200" y="1681163"/>
+            <a:ext cx="5183188" cy="823912"/>
           </a:xfrm>
         </p:spPr>
         <p:txBody>
@@ -3284,8 +1909,8 @@
         </p:nvSpPr>
         <p:spPr>
           <a:xfrm>
-            <a:off x="5102225" y="2070100"/>
-            <a:ext cx="4283075" cy="3046413"/>
+            <a:off x="6172200" y="2505075"/>
+            <a:ext cx="5183188" cy="3684588"/>
           </a:xfrm>
         </p:spPr>
         <p:txBody>
@@ -3344,8 +1969,11 @@
           <a:bodyPr/>
           <a:lstStyle/>
           <a:p>
-            <a:pPr lvl="0"/>
-            <a:endParaRPr lang="en-US"/>
+            <a:fld id="{F8EB912C-D4A9-448E-BB08-2CC8D8D9D292}" type="datetime1">
+              <a:rPr lang="ru-RU" smtClean="0"/>
+              <a:t>27.10.2020</a:t>
+            </a:fld>
+            <a:endParaRPr lang="ru-RU"/>
           </a:p>
         </p:txBody>
       </p:sp>
@@ -3364,8 +1992,7 @@
           <a:bodyPr/>
           <a:lstStyle/>
           <a:p>
-            <a:pPr lvl="0"/>
-            <a:endParaRPr lang="en-US"/>
+            <a:endParaRPr lang="ru-RU"/>
           </a:p>
         </p:txBody>
       </p:sp>
@@ -3384,32 +2011,24 @@
           <a:bodyPr/>
           <a:lstStyle/>
           <a:p>
-            <a:pPr lvl="0"/>
-            <a:fld id="{9856934A-A635-4A15-BF80-815523E718FE}" type="slidenum">
+            <a:fld id="{37A93542-8C58-4ADB-95DA-1B7887A706FA}" type="slidenum">
+              <a:rPr lang="ru-RU" smtClean="0"/>
               <a:t>‹#›</a:t>
             </a:fld>
-            <a:endParaRPr lang="en-US"/>
+            <a:endParaRPr lang="ru-RU"/>
           </a:p>
         </p:txBody>
       </p:sp>
     </p:spTree>
     <p:extLst>
       <p:ext uri="{BB962C8B-B14F-4D97-AF65-F5344CB8AC3E}">
-        <p14:creationId xmlns:p14="http://schemas.microsoft.com/office/powerpoint/2010/main" val="435744086"/>
+        <p14:creationId xmlns:p14="http://schemas.microsoft.com/office/powerpoint/2010/main" val="728085258"/>
       </p:ext>
     </p:extLst>
   </p:cSld>
   <p:clrMapOvr>
     <a:masterClrMapping/>
   </p:clrMapOvr>
-  <mc:AlternateContent xmlns:mc="http://schemas.openxmlformats.org/markup-compatibility/2006" xmlns:p14="http://schemas.microsoft.com/office/powerpoint/2010/main">
-    <mc:Choice Requires="p14">
-      <p:transition spd="slow" p14:dur="2000"/>
-    </mc:Choice>
-    <mc:Fallback xmlns="">
-      <p:transition spd="slow"/>
-    </mc:Fallback>
-  </mc:AlternateContent>
 </p:sldLayout>
 </file>
 
@@ -3468,8 +2087,11 @@
           <a:bodyPr/>
           <a:lstStyle/>
           <a:p>
-            <a:pPr lvl="0"/>
-            <a:endParaRPr lang="en-US"/>
+            <a:fld id="{E636841F-67E9-4E18-A9C4-8B12158AEA16}" type="datetime1">
+              <a:rPr lang="ru-RU" smtClean="0"/>
+              <a:t>27.10.2020</a:t>
+            </a:fld>
+            <a:endParaRPr lang="ru-RU"/>
           </a:p>
         </p:txBody>
       </p:sp>
@@ -3488,8 +2110,7 @@
           <a:bodyPr/>
           <a:lstStyle/>
           <a:p>
-            <a:pPr lvl="0"/>
-            <a:endParaRPr lang="en-US"/>
+            <a:endParaRPr lang="ru-RU"/>
           </a:p>
         </p:txBody>
       </p:sp>
@@ -3508,32 +2129,24 @@
           <a:bodyPr/>
           <a:lstStyle/>
           <a:p>
-            <a:pPr lvl="0"/>
-            <a:fld id="{D9F25962-711C-43DA-9E1A-6158F856C65D}" type="slidenum">
+            <a:fld id="{37A93542-8C58-4ADB-95DA-1B7887A706FA}" type="slidenum">
+              <a:rPr lang="ru-RU" smtClean="0"/>
               <a:t>‹#›</a:t>
             </a:fld>
-            <a:endParaRPr lang="en-US"/>
+            <a:endParaRPr lang="ru-RU"/>
           </a:p>
         </p:txBody>
       </p:sp>
     </p:spTree>
     <p:extLst>
       <p:ext uri="{BB962C8B-B14F-4D97-AF65-F5344CB8AC3E}">
-        <p14:creationId xmlns:p14="http://schemas.microsoft.com/office/powerpoint/2010/main" val="24281029"/>
+        <p14:creationId xmlns:p14="http://schemas.microsoft.com/office/powerpoint/2010/main" val="1965555431"/>
       </p:ext>
     </p:extLst>
   </p:cSld>
   <p:clrMapOvr>
     <a:masterClrMapping/>
   </p:clrMapOvr>
-  <mc:AlternateContent xmlns:mc="http://schemas.openxmlformats.org/markup-compatibility/2006" xmlns:p14="http://schemas.microsoft.com/office/powerpoint/2010/main">
-    <mc:Choice Requires="p14">
-      <p:transition spd="slow" p14:dur="2000"/>
-    </mc:Choice>
-    <mc:Fallback xmlns="">
-      <p:transition spd="slow"/>
-    </mc:Fallback>
-  </mc:AlternateContent>
 </p:sldLayout>
 </file>
 
@@ -3569,8 +2182,11 @@
           <a:bodyPr/>
           <a:lstStyle/>
           <a:p>
-            <a:pPr lvl="0"/>
-            <a:endParaRPr lang="en-US"/>
+            <a:fld id="{15A7D259-BC5E-4344-84FC-7875EB06BFE8}" type="datetime1">
+              <a:rPr lang="ru-RU" smtClean="0"/>
+              <a:t>27.10.2020</a:t>
+            </a:fld>
+            <a:endParaRPr lang="ru-RU"/>
           </a:p>
         </p:txBody>
       </p:sp>
@@ -3589,8 +2205,7 @@
           <a:bodyPr/>
           <a:lstStyle/>
           <a:p>
-            <a:pPr lvl="0"/>
-            <a:endParaRPr lang="en-US"/>
+            <a:endParaRPr lang="ru-RU"/>
           </a:p>
         </p:txBody>
       </p:sp>
@@ -3609,33 +2224,24 @@
           <a:bodyPr/>
           <a:lstStyle/>
           <a:p>
-            <a:pPr lvl="0"/>
-            <a:fld id="{F98378D7-019D-49B9-BB36-EA827416F515}" type="slidenum">
+            <a:fld id="{37A93542-8C58-4ADB-95DA-1B7887A706FA}" type="slidenum">
+              <a:rPr lang="ru-RU" smtClean="0"/>
               <a:t>‹#›</a:t>
             </a:fld>
-            <a:endParaRPr lang="en-US"/>
+            <a:endParaRPr lang="ru-RU"/>
           </a:p>
         </p:txBody>
       </p:sp>
     </p:spTree>
     <p:extLst>
       <p:ext uri="{BB962C8B-B14F-4D97-AF65-F5344CB8AC3E}">
-        <p14:creationId xmlns:p14="http://schemas.microsoft.com/office/powerpoint/2010/main" val="2159200638"/>
+        <p14:creationId xmlns:p14="http://schemas.microsoft.com/office/powerpoint/2010/main" val="2145691061"/>
       </p:ext>
     </p:extLst>
   </p:cSld>
   <p:clrMapOvr>
     <a:masterClrMapping/>
   </p:clrMapOvr>
-  <mc:AlternateContent xmlns:mc="http://schemas.openxmlformats.org/markup-compatibility/2006" xmlns:p14="http://schemas.microsoft.com/office/powerpoint/2010/main">
-    <mc:Choice Requires="p14">
-      <p:transition spd="slow" p14:dur="2000"/>
-    </mc:Choice>
-    <mc:Fallback xmlns="">
-      <p:transition spd="slow"/>
-    </mc:Fallback>
-  </mc:AlternateContent>
-  <p:hf sldNum="0" hdr="0" ftr="0" dt="0"/>
 </p:sldLayout>
 </file>
 
@@ -3668,8 +2274,8 @@
         </p:nvSpPr>
         <p:spPr>
           <a:xfrm>
-            <a:off x="693738" y="377825"/>
-            <a:ext cx="3251200" cy="1322388"/>
+            <a:off x="839788" y="457200"/>
+            <a:ext cx="3932237" cy="1600200"/>
           </a:xfrm>
         </p:spPr>
         <p:txBody>
@@ -3700,8 +2306,8 @@
         </p:nvSpPr>
         <p:spPr>
           <a:xfrm>
-            <a:off x="4284663" y="815975"/>
-            <a:ext cx="5100637" cy="4029075"/>
+            <a:off x="5183188" y="987425"/>
+            <a:ext cx="6172200" cy="4873625"/>
           </a:xfrm>
         </p:spPr>
         <p:txBody>
@@ -3785,8 +2391,8 @@
         </p:nvSpPr>
         <p:spPr>
           <a:xfrm>
-            <a:off x="693738" y="1700213"/>
-            <a:ext cx="3251200" cy="3151187"/>
+            <a:off x="839788" y="2057400"/>
+            <a:ext cx="3932237" cy="3811588"/>
           </a:xfrm>
         </p:spPr>
         <p:txBody>
@@ -3853,8 +2459,11 @@
           <a:bodyPr/>
           <a:lstStyle/>
           <a:p>
-            <a:pPr lvl="0"/>
-            <a:endParaRPr lang="en-US"/>
+            <a:fld id="{E7B97026-873F-4751-AADD-D0C0123C3275}" type="datetime1">
+              <a:rPr lang="ru-RU" smtClean="0"/>
+              <a:t>27.10.2020</a:t>
+            </a:fld>
+            <a:endParaRPr lang="ru-RU"/>
           </a:p>
         </p:txBody>
       </p:sp>
@@ -3873,8 +2482,7 @@
           <a:bodyPr/>
           <a:lstStyle/>
           <a:p>
-            <a:pPr lvl="0"/>
-            <a:endParaRPr lang="en-US"/>
+            <a:endParaRPr lang="ru-RU"/>
           </a:p>
         </p:txBody>
       </p:sp>
@@ -3893,32 +2501,24 @@
           <a:bodyPr/>
           <a:lstStyle/>
           <a:p>
-            <a:pPr lvl="0"/>
-            <a:fld id="{EFA68149-B713-4C4C-B74D-C5D7489D02FE}" type="slidenum">
+            <a:fld id="{37A93542-8C58-4ADB-95DA-1B7887A706FA}" type="slidenum">
+              <a:rPr lang="ru-RU" smtClean="0"/>
               <a:t>‹#›</a:t>
             </a:fld>
-            <a:endParaRPr lang="en-US"/>
+            <a:endParaRPr lang="ru-RU"/>
           </a:p>
         </p:txBody>
       </p:sp>
     </p:spTree>
     <p:extLst>
       <p:ext uri="{BB962C8B-B14F-4D97-AF65-F5344CB8AC3E}">
-        <p14:creationId xmlns:p14="http://schemas.microsoft.com/office/powerpoint/2010/main" val="2327205176"/>
+        <p14:creationId xmlns:p14="http://schemas.microsoft.com/office/powerpoint/2010/main" val="724321267"/>
       </p:ext>
     </p:extLst>
   </p:cSld>
   <p:clrMapOvr>
     <a:masterClrMapping/>
   </p:clrMapOvr>
-  <mc:AlternateContent xmlns:mc="http://schemas.openxmlformats.org/markup-compatibility/2006" xmlns:p14="http://schemas.microsoft.com/office/powerpoint/2010/main">
-    <mc:Choice Requires="p14">
-      <p:transition spd="slow" p14:dur="2000"/>
-    </mc:Choice>
-    <mc:Fallback xmlns="">
-      <p:transition spd="slow"/>
-    </mc:Fallback>
-  </mc:AlternateContent>
 </p:sldLayout>
 </file>
 
@@ -3951,8 +2551,8 @@
         </p:nvSpPr>
         <p:spPr>
           <a:xfrm>
-            <a:off x="693738" y="377825"/>
-            <a:ext cx="3251200" cy="1322388"/>
+            <a:off x="839788" y="457200"/>
+            <a:ext cx="3932237" cy="1600200"/>
           </a:xfrm>
         </p:spPr>
         <p:txBody>
@@ -3983,8 +2583,8 @@
         </p:nvSpPr>
         <p:spPr>
           <a:xfrm>
-            <a:off x="4284663" y="815975"/>
-            <a:ext cx="5100637" cy="4029075"/>
+            <a:off x="5183188" y="987425"/>
+            <a:ext cx="6172200" cy="4873625"/>
           </a:xfrm>
         </p:spPr>
         <p:txBody>
@@ -4044,8 +2644,8 @@
         </p:nvSpPr>
         <p:spPr>
           <a:xfrm>
-            <a:off x="693738" y="1700213"/>
-            <a:ext cx="3251200" cy="3151187"/>
+            <a:off x="839788" y="2057400"/>
+            <a:ext cx="3932237" cy="3811588"/>
           </a:xfrm>
         </p:spPr>
         <p:txBody>
@@ -4112,8 +2712,11 @@
           <a:bodyPr/>
           <a:lstStyle/>
           <a:p>
-            <a:pPr lvl="0"/>
-            <a:endParaRPr lang="en-US"/>
+            <a:fld id="{489F3F04-2858-4D75-BA97-98D822DB37EE}" type="datetime1">
+              <a:rPr lang="ru-RU" smtClean="0"/>
+              <a:t>27.10.2020</a:t>
+            </a:fld>
+            <a:endParaRPr lang="ru-RU"/>
           </a:p>
         </p:txBody>
       </p:sp>
@@ -4132,8 +2735,7 @@
           <a:bodyPr/>
           <a:lstStyle/>
           <a:p>
-            <a:pPr lvl="0"/>
-            <a:endParaRPr lang="en-US"/>
+            <a:endParaRPr lang="ru-RU"/>
           </a:p>
         </p:txBody>
       </p:sp>
@@ -4152,32 +2754,24 @@
           <a:bodyPr/>
           <a:lstStyle/>
           <a:p>
-            <a:pPr lvl="0"/>
-            <a:fld id="{354A91A3-EED7-4185-B500-C9DEEAC57AFC}" type="slidenum">
+            <a:fld id="{37A93542-8C58-4ADB-95DA-1B7887A706FA}" type="slidenum">
+              <a:rPr lang="ru-RU" smtClean="0"/>
               <a:t>‹#›</a:t>
             </a:fld>
-            <a:endParaRPr lang="en-US"/>
+            <a:endParaRPr lang="ru-RU"/>
           </a:p>
         </p:txBody>
       </p:sp>
     </p:spTree>
     <p:extLst>
       <p:ext uri="{BB962C8B-B14F-4D97-AF65-F5344CB8AC3E}">
-        <p14:creationId xmlns:p14="http://schemas.microsoft.com/office/powerpoint/2010/main" val="2205588431"/>
+        <p14:creationId xmlns:p14="http://schemas.microsoft.com/office/powerpoint/2010/main" val="1084396276"/>
       </p:ext>
     </p:extLst>
   </p:cSld>
   <p:clrMapOvr>
     <a:masterClrMapping/>
   </p:clrMapOvr>
-  <mc:AlternateContent xmlns:mc="http://schemas.openxmlformats.org/markup-compatibility/2006" xmlns:p14="http://schemas.microsoft.com/office/powerpoint/2010/main">
-    <mc:Choice Requires="p14">
-      <p:transition spd="slow" p14:dur="2000"/>
-    </mc:Choice>
-    <mc:Fallback xmlns="">
-      <p:transition spd="slow"/>
-    </mc:Fallback>
-  </mc:AlternateContent>
 </p:sldLayout>
 </file>
 
@@ -4185,12 +2779,9 @@
 <p:sldMaster xmlns:a="http://schemas.openxmlformats.org/drawingml/2006/main" xmlns:r="http://schemas.openxmlformats.org/officeDocument/2006/relationships" xmlns:p="http://schemas.openxmlformats.org/presentationml/2006/main">
   <p:cSld>
     <p:bg>
-      <p:bgPr>
-        <a:solidFill>
-          <a:schemeClr val="bg1"/>
-        </a:solidFill>
-        <a:effectLst/>
-      </p:bgPr>
+      <p:bgRef idx="1001">
+        <a:schemeClr val="bg1"/>
+      </p:bgRef>
     </p:bg>
     <p:spTree>
       <p:nvGrpSpPr>
@@ -4209,7 +2800,7 @@
       <p:sp>
         <p:nvSpPr>
           <p:cNvPr id="2" name="Title Placeholder 1"/>
-          <p:cNvSpPr txBox="1">
+          <p:cNvSpPr>
             <a:spLocks noGrp="1"/>
           </p:cNvSpPr>
           <p:nvPr>
@@ -4218,29 +2809,31 @@
         </p:nvSpPr>
         <p:spPr>
           <a:xfrm>
-            <a:off x="503640" y="225720"/>
-            <a:ext cx="9068760" cy="946440"/>
+            <a:off x="838200" y="365125"/>
+            <a:ext cx="10515600" cy="1325563"/>
           </a:xfrm>
           <a:prstGeom prst="rect">
             <a:avLst/>
           </a:prstGeom>
-          <a:noFill/>
-          <a:ln>
-            <a:noFill/>
-          </a:ln>
         </p:spPr>
         <p:txBody>
-          <a:bodyPr lIns="0" tIns="0" rIns="0" bIns="0" anchor="ctr"/>
-          <a:lstStyle/>
-          <a:p>
-            <a:endParaRPr lang="en-US"/>
+          <a:bodyPr vert="horz" lIns="91440" tIns="45720" rIns="91440" bIns="45720" rtlCol="0" anchor="ctr">
+            <a:normAutofit/>
+          </a:bodyPr>
+          <a:lstStyle/>
+          <a:p>
+            <a:r>
+              <a:rPr lang="en-US" smtClean="0"/>
+              <a:t>Click to edit Master title style</a:t>
+            </a:r>
+            <a:endParaRPr lang="ru-RU"/>
           </a:p>
         </p:txBody>
       </p:sp>
       <p:sp>
         <p:nvSpPr>
           <p:cNvPr id="3" name="Text Placeholder 2"/>
-          <p:cNvSpPr txBox="1">
+          <p:cNvSpPr>
             <a:spLocks noGrp="1"/>
           </p:cNvSpPr>
           <p:nvPr>
@@ -4249,19 +2842,15 @@
         </p:nvSpPr>
         <p:spPr>
           <a:xfrm>
-            <a:off x="503640" y="1326240"/>
-            <a:ext cx="9068760" cy="3287879"/>
+            <a:off x="838200" y="1825625"/>
+            <a:ext cx="10515600" cy="4351338"/>
           </a:xfrm>
           <a:prstGeom prst="rect">
             <a:avLst/>
           </a:prstGeom>
-          <a:noFill/>
-          <a:ln>
-            <a:noFill/>
-          </a:ln>
         </p:spPr>
         <p:txBody>
-          <a:bodyPr lIns="0" tIns="0" rIns="0" bIns="0">
+          <a:bodyPr vert="horz" lIns="91440" tIns="45720" rIns="91440" bIns="45720" rtlCol="0">
             <a:normAutofit/>
           </a:bodyPr>
           <a:lstStyle/>
@@ -4299,14 +2888,14 @@
               <a:rPr lang="en-US" smtClean="0"/>
               <a:t>Fifth level</a:t>
             </a:r>
-            <a:endParaRPr lang="en-US"/>
+            <a:endParaRPr lang="ru-RU"/>
           </a:p>
         </p:txBody>
       </p:sp>
       <p:sp>
         <p:nvSpPr>
           <p:cNvPr id="4" name="Date Placeholder 3"/>
-          <p:cNvSpPr txBox="1">
+          <p:cNvSpPr>
             <a:spLocks noGrp="1"/>
           </p:cNvSpPr>
           <p:nvPr>
@@ -4315,42 +2904,39 @@
         </p:nvSpPr>
         <p:spPr>
           <a:xfrm>
-            <a:off x="503640" y="5164560"/>
-            <a:ext cx="2347560" cy="390600"/>
+            <a:off x="838200" y="6356350"/>
+            <a:ext cx="2743200" cy="365125"/>
           </a:xfrm>
           <a:prstGeom prst="rect">
             <a:avLst/>
           </a:prstGeom>
-          <a:noFill/>
-          <a:ln>
-            <a:noFill/>
-          </a:ln>
         </p:spPr>
         <p:txBody>
-          <a:bodyPr vert="horz" lIns="0" tIns="0" rIns="0" bIns="0" anchorCtr="0">
-            <a:noAutofit/>
-          </a:bodyPr>
+          <a:bodyPr vert="horz" lIns="91440" tIns="45720" rIns="91440" bIns="45720" rtlCol="0" anchor="ctr"/>
           <a:lstStyle>
-            <a:lvl1pPr lvl="0" rtl="0" hangingPunct="0">
-              <a:buNone/>
-              <a:tabLst/>
-              <a:defRPr lang="en-US" sz="1400" kern="1200">
-                <a:latin typeface="Liberation Serif" pitchFamily="18"/>
-                <a:ea typeface="DejaVu Sans" pitchFamily="2"/>
-                <a:cs typeface="DejaVu Sans" pitchFamily="2"/>
+            <a:lvl1pPr algn="l">
+              <a:defRPr sz="1200">
+                <a:solidFill>
+                  <a:schemeClr val="tx1">
+                    <a:tint val="75000"/>
+                  </a:schemeClr>
+                </a:solidFill>
               </a:defRPr>
             </a:lvl1pPr>
           </a:lstStyle>
           <a:p>
-            <a:pPr lvl="0"/>
-            <a:endParaRPr lang="en-US"/>
+            <a:fld id="{AA2CFCD1-966C-4396-9751-179484952940}" type="datetime1">
+              <a:rPr lang="ru-RU" smtClean="0"/>
+              <a:t>27.10.2020</a:t>
+            </a:fld>
+            <a:endParaRPr lang="ru-RU"/>
           </a:p>
         </p:txBody>
       </p:sp>
       <p:sp>
         <p:nvSpPr>
           <p:cNvPr id="5" name="Footer Placeholder 4"/>
-          <p:cNvSpPr txBox="1">
+          <p:cNvSpPr>
             <a:spLocks noGrp="1"/>
           </p:cNvSpPr>
           <p:nvPr>
@@ -4359,42 +2945,35 @@
         </p:nvSpPr>
         <p:spPr>
           <a:xfrm>
-            <a:off x="3445920" y="5164560"/>
-            <a:ext cx="3193920" cy="390600"/>
+            <a:off x="4038600" y="6356350"/>
+            <a:ext cx="4114800" cy="365125"/>
           </a:xfrm>
           <a:prstGeom prst="rect">
             <a:avLst/>
           </a:prstGeom>
-          <a:noFill/>
-          <a:ln>
-            <a:noFill/>
-          </a:ln>
         </p:spPr>
         <p:txBody>
-          <a:bodyPr vert="horz" lIns="0" tIns="0" rIns="0" bIns="0" anchorCtr="0">
-            <a:noAutofit/>
-          </a:bodyPr>
+          <a:bodyPr vert="horz" lIns="91440" tIns="45720" rIns="91440" bIns="45720" rtlCol="0" anchor="ctr"/>
           <a:lstStyle>
-            <a:lvl1pPr lvl="0" algn="ctr" rtl="0" hangingPunct="0">
-              <a:buNone/>
-              <a:tabLst/>
-              <a:defRPr lang="en-US" sz="1400" kern="1200">
-                <a:latin typeface="Liberation Serif" pitchFamily="18"/>
-                <a:ea typeface="DejaVu Sans" pitchFamily="2"/>
-                <a:cs typeface="DejaVu Sans" pitchFamily="2"/>
+            <a:lvl1pPr algn="ctr">
+              <a:defRPr sz="1200">
+                <a:solidFill>
+                  <a:schemeClr val="tx1">
+                    <a:tint val="75000"/>
+                  </a:schemeClr>
+                </a:solidFill>
               </a:defRPr>
             </a:lvl1pPr>
           </a:lstStyle>
           <a:p>
-            <a:pPr lvl="0"/>
-            <a:endParaRPr lang="en-US"/>
+            <a:endParaRPr lang="ru-RU"/>
           </a:p>
         </p:txBody>
       </p:sp>
       <p:sp>
         <p:nvSpPr>
           <p:cNvPr id="6" name="Slide Number Placeholder 5"/>
-          <p:cNvSpPr txBox="1">
+          <p:cNvSpPr>
             <a:spLocks noGrp="1"/>
           </p:cNvSpPr>
           <p:nvPr>
@@ -4403,42 +2982,41 @@
         </p:nvSpPr>
         <p:spPr>
           <a:xfrm>
-            <a:off x="7224840" y="5164560"/>
-            <a:ext cx="2347560" cy="390600"/>
+            <a:off x="8610600" y="6356350"/>
+            <a:ext cx="2743200" cy="365125"/>
           </a:xfrm>
           <a:prstGeom prst="rect">
             <a:avLst/>
           </a:prstGeom>
-          <a:noFill/>
-          <a:ln>
-            <a:noFill/>
-          </a:ln>
         </p:spPr>
         <p:txBody>
-          <a:bodyPr vert="horz" lIns="0" tIns="0" rIns="0" bIns="0" anchorCtr="0">
-            <a:noAutofit/>
-          </a:bodyPr>
+          <a:bodyPr vert="horz" lIns="91440" tIns="45720" rIns="91440" bIns="45720" rtlCol="0" anchor="ctr"/>
           <a:lstStyle>
-            <a:lvl1pPr lvl="0" algn="r" rtl="0" hangingPunct="0">
-              <a:buNone/>
-              <a:tabLst/>
-              <a:defRPr lang="en-US" sz="1400" kern="1200">
-                <a:latin typeface="Liberation Serif" pitchFamily="18"/>
-                <a:ea typeface="DejaVu Sans" pitchFamily="2"/>
-                <a:cs typeface="DejaVu Sans" pitchFamily="2"/>
+            <a:lvl1pPr algn="r">
+              <a:defRPr sz="1200">
+                <a:solidFill>
+                  <a:schemeClr val="tx1">
+                    <a:tint val="75000"/>
+                  </a:schemeClr>
+                </a:solidFill>
               </a:defRPr>
             </a:lvl1pPr>
           </a:lstStyle>
           <a:p>
-            <a:pPr lvl="0"/>
-            <a:fld id="{F2E23B3A-30DD-47E9-9D06-9888828245B0}" type="slidenum">
+            <a:fld id="{37A93542-8C58-4ADB-95DA-1B7887A706FA}" type="slidenum">
+              <a:rPr lang="ru-RU" smtClean="0"/>
               <a:t>‹#›</a:t>
             </a:fld>
-            <a:endParaRPr lang="en-US"/>
+            <a:endParaRPr lang="ru-RU"/>
           </a:p>
         </p:txBody>
       </p:sp>
     </p:spTree>
+    <p:extLst>
+      <p:ext uri="{BB962C8B-B14F-4D97-AF65-F5344CB8AC3E}">
+        <p14:creationId xmlns:p14="http://schemas.microsoft.com/office/powerpoint/2010/main" val="1966316021"/>
+      </p:ext>
+    </p:extLst>
   </p:cSld>
   <p:clrMap bg1="lt1" tx1="dk1" bg2="lt2" tx2="dk2" accent1="accent1" accent2="accent2" accent3="accent3" accent4="accent4" accent5="accent5" accent6="accent6" hlink="hlink" folHlink="folHlink"/>
   <p:sldLayoutIdLst>
@@ -4454,50 +3032,44 @@
     <p:sldLayoutId id="2147483658" r:id="rId10"/>
     <p:sldLayoutId id="2147483659" r:id="rId11"/>
   </p:sldLayoutIdLst>
-  <mc:AlternateContent xmlns:mc="http://schemas.openxmlformats.org/markup-compatibility/2006" xmlns:p14="http://schemas.microsoft.com/office/powerpoint/2010/main">
-    <mc:Choice Requires="p14">
-      <p:transition spd="slow" p14:dur="2000"/>
-    </mc:Choice>
-    <mc:Fallback xmlns="">
-      <p:transition spd="slow"/>
-    </mc:Fallback>
-  </mc:AlternateContent>
+  <p:hf hdr="0" ftr="0" dt="0"/>
   <p:txStyles>
     <p:titleStyle>
-      <a:lvl1pPr algn="ctr" rtl="0" hangingPunct="0">
-        <a:tabLst/>
-        <a:defRPr lang="en-US" sz="4400" b="0" i="0" u="none" strike="noStrike" kern="1200" cap="none">
-          <a:ln>
-            <a:noFill/>
-          </a:ln>
-          <a:highlight>
-            <a:scrgbClr r="0" g="0" b="0">
-              <a:alpha val="0"/>
-            </a:scrgbClr>
-          </a:highlight>
-          <a:latin typeface="Liberation Sans" pitchFamily="18"/>
+      <a:lvl1pPr algn="l" defTabSz="914400" rtl="0" eaLnBrk="1" latinLnBrk="0" hangingPunct="1">
+        <a:lnSpc>
+          <a:spcPct val="90000"/>
+        </a:lnSpc>
+        <a:spcBef>
+          <a:spcPct val="0"/>
+        </a:spcBef>
+        <a:buNone/>
+        <a:defRPr sz="4400" kern="1200">
+          <a:solidFill>
+            <a:schemeClr val="tx1"/>
+          </a:solidFill>
+          <a:latin typeface="+mj-lt"/>
+          <a:ea typeface="+mj-ea"/>
+          <a:cs typeface="+mj-cs"/>
         </a:defRPr>
       </a:lvl1pPr>
     </p:titleStyle>
     <p:bodyStyle>
-      <a:lvl1pPr marL="0" marR="0" indent="0" rtl="0" hangingPunct="0">
+      <a:lvl1pPr marL="228600" indent="-228600" algn="l" defTabSz="914400" rtl="0" eaLnBrk="1" latinLnBrk="0" hangingPunct="1">
+        <a:lnSpc>
+          <a:spcPct val="90000"/>
+        </a:lnSpc>
         <a:spcBef>
-          <a:spcPts val="1414"/>
+          <a:spcPts val="1000"/>
         </a:spcBef>
-        <a:spcAft>
-          <a:spcPts val="0"/>
-        </a:spcAft>
-        <a:tabLst/>
-        <a:defRPr lang="en-US" sz="3200" b="0" i="0" u="none" strike="noStrike" kern="1200" cap="none">
-          <a:ln>
-            <a:noFill/>
-          </a:ln>
-          <a:highlight>
-            <a:scrgbClr r="0" g="0" b="0">
-              <a:alpha val="0"/>
-            </a:scrgbClr>
-          </a:highlight>
-          <a:latin typeface="Liberation Sans" pitchFamily="18"/>
+        <a:buFont typeface="Arial" panose="020B0604020202020204" pitchFamily="34" charset="0"/>
+        <a:buChar char="•"/>
+        <a:defRPr sz="2800" kern="1200">
+          <a:solidFill>
+            <a:schemeClr val="tx1"/>
+          </a:solidFill>
+          <a:latin typeface="+mn-lt"/>
+          <a:ea typeface="+mn-ea"/>
+          <a:cs typeface="+mn-cs"/>
         </a:defRPr>
       </a:lvl1pPr>
       <a:lvl2pPr marL="685800" indent="-228600" algn="l" defTabSz="914400" rtl="0" eaLnBrk="1" latinLnBrk="0" hangingPunct="1">
@@ -4746,7 +3318,7 @@
 
 <file path=ppt/slides/slide1.xml><?xml version="1.0" encoding="utf-8"?>
 <p:sld xmlns:a="http://schemas.openxmlformats.org/drawingml/2006/main" xmlns:r="http://schemas.openxmlformats.org/officeDocument/2006/relationships" xmlns:p="http://schemas.openxmlformats.org/presentationml/2006/main">
-  <p:cSld name="page1">
+  <p:cSld>
     <p:spTree>
       <p:nvGrpSpPr>
         <p:cNvPr id="1" name=""/>
@@ -4764,154 +3336,87 @@
       <p:sp>
         <p:nvSpPr>
           <p:cNvPr id="2" name="Title 1"/>
-          <p:cNvSpPr txBox="1">
-            <a:spLocks noGrp="1"/>
-          </p:cNvSpPr>
-          <p:nvPr>
-            <p:ph type="title" idx="4294967295"/>
-          </p:nvPr>
-        </p:nvSpPr>
-        <p:spPr/>
-        <p:txBody>
-          <a:bodyPr vert="horz"/>
-          <a:lstStyle/>
-          <a:p>
-            <a:pPr lvl="0"/>
-            <a:r>
-              <a:rPr lang="en-US"/>
+          <p:cNvSpPr>
+            <a:spLocks noGrp="1"/>
+          </p:cNvSpPr>
+          <p:nvPr>
+            <p:ph type="ctrTitle"/>
+          </p:nvPr>
+        </p:nvSpPr>
+        <p:spPr/>
+        <p:txBody>
+          <a:bodyPr/>
+          <a:lstStyle/>
+          <a:p>
+            <a:r>
+              <a:rPr lang="ru-RU" dirty="0" smtClean="0"/>
               <a:t>Тема работы</a:t>
             </a:r>
+            <a:endParaRPr lang="ru-RU" dirty="0"/>
           </a:p>
         </p:txBody>
       </p:sp>
       <p:sp>
         <p:nvSpPr>
           <p:cNvPr id="3" name="Subtitle 2"/>
-          <p:cNvSpPr txBox="1">
-            <a:spLocks noGrp="1"/>
-          </p:cNvSpPr>
-          <p:nvPr>
-            <p:ph type="subTitle" idx="4294967295"/>
-          </p:nvPr>
-        </p:nvSpPr>
-        <p:spPr>
-          <a:xfrm>
-            <a:off x="503640" y="1138909"/>
-            <a:ext cx="9068760" cy="3662541"/>
-          </a:xfrm>
-        </p:spPr>
-        <p:txBody>
-          <a:bodyPr vert="horz" anchor="ctr">
-            <a:spAutoFit/>
-          </a:bodyPr>
-          <a:lstStyle/>
-          <a:p>
-            <a:pPr lvl="0" algn="ctr"/>
-            <a:endParaRPr lang="en-US" sz="2400" dirty="0"/>
-          </a:p>
-          <a:p>
-            <a:pPr lvl="0" algn="ctr"/>
-            <a:r>
-              <a:rPr lang="en-US" sz="2400" dirty="0"/>
-              <a:t> </a:t>
-            </a:r>
-          </a:p>
-          <a:p>
-            <a:pPr lvl="0" algn="ctr"/>
-            <a:r>
-              <a:rPr lang="en-US" sz="2400" dirty="0" err="1"/>
+          <p:cNvSpPr>
+            <a:spLocks noGrp="1"/>
+          </p:cNvSpPr>
+          <p:nvPr>
+            <p:ph type="subTitle" idx="1"/>
+          </p:nvPr>
+        </p:nvSpPr>
+        <p:spPr/>
+        <p:txBody>
+          <a:bodyPr/>
+          <a:lstStyle/>
+          <a:p>
+            <a:r>
+              <a:rPr lang="ru-RU" dirty="0" smtClean="0"/>
               <a:t>Автор</a:t>
             </a:r>
             <a:r>
-              <a:rPr lang="en-US" sz="2400" dirty="0"/>
+              <a:rPr lang="en-US" dirty="0" smtClean="0"/>
               <a:t>: </a:t>
             </a:r>
             <a:r>
-              <a:rPr lang="en-US" sz="2400" dirty="0" err="1"/>
-              <a:t>Иванов</a:t>
-            </a:r>
-            <a:r>
-              <a:rPr lang="en-US" sz="2400" dirty="0"/>
-              <a:t> И.И</a:t>
-            </a:r>
-            <a:r>
-              <a:rPr lang="en-US" sz="2400" dirty="0" smtClean="0"/>
-              <a:t>, </a:t>
-            </a:r>
-            <a:r>
-              <a:rPr lang="en-US" sz="2400" dirty="0" err="1"/>
-              <a:t>группа</a:t>
-            </a:r>
-            <a:r>
-              <a:rPr lang="en-US" sz="2400" dirty="0"/>
-              <a:t> 0000</a:t>
-            </a:r>
-          </a:p>
-          <a:p>
-            <a:pPr lvl="0" algn="ctr"/>
-            <a:r>
-              <a:rPr lang="en-US" sz="2400" dirty="0" err="1"/>
+              <a:rPr lang="ru-RU" dirty="0" smtClean="0"/>
+              <a:t>Иванов И.И., группа 0000</a:t>
+            </a:r>
+          </a:p>
+          <a:p>
+            <a:r>
+              <a:rPr lang="ru-RU" dirty="0" smtClean="0"/>
               <a:t>Руководитель</a:t>
             </a:r>
             <a:r>
-              <a:rPr lang="en-US" sz="2400" dirty="0"/>
+              <a:rPr lang="en-US" dirty="0" smtClean="0"/>
               <a:t>: </a:t>
             </a:r>
             <a:r>
-              <a:rPr lang="en-US" sz="2400" dirty="0" err="1"/>
-              <a:t>Иванов</a:t>
-            </a:r>
-            <a:r>
-              <a:rPr lang="en-US" sz="2400" dirty="0"/>
-              <a:t> И.А., </a:t>
-            </a:r>
-            <a:r>
-              <a:rPr lang="en-US" sz="2400" dirty="0" err="1"/>
-              <a:t>должность</a:t>
-            </a:r>
-            <a:r>
-              <a:rPr lang="en-US" sz="2400" dirty="0"/>
-              <a:t>, </a:t>
-            </a:r>
-            <a:r>
-              <a:rPr lang="en-US" sz="2400" dirty="0" err="1"/>
-              <a:t>профессор</a:t>
-            </a:r>
-            <a:endParaRPr lang="en-US" sz="2400" dirty="0"/>
-          </a:p>
-          <a:p>
-            <a:pPr lvl="0" algn="ctr"/>
-            <a:endParaRPr lang="en-US" sz="2400" dirty="0"/>
-          </a:p>
-          <a:p>
-            <a:pPr lvl="0" algn="ctr"/>
-            <a:endParaRPr lang="en-US" sz="2400" dirty="0"/>
-          </a:p>
-          <a:p>
-            <a:pPr lvl="0" algn="ctr"/>
-            <a:endParaRPr lang="en-US" sz="2400" dirty="0"/>
+              <a:rPr lang="ru-RU" dirty="0" smtClean="0"/>
+              <a:t>Иванов И.А., должность, профессор</a:t>
+            </a:r>
+            <a:endParaRPr lang="ru-RU" dirty="0"/>
           </a:p>
         </p:txBody>
       </p:sp>
     </p:spTree>
+    <p:extLst>
+      <p:ext uri="{BB962C8B-B14F-4D97-AF65-F5344CB8AC3E}">
+        <p14:creationId xmlns:p14="http://schemas.microsoft.com/office/powerpoint/2010/main" val="2055018218"/>
+      </p:ext>
+    </p:extLst>
   </p:cSld>
   <p:clrMapOvr>
     <a:masterClrMapping/>
   </p:clrMapOvr>
-  <mc:AlternateContent xmlns:mc="http://schemas.openxmlformats.org/markup-compatibility/2006" xmlns:p14="http://schemas.microsoft.com/office/powerpoint/2010/main">
-    <mc:Choice Requires="p14">
-      <p:transition spd="slow" p14:dur="2000"/>
-    </mc:Choice>
-    <mc:Fallback xmlns="">
-      <p:transition spd="slow"/>
-    </mc:Fallback>
-  </mc:AlternateContent>
 </p:sld>
 </file>
 
 <file path=ppt/slides/slide10.xml><?xml version="1.0" encoding="utf-8"?>
 <p:sld xmlns:a="http://schemas.openxmlformats.org/drawingml/2006/main" xmlns:r="http://schemas.openxmlformats.org/officeDocument/2006/relationships" xmlns:p="http://schemas.openxmlformats.org/presentationml/2006/main">
-  <p:cSld name="page10">
+  <p:cSld>
     <p:spTree>
       <p:nvGrpSpPr>
         <p:cNvPr id="1" name=""/>
@@ -4928,6 +3433,96 @@
       </p:grpSpPr>
       <p:sp>
         <p:nvSpPr>
+          <p:cNvPr id="2" name="Title 1"/>
+          <p:cNvSpPr>
+            <a:spLocks noGrp="1"/>
+          </p:cNvSpPr>
+          <p:nvPr>
+            <p:ph type="title"/>
+          </p:nvPr>
+        </p:nvSpPr>
+        <p:spPr/>
+        <p:txBody>
+          <a:bodyPr/>
+          <a:lstStyle/>
+          <a:p>
+            <a:r>
+              <a:rPr lang="ru-RU" dirty="0" smtClean="0"/>
+              <a:t>Заключение</a:t>
+            </a:r>
+            <a:endParaRPr lang="ru-RU" dirty="0"/>
+          </a:p>
+        </p:txBody>
+      </p:sp>
+      <p:sp>
+        <p:nvSpPr>
+          <p:cNvPr id="3" name="Content Placeholder 2"/>
+          <p:cNvSpPr>
+            <a:spLocks noGrp="1"/>
+          </p:cNvSpPr>
+          <p:nvPr>
+            <p:ph idx="1"/>
+          </p:nvPr>
+        </p:nvSpPr>
+        <p:spPr/>
+        <p:txBody>
+          <a:bodyPr/>
+          <a:lstStyle/>
+          <a:p>
+            <a:pPr marL="0" indent="0">
+              <a:buNone/>
+            </a:pPr>
+            <a:r>
+              <a:rPr lang="ru-RU" dirty="0" smtClean="0"/>
+              <a:t>Результаты решения задач:</a:t>
+            </a:r>
+          </a:p>
+          <a:p>
+            <a:r>
+              <a:rPr lang="ru-RU" dirty="0" smtClean="0"/>
+              <a:t>Создание программы: программа была создана</a:t>
+            </a:r>
+          </a:p>
+          <a:p>
+            <a:r>
+              <a:rPr lang="ru-RU" dirty="0" smtClean="0"/>
+              <a:t>Вторая задача: решена</a:t>
+            </a:r>
+          </a:p>
+          <a:p>
+            <a:r>
+              <a:rPr lang="ru-RU" dirty="0" smtClean="0"/>
+              <a:t>Треться задача: решена</a:t>
+            </a:r>
+          </a:p>
+          <a:p>
+            <a:r>
+              <a:rPr lang="ru-RU" dirty="0" smtClean="0"/>
+              <a:t>Четвертая задача: решена</a:t>
+            </a:r>
+          </a:p>
+          <a:p>
+            <a:pPr marL="0" indent="0">
+              <a:buNone/>
+            </a:pPr>
+            <a:r>
+              <a:rPr lang="ru-RU" dirty="0" smtClean="0"/>
+              <a:t>Направления дальнейшей разработки / улучшения программы: </a:t>
+            </a:r>
+            <a:r>
+              <a:rPr lang="en-US" dirty="0" smtClean="0"/>
+              <a:t>Lorem ipsum dolor sit </a:t>
+            </a:r>
+            <a:r>
+              <a:rPr lang="en-US" dirty="0" err="1" smtClean="0"/>
+              <a:t>amet</a:t>
+            </a:r>
+            <a:endParaRPr lang="en-US" dirty="0" smtClean="0"/>
+          </a:p>
+        </p:txBody>
+      </p:sp>
+      <p:sp>
+        <p:nvSpPr>
           <p:cNvPr id="4" name="Slide Number Placeholder 3"/>
           <p:cNvSpPr>
             <a:spLocks noGrp="1"/>
@@ -4941,136 +3536,30 @@
           <a:bodyPr/>
           <a:lstStyle/>
           <a:p>
-            <a:pPr lvl="0"/>
-            <a:fld id="{5D27ECD4-FD81-4946-8C3D-61D74C8276E2}" type="slidenum">
+            <a:fld id="{37A93542-8C58-4ADB-95DA-1B7887A706FA}" type="slidenum">
+              <a:rPr lang="ru-RU" smtClean="0"/>
               <a:t>10</a:t>
             </a:fld>
-            <a:endParaRPr lang="en-US"/>
-          </a:p>
-        </p:txBody>
-      </p:sp>
-      <p:sp>
-        <p:nvSpPr>
-          <p:cNvPr id="2" name="Title 1"/>
-          <p:cNvSpPr txBox="1">
-            <a:spLocks noGrp="1"/>
-          </p:cNvSpPr>
-          <p:nvPr>
-            <p:ph type="title" idx="4294967295"/>
-          </p:nvPr>
-        </p:nvSpPr>
-        <p:spPr/>
-        <p:txBody>
-          <a:bodyPr vert="horz"/>
-          <a:lstStyle/>
-          <a:p>
-            <a:pPr lvl="0"/>
-            <a:r>
-              <a:rPr lang="en-US"/>
-              <a:t>Заключение</a:t>
-            </a:r>
-          </a:p>
-        </p:txBody>
-      </p:sp>
-      <p:sp>
-        <p:nvSpPr>
-          <p:cNvPr id="3" name="Text Placeholder 2"/>
-          <p:cNvSpPr txBox="1">
-            <a:spLocks noGrp="1"/>
-          </p:cNvSpPr>
-          <p:nvPr>
-            <p:ph type="body" idx="4294967295"/>
-          </p:nvPr>
-        </p:nvSpPr>
-        <p:spPr/>
-        <p:txBody>
-          <a:bodyPr vert="horz">
-            <a:normAutofit fontScale="85000" lnSpcReduction="20000"/>
-          </a:bodyPr>
-          <a:lstStyle/>
-          <a:p>
-            <a:pPr lvl="0"/>
-            <a:r>
-              <a:rPr lang="en-US"/>
-              <a:t>Результаты решения задач:</a:t>
-            </a:r>
-          </a:p>
-          <a:p>
-            <a:pPr lvl="0">
-              <a:buSzPct val="45000"/>
-              <a:buFont typeface="StarSymbol"/>
-              <a:buChar char="●"/>
-            </a:pPr>
-            <a:r>
-              <a:rPr lang="en-US"/>
-              <a:t>Создание программы: программа была создана</a:t>
-            </a:r>
-          </a:p>
-          <a:p>
-            <a:pPr lvl="0">
-              <a:buSzPct val="45000"/>
-              <a:buFont typeface="StarSymbol"/>
-              <a:buChar char="●"/>
-            </a:pPr>
-            <a:r>
-              <a:rPr lang="en-US"/>
-              <a:t>Вторая задача: решена</a:t>
-            </a:r>
-          </a:p>
-          <a:p>
-            <a:pPr lvl="0">
-              <a:buSzPct val="45000"/>
-              <a:buFont typeface="StarSymbol"/>
-              <a:buChar char="●"/>
-            </a:pPr>
-            <a:r>
-              <a:rPr lang="en-US"/>
-              <a:t>Третья задача: решена</a:t>
-            </a:r>
-          </a:p>
-          <a:p>
-            <a:pPr lvl="0">
-              <a:buSzPct val="45000"/>
-              <a:buFont typeface="StarSymbol"/>
-              <a:buChar char="●"/>
-            </a:pPr>
-            <a:r>
-              <a:rPr lang="en-US"/>
-              <a:t>Четвертая задача: решена</a:t>
-            </a:r>
-          </a:p>
-          <a:p>
-            <a:pPr lvl="0">
-              <a:buSzPct val="45000"/>
-              <a:buFont typeface="StarSymbol"/>
-              <a:buChar char="●"/>
-            </a:pPr>
-            <a:r>
-              <a:rPr lang="en-US"/>
-              <a:t>Направления дальнейшей разработки / улучшения программы: Lorem ipsum dolor sit amet</a:t>
-            </a:r>
+            <a:endParaRPr lang="ru-RU"/>
           </a:p>
         </p:txBody>
       </p:sp>
     </p:spTree>
+    <p:extLst>
+      <p:ext uri="{BB962C8B-B14F-4D97-AF65-F5344CB8AC3E}">
+        <p14:creationId xmlns:p14="http://schemas.microsoft.com/office/powerpoint/2010/main" val="2452786670"/>
+      </p:ext>
+    </p:extLst>
   </p:cSld>
   <p:clrMapOvr>
     <a:masterClrMapping/>
   </p:clrMapOvr>
-  <mc:AlternateContent xmlns:mc="http://schemas.openxmlformats.org/markup-compatibility/2006" xmlns:p14="http://schemas.microsoft.com/office/powerpoint/2010/main">
-    <mc:Choice Requires="p14">
-      <p:transition spd="slow" p14:dur="2000"/>
-    </mc:Choice>
-    <mc:Fallback xmlns="">
-      <p:transition spd="slow"/>
-    </mc:Fallback>
-  </mc:AlternateContent>
 </p:sld>
 </file>
 
 <file path=ppt/slides/slide11.xml><?xml version="1.0" encoding="utf-8"?>
 <p:sld xmlns:a="http://schemas.openxmlformats.org/drawingml/2006/main" xmlns:r="http://schemas.openxmlformats.org/officeDocument/2006/relationships" xmlns:p="http://schemas.openxmlformats.org/presentationml/2006/main">
-  <p:cSld name="page11">
+  <p:cSld>
     <p:spTree>
       <p:nvGrpSpPr>
         <p:cNvPr id="1" name=""/>
@@ -5087,72 +3576,30 @@
       </p:grpSpPr>
       <p:sp>
         <p:nvSpPr>
-          <p:cNvPr id="5" name="Slide Number Placeholder 3"/>
-          <p:cNvSpPr>
-            <a:spLocks noGrp="1"/>
-          </p:cNvSpPr>
-          <p:nvPr>
-            <p:ph type="sldNum" sz="quarter" idx="12"/>
-          </p:nvPr>
-        </p:nvSpPr>
-        <p:spPr/>
-        <p:txBody>
-          <a:bodyPr/>
-          <a:lstStyle/>
-          <a:p>
-            <a:pPr lvl="0"/>
-            <a:fld id="{364861C5-A86C-458F-8253-8281CB8789E8}" type="slidenum">
-              <a:t>11</a:t>
-            </a:fld>
-            <a:endParaRPr lang="en-US"/>
-          </a:p>
-        </p:txBody>
-      </p:sp>
-      <p:sp>
-        <p:nvSpPr>
           <p:cNvPr id="2" name="Title 1"/>
-          <p:cNvSpPr txBox="1">
-            <a:spLocks noGrp="1"/>
-          </p:cNvSpPr>
-          <p:nvPr>
-            <p:ph type="title" idx="4294967295"/>
-          </p:nvPr>
-        </p:nvSpPr>
-        <p:spPr/>
-        <p:txBody>
-          <a:bodyPr vert="horz"/>
-          <a:lstStyle/>
-          <a:p>
-            <a:pPr lvl="0"/>
-            <a:r>
-              <a:rPr lang="en-US"/>
+          <p:cNvSpPr>
+            <a:spLocks noGrp="1"/>
+          </p:cNvSpPr>
+          <p:nvPr>
+            <p:ph type="title"/>
+          </p:nvPr>
+        </p:nvSpPr>
+        <p:spPr/>
+        <p:txBody>
+          <a:bodyPr/>
+          <a:lstStyle/>
+          <a:p>
+            <a:r>
+              <a:rPr lang="ru-RU" dirty="0" smtClean="0"/>
               <a:t>Запасной слайд</a:t>
             </a:r>
-          </a:p>
-        </p:txBody>
-      </p:sp>
-      <p:sp>
-        <p:nvSpPr>
-          <p:cNvPr id="3" name="Text Placeholder 2"/>
-          <p:cNvSpPr txBox="1">
-            <a:spLocks noGrp="1"/>
-          </p:cNvSpPr>
-          <p:nvPr>
-            <p:ph type="body" idx="4294967295"/>
-          </p:nvPr>
-        </p:nvSpPr>
-        <p:spPr/>
-        <p:txBody>
-          <a:bodyPr vert="horz"/>
-          <a:lstStyle/>
-          <a:p>
-            <a:endParaRPr lang="en-US"/>
+            <a:endParaRPr lang="ru-RU" dirty="0"/>
           </a:p>
         </p:txBody>
       </p:sp>
       <p:pic>
         <p:nvPicPr>
-          <p:cNvPr id="4" name="Picture 3">
+          <p:cNvPr id="4" name="Content Placeholder 3">
             <a:extLst>
               <a:ext uri="{FF2B5EF4-FFF2-40B4-BE49-F238E27FC236}">
                 <a16:creationId xmlns:a16="http://schemas.microsoft.com/office/drawing/2014/main" id="{00000000-0000-0000-0000-000000000000}"/>
@@ -5160,12 +3607,14 @@
             </a:extLst>
           </p:cNvPr>
           <p:cNvPicPr>
-            <a:picLocks noChangeAspect="1"/>
+            <a:picLocks noGrp="1" noChangeAspect="1"/>
           </p:cNvPicPr>
-          <p:nvPr/>
+          <p:nvPr>
+            <p:ph idx="1"/>
+          </p:nvPr>
         </p:nvPicPr>
         <p:blipFill>
-          <a:blip r:embed="rId3">
+          <a:blip r:embed="rId2">
             <a:lum/>
             <a:alphaModFix/>
           </a:blip>
@@ -5176,8 +3625,8 @@
         </p:blipFill>
         <p:spPr>
           <a:xfrm>
-            <a:off x="2761200" y="1883520"/>
-            <a:ext cx="4679640" cy="1900440"/>
+            <a:off x="3000375" y="2743994"/>
+            <a:ext cx="6191250" cy="2514600"/>
           </a:xfrm>
           <a:prstGeom prst="rect">
             <a:avLst/>
@@ -5188,25 +3637,45 @@
           </a:ln>
         </p:spPr>
       </p:pic>
+      <p:sp>
+        <p:nvSpPr>
+          <p:cNvPr id="3" name="Slide Number Placeholder 2"/>
+          <p:cNvSpPr>
+            <a:spLocks noGrp="1"/>
+          </p:cNvSpPr>
+          <p:nvPr>
+            <p:ph type="sldNum" sz="quarter" idx="12"/>
+          </p:nvPr>
+        </p:nvSpPr>
+        <p:spPr/>
+        <p:txBody>
+          <a:bodyPr/>
+          <a:lstStyle/>
+          <a:p>
+            <a:fld id="{37A93542-8C58-4ADB-95DA-1B7887A706FA}" type="slidenum">
+              <a:rPr lang="ru-RU" smtClean="0"/>
+              <a:t>11</a:t>
+            </a:fld>
+            <a:endParaRPr lang="ru-RU"/>
+          </a:p>
+        </p:txBody>
+      </p:sp>
     </p:spTree>
+    <p:extLst>
+      <p:ext uri="{BB962C8B-B14F-4D97-AF65-F5344CB8AC3E}">
+        <p14:creationId xmlns:p14="http://schemas.microsoft.com/office/powerpoint/2010/main" val="1303471799"/>
+      </p:ext>
+    </p:extLst>
   </p:cSld>
   <p:clrMapOvr>
     <a:masterClrMapping/>
   </p:clrMapOvr>
-  <mc:AlternateContent xmlns:mc="http://schemas.openxmlformats.org/markup-compatibility/2006" xmlns:p14="http://schemas.microsoft.com/office/powerpoint/2010/main">
-    <mc:Choice Requires="p14">
-      <p:transition spd="slow" p14:dur="2000"/>
-    </mc:Choice>
-    <mc:Fallback xmlns="">
-      <p:transition spd="slow"/>
-    </mc:Fallback>
-  </mc:AlternateContent>
 </p:sld>
 </file>
 
 <file path=ppt/slides/slide2.xml><?xml version="1.0" encoding="utf-8"?>
 <p:sld xmlns:a="http://schemas.openxmlformats.org/drawingml/2006/main" xmlns:r="http://schemas.openxmlformats.org/officeDocument/2006/relationships" xmlns:p="http://schemas.openxmlformats.org/presentationml/2006/main">
-  <p:cSld name="page2">
+  <p:cSld>
     <p:spTree>
       <p:nvGrpSpPr>
         <p:cNvPr id="1" name=""/>
@@ -5223,6 +3692,151 @@
       </p:grpSpPr>
       <p:sp>
         <p:nvSpPr>
+          <p:cNvPr id="2" name="Title 1"/>
+          <p:cNvSpPr>
+            <a:spLocks noGrp="1"/>
+          </p:cNvSpPr>
+          <p:nvPr>
+            <p:ph type="title"/>
+          </p:nvPr>
+        </p:nvSpPr>
+        <p:spPr/>
+        <p:txBody>
+          <a:bodyPr/>
+          <a:lstStyle/>
+          <a:p>
+            <a:r>
+              <a:rPr lang="ru-RU" dirty="0" smtClean="0"/>
+              <a:t>Актуальность</a:t>
+            </a:r>
+            <a:endParaRPr lang="ru-RU" dirty="0"/>
+          </a:p>
+        </p:txBody>
+      </p:sp>
+      <p:sp>
+        <p:nvSpPr>
+          <p:cNvPr id="3" name="Content Placeholder 2"/>
+          <p:cNvSpPr>
+            <a:spLocks noGrp="1"/>
+          </p:cNvSpPr>
+          <p:nvPr>
+            <p:ph idx="1"/>
+          </p:nvPr>
+        </p:nvSpPr>
+        <p:spPr/>
+        <p:txBody>
+          <a:bodyPr/>
+          <a:lstStyle/>
+          <a:p>
+            <a:pPr marL="0" indent="0">
+              <a:buNone/>
+            </a:pPr>
+            <a:r>
+              <a:rPr lang="en-US" dirty="0" smtClean="0"/>
+              <a:t>Lorem ipsum dolor sit </a:t>
+            </a:r>
+            <a:r>
+              <a:rPr lang="en-US" dirty="0" err="1" smtClean="0"/>
+              <a:t>amet</a:t>
+            </a:r>
+            <a:r>
+              <a:rPr lang="en-US" dirty="0" smtClean="0"/>
+              <a:t>, </a:t>
+            </a:r>
+            <a:r>
+              <a:rPr lang="en-US" dirty="0" err="1" smtClean="0"/>
+              <a:t>consectetur</a:t>
+            </a:r>
+            <a:r>
+              <a:rPr lang="en-US" dirty="0" smtClean="0"/>
+              <a:t> </a:t>
+            </a:r>
+            <a:r>
+              <a:rPr lang="en-US" dirty="0" err="1" smtClean="0"/>
+              <a:t>adipiscing</a:t>
+            </a:r>
+            <a:r>
+              <a:rPr lang="en-US" dirty="0" smtClean="0"/>
+              <a:t> </a:t>
+            </a:r>
+            <a:r>
+              <a:rPr lang="en-US" dirty="0" err="1" smtClean="0"/>
+              <a:t>elit</a:t>
+            </a:r>
+            <a:r>
+              <a:rPr lang="en-US" dirty="0" smtClean="0"/>
+              <a:t>, </a:t>
+            </a:r>
+            <a:r>
+              <a:rPr lang="en-US" dirty="0" err="1" smtClean="0"/>
+              <a:t>sed</a:t>
+            </a:r>
+            <a:r>
+              <a:rPr lang="en-US" dirty="0" smtClean="0"/>
+              <a:t> do </a:t>
+            </a:r>
+            <a:r>
+              <a:rPr lang="en-US" dirty="0" err="1" smtClean="0"/>
+              <a:t>eiusmod</a:t>
+            </a:r>
+            <a:r>
+              <a:rPr lang="en-US" dirty="0" smtClean="0"/>
+              <a:t> </a:t>
+            </a:r>
+            <a:r>
+              <a:rPr lang="en-US" dirty="0" err="1" smtClean="0"/>
+              <a:t>tempor</a:t>
+            </a:r>
+            <a:r>
+              <a:rPr lang="en-US" dirty="0" smtClean="0"/>
+              <a:t> </a:t>
+            </a:r>
+            <a:r>
+              <a:rPr lang="en-US" dirty="0" err="1" smtClean="0"/>
+              <a:t>incididunt</a:t>
+            </a:r>
+            <a:r>
+              <a:rPr lang="en-US" dirty="0" smtClean="0"/>
+              <a:t> </a:t>
+            </a:r>
+            <a:r>
+              <a:rPr lang="en-US" dirty="0" err="1" smtClean="0"/>
+              <a:t>ut</a:t>
+            </a:r>
+            <a:r>
+              <a:rPr lang="en-US" dirty="0" smtClean="0"/>
+              <a:t> </a:t>
+            </a:r>
+            <a:r>
+              <a:rPr lang="en-US" dirty="0" err="1" smtClean="0"/>
+              <a:t>labore</a:t>
+            </a:r>
+            <a:r>
+              <a:rPr lang="en-US" dirty="0" smtClean="0"/>
+              <a:t> et </a:t>
+            </a:r>
+            <a:r>
+              <a:rPr lang="en-US" dirty="0" err="1" smtClean="0"/>
+              <a:t>dolore</a:t>
+            </a:r>
+            <a:r>
+              <a:rPr lang="en-US" dirty="0" smtClean="0"/>
+              <a:t> magna </a:t>
+            </a:r>
+            <a:r>
+              <a:rPr lang="en-US" dirty="0" err="1" smtClean="0"/>
+              <a:t>aliqua</a:t>
+            </a:r>
+            <a:r>
+              <a:rPr lang="en-US" dirty="0" smtClean="0"/>
+              <a:t>.</a:t>
+            </a:r>
+            <a:endParaRPr lang="en-US" dirty="0"/>
+          </a:p>
+        </p:txBody>
+      </p:sp>
+      <p:sp>
+        <p:nvSpPr>
           <p:cNvPr id="4" name="Slide Number Placeholder 3"/>
           <p:cNvSpPr>
             <a:spLocks noGrp="1"/>
@@ -5236,79 +3850,30 @@
           <a:bodyPr/>
           <a:lstStyle/>
           <a:p>
-            <a:pPr lvl="0"/>
-            <a:fld id="{D64F8E2C-55CE-4CDE-9947-BDF117760B34}" type="slidenum">
+            <a:fld id="{37A93542-8C58-4ADB-95DA-1B7887A706FA}" type="slidenum">
+              <a:rPr lang="ru-RU" smtClean="0"/>
               <a:t>2</a:t>
             </a:fld>
-            <a:endParaRPr lang="en-US"/>
-          </a:p>
-        </p:txBody>
-      </p:sp>
-      <p:sp>
-        <p:nvSpPr>
-          <p:cNvPr id="2" name="Title 1"/>
-          <p:cNvSpPr txBox="1">
-            <a:spLocks noGrp="1"/>
-          </p:cNvSpPr>
-          <p:nvPr>
-            <p:ph type="title" idx="4294967295"/>
-          </p:nvPr>
-        </p:nvSpPr>
-        <p:spPr/>
-        <p:txBody>
-          <a:bodyPr vert="horz"/>
-          <a:lstStyle/>
-          <a:p>
-            <a:pPr lvl="0"/>
-            <a:r>
-              <a:rPr lang="en-US"/>
-              <a:t>Актуальность</a:t>
-            </a:r>
-          </a:p>
-        </p:txBody>
-      </p:sp>
-      <p:sp>
-        <p:nvSpPr>
-          <p:cNvPr id="3" name="Text Placeholder 2"/>
-          <p:cNvSpPr txBox="1">
-            <a:spLocks noGrp="1"/>
-          </p:cNvSpPr>
-          <p:nvPr>
-            <p:ph type="body" idx="4294967295"/>
-          </p:nvPr>
-        </p:nvSpPr>
-        <p:spPr/>
-        <p:txBody>
-          <a:bodyPr vert="horz"/>
-          <a:lstStyle/>
-          <a:p>
-            <a:pPr lvl="0"/>
-            <a:r>
-              <a:rPr lang="en-US"/>
-              <a:t>Lorem ipsum dolor sit amet, consectetur adipiscing elit, sed do eiusmod tempor incididunt ut labore et dolore magna aliqua.</a:t>
-            </a:r>
+            <a:endParaRPr lang="ru-RU"/>
           </a:p>
         </p:txBody>
       </p:sp>
     </p:spTree>
+    <p:extLst>
+      <p:ext uri="{BB962C8B-B14F-4D97-AF65-F5344CB8AC3E}">
+        <p14:creationId xmlns:p14="http://schemas.microsoft.com/office/powerpoint/2010/main" val="1185142476"/>
+      </p:ext>
+    </p:extLst>
   </p:cSld>
   <p:clrMapOvr>
     <a:masterClrMapping/>
   </p:clrMapOvr>
-  <mc:AlternateContent xmlns:mc="http://schemas.openxmlformats.org/markup-compatibility/2006" xmlns:p14="http://schemas.microsoft.com/office/powerpoint/2010/main">
-    <mc:Choice Requires="p14">
-      <p:transition spd="slow" p14:dur="2000"/>
-    </mc:Choice>
-    <mc:Fallback xmlns="">
-      <p:transition spd="slow"/>
-    </mc:Fallback>
-  </mc:AlternateContent>
 </p:sld>
 </file>
 
 <file path=ppt/slides/slide3.xml><?xml version="1.0" encoding="utf-8"?>
 <p:sld xmlns:a="http://schemas.openxmlformats.org/drawingml/2006/main" xmlns:r="http://schemas.openxmlformats.org/officeDocument/2006/relationships" xmlns:p="http://schemas.openxmlformats.org/presentationml/2006/main">
-  <p:cSld name="page3">
+  <p:cSld>
     <p:spTree>
       <p:nvGrpSpPr>
         <p:cNvPr id="1" name=""/>
@@ -5325,6 +3890,99 @@
       </p:grpSpPr>
       <p:sp>
         <p:nvSpPr>
+          <p:cNvPr id="2" name="Title 1"/>
+          <p:cNvSpPr>
+            <a:spLocks noGrp="1"/>
+          </p:cNvSpPr>
+          <p:nvPr>
+            <p:ph type="title"/>
+          </p:nvPr>
+        </p:nvSpPr>
+        <p:spPr/>
+        <p:txBody>
+          <a:bodyPr/>
+          <a:lstStyle/>
+          <a:p>
+            <a:r>
+              <a:rPr lang="ru-RU" dirty="0" smtClean="0"/>
+              <a:t>Цели и задачи</a:t>
+            </a:r>
+            <a:endParaRPr lang="ru-RU" dirty="0"/>
+          </a:p>
+        </p:txBody>
+      </p:sp>
+      <p:sp>
+        <p:nvSpPr>
+          <p:cNvPr id="3" name="Content Placeholder 2"/>
+          <p:cNvSpPr>
+            <a:spLocks noGrp="1"/>
+          </p:cNvSpPr>
+          <p:nvPr>
+            <p:ph idx="1"/>
+          </p:nvPr>
+        </p:nvSpPr>
+        <p:spPr/>
+        <p:txBody>
+          <a:bodyPr/>
+          <a:lstStyle/>
+          <a:p>
+            <a:pPr marL="0" indent="0">
+              <a:buNone/>
+            </a:pPr>
+            <a:r>
+              <a:rPr lang="ru-RU" dirty="0" smtClean="0"/>
+              <a:t>Цель работы: </a:t>
+            </a:r>
+            <a:r>
+              <a:rPr lang="en-US" dirty="0" smtClean="0"/>
+              <a:t>Lorem ipsum dolor sit </a:t>
+            </a:r>
+            <a:r>
+              <a:rPr lang="en-US" dirty="0" err="1" smtClean="0"/>
+              <a:t>amet</a:t>
+            </a:r>
+            <a:endParaRPr lang="ru-RU" dirty="0"/>
+          </a:p>
+          <a:p>
+            <a:pPr marL="0" indent="0">
+              <a:buNone/>
+            </a:pPr>
+            <a:r>
+              <a:rPr lang="ru-RU" dirty="0" smtClean="0"/>
+              <a:t>Задачи:</a:t>
+            </a:r>
+          </a:p>
+          <a:p>
+            <a:r>
+              <a:rPr lang="ru-RU" dirty="0" smtClean="0"/>
+              <a:t>Создание программы</a:t>
+            </a:r>
+          </a:p>
+          <a:p>
+            <a:r>
+              <a:rPr lang="ru-RU" dirty="0" smtClean="0"/>
+              <a:t>Вторая задача</a:t>
+            </a:r>
+          </a:p>
+          <a:p>
+            <a:r>
+              <a:rPr lang="ru-RU" dirty="0" smtClean="0"/>
+              <a:t>Третья задача</a:t>
+            </a:r>
+          </a:p>
+          <a:p>
+            <a:r>
+              <a:rPr lang="ru-RU" dirty="0" smtClean="0"/>
+              <a:t>Четвертая задача</a:t>
+            </a:r>
+          </a:p>
+          <a:p>
+            <a:endParaRPr lang="ru-RU" dirty="0"/>
+          </a:p>
+        </p:txBody>
+      </p:sp>
+      <p:sp>
+        <p:nvSpPr>
           <p:cNvPr id="4" name="Slide Number Placeholder 3"/>
           <p:cNvSpPr>
             <a:spLocks noGrp="1"/>
@@ -5338,132 +3996,30 @@
           <a:bodyPr/>
           <a:lstStyle/>
           <a:p>
-            <a:pPr lvl="0"/>
-            <a:fld id="{8D01D7BD-D73B-4E7F-8A59-A0407501E619}" type="slidenum">
+            <a:fld id="{37A93542-8C58-4ADB-95DA-1B7887A706FA}" type="slidenum">
+              <a:rPr lang="ru-RU" smtClean="0"/>
               <a:t>3</a:t>
             </a:fld>
-            <a:endParaRPr lang="en-US"/>
-          </a:p>
-        </p:txBody>
-      </p:sp>
-      <p:sp>
-        <p:nvSpPr>
-          <p:cNvPr id="2" name="Title 1"/>
-          <p:cNvSpPr txBox="1">
-            <a:spLocks noGrp="1"/>
-          </p:cNvSpPr>
-          <p:nvPr>
-            <p:ph type="title" idx="4294967295"/>
-          </p:nvPr>
-        </p:nvSpPr>
-        <p:spPr/>
-        <p:txBody>
-          <a:bodyPr vert="horz"/>
-          <a:lstStyle/>
-          <a:p>
-            <a:pPr lvl="0"/>
-            <a:r>
-              <a:rPr lang="en-US"/>
-              <a:t>Цель и задачи</a:t>
-            </a:r>
-          </a:p>
-        </p:txBody>
-      </p:sp>
-      <p:sp>
-        <p:nvSpPr>
-          <p:cNvPr id="3" name="Text Placeholder 2"/>
-          <p:cNvSpPr txBox="1">
-            <a:spLocks noGrp="1"/>
-          </p:cNvSpPr>
-          <p:nvPr>
-            <p:ph type="body" idx="4294967295"/>
-          </p:nvPr>
-        </p:nvSpPr>
-        <p:spPr/>
-        <p:txBody>
-          <a:bodyPr vert="horz">
-            <a:normAutofit fontScale="92500" lnSpcReduction="20000"/>
-          </a:bodyPr>
-          <a:lstStyle/>
-          <a:p>
-            <a:pPr lvl="0"/>
-            <a:r>
-              <a:rPr lang="en-US"/>
-              <a:t>Цель работы: Lorem ipsum dolor sit amet</a:t>
-            </a:r>
-          </a:p>
-          <a:p>
-            <a:pPr lvl="0"/>
-            <a:r>
-              <a:rPr lang="en-US"/>
-              <a:t>Задачи:</a:t>
-            </a:r>
-          </a:p>
-          <a:p>
-            <a:pPr lvl="0">
-              <a:buSzPct val="45000"/>
-              <a:buFont typeface="StarSymbol"/>
-              <a:buChar char="●"/>
-            </a:pPr>
-            <a:r>
-              <a:rPr lang="en-US"/>
-              <a:t>Создание программы</a:t>
-            </a:r>
-          </a:p>
-          <a:p>
-            <a:pPr lvl="0">
-              <a:buSzPct val="45000"/>
-              <a:buFont typeface="StarSymbol"/>
-              <a:buChar char="●"/>
-            </a:pPr>
-            <a:r>
-              <a:rPr lang="en-US"/>
-              <a:t>Вторая задача</a:t>
-            </a:r>
-          </a:p>
-          <a:p>
-            <a:pPr lvl="0">
-              <a:buSzPct val="45000"/>
-              <a:buFont typeface="StarSymbol"/>
-              <a:buChar char="●"/>
-            </a:pPr>
-            <a:r>
-              <a:rPr lang="en-US"/>
-              <a:t>Третья задача</a:t>
-            </a:r>
-          </a:p>
-          <a:p>
-            <a:pPr lvl="0">
-              <a:buSzPct val="45000"/>
-              <a:buFont typeface="StarSymbol"/>
-              <a:buChar char="●"/>
-            </a:pPr>
-            <a:r>
-              <a:rPr lang="en-US"/>
-              <a:t>Четвертая задача</a:t>
-            </a:r>
+            <a:endParaRPr lang="ru-RU"/>
           </a:p>
         </p:txBody>
       </p:sp>
     </p:spTree>
+    <p:extLst>
+      <p:ext uri="{BB962C8B-B14F-4D97-AF65-F5344CB8AC3E}">
+        <p14:creationId xmlns:p14="http://schemas.microsoft.com/office/powerpoint/2010/main" val="4177888112"/>
+      </p:ext>
+    </p:extLst>
   </p:cSld>
   <p:clrMapOvr>
     <a:masterClrMapping/>
   </p:clrMapOvr>
-  <mc:AlternateContent xmlns:mc="http://schemas.openxmlformats.org/markup-compatibility/2006" xmlns:p14="http://schemas.microsoft.com/office/powerpoint/2010/main">
-    <mc:Choice Requires="p14">
-      <p:transition spd="slow" p14:dur="2000"/>
-    </mc:Choice>
-    <mc:Fallback xmlns="">
-      <p:transition spd="slow"/>
-    </mc:Fallback>
-  </mc:AlternateContent>
 </p:sld>
 </file>
 
 <file path=ppt/slides/slide4.xml><?xml version="1.0" encoding="utf-8"?>
 <p:sld xmlns:a="http://schemas.openxmlformats.org/drawingml/2006/main" xmlns:r="http://schemas.openxmlformats.org/officeDocument/2006/relationships" xmlns:p="http://schemas.openxmlformats.org/presentationml/2006/main">
-  <p:cSld name="page4">
+  <p:cSld>
     <p:spTree>
       <p:nvGrpSpPr>
         <p:cNvPr id="1" name=""/>
@@ -5480,6 +4036,156 @@
       </p:grpSpPr>
       <p:sp>
         <p:nvSpPr>
+          <p:cNvPr id="2" name="Title 1"/>
+          <p:cNvSpPr>
+            <a:spLocks noGrp="1"/>
+          </p:cNvSpPr>
+          <p:nvPr>
+            <p:ph type="title"/>
+          </p:nvPr>
+        </p:nvSpPr>
+        <p:spPr/>
+        <p:txBody>
+          <a:bodyPr/>
+          <a:lstStyle/>
+          <a:p>
+            <a:r>
+              <a:rPr lang="ru-RU" dirty="0" smtClean="0"/>
+              <a:t>Создание программы</a:t>
+            </a:r>
+            <a:endParaRPr lang="ru-RU" dirty="0"/>
+          </a:p>
+        </p:txBody>
+      </p:sp>
+      <p:sp>
+        <p:nvSpPr>
+          <p:cNvPr id="3" name="Content Placeholder 2"/>
+          <p:cNvSpPr>
+            <a:spLocks noGrp="1"/>
+          </p:cNvSpPr>
+          <p:nvPr>
+            <p:ph idx="1"/>
+          </p:nvPr>
+        </p:nvSpPr>
+        <p:spPr/>
+        <p:txBody>
+          <a:bodyPr/>
+          <a:lstStyle/>
+          <a:p>
+            <a:pPr marL="0" indent="0">
+              <a:buNone/>
+            </a:pPr>
+            <a:r>
+              <a:rPr lang="en-US" dirty="0" smtClean="0"/>
+              <a:t>Lorem ipsum dolor sit </a:t>
+            </a:r>
+            <a:r>
+              <a:rPr lang="en-US" dirty="0" err="1" smtClean="0"/>
+              <a:t>amet</a:t>
+            </a:r>
+            <a:r>
+              <a:rPr lang="en-US" dirty="0" smtClean="0"/>
+              <a:t>, </a:t>
+            </a:r>
+            <a:r>
+              <a:rPr lang="en-US" dirty="0" err="1" smtClean="0"/>
+              <a:t>consectetur</a:t>
+            </a:r>
+            <a:r>
+              <a:rPr lang="en-US" dirty="0" smtClean="0"/>
+              <a:t> </a:t>
+            </a:r>
+            <a:r>
+              <a:rPr lang="en-US" dirty="0" err="1" smtClean="0"/>
+              <a:t>adipiscing</a:t>
+            </a:r>
+            <a:r>
+              <a:rPr lang="en-US" dirty="0" smtClean="0"/>
+              <a:t> </a:t>
+            </a:r>
+            <a:r>
+              <a:rPr lang="en-US" dirty="0" err="1" smtClean="0"/>
+              <a:t>elit</a:t>
+            </a:r>
+            <a:r>
+              <a:rPr lang="en-US" dirty="0" smtClean="0"/>
+              <a:t>, </a:t>
+            </a:r>
+            <a:r>
+              <a:rPr lang="en-US" dirty="0" err="1" smtClean="0"/>
+              <a:t>sed</a:t>
+            </a:r>
+            <a:r>
+              <a:rPr lang="en-US" dirty="0" smtClean="0"/>
+              <a:t> do </a:t>
+            </a:r>
+            <a:r>
+              <a:rPr lang="en-US" dirty="0" err="1" smtClean="0"/>
+              <a:t>eiusmod</a:t>
+            </a:r>
+            <a:r>
+              <a:rPr lang="en-US" dirty="0" smtClean="0"/>
+              <a:t> </a:t>
+            </a:r>
+            <a:r>
+              <a:rPr lang="en-US" dirty="0" err="1" smtClean="0"/>
+              <a:t>tempor</a:t>
+            </a:r>
+            <a:r>
+              <a:rPr lang="en-US" dirty="0" smtClean="0"/>
+              <a:t> </a:t>
+            </a:r>
+            <a:r>
+              <a:rPr lang="en-US" dirty="0" err="1" smtClean="0"/>
+              <a:t>incididunt</a:t>
+            </a:r>
+            <a:r>
+              <a:rPr lang="en-US" dirty="0" smtClean="0"/>
+              <a:t> </a:t>
+            </a:r>
+            <a:r>
+              <a:rPr lang="en-US" dirty="0" err="1" smtClean="0"/>
+              <a:t>ut</a:t>
+            </a:r>
+            <a:r>
+              <a:rPr lang="en-US" dirty="0" smtClean="0"/>
+              <a:t> </a:t>
+            </a:r>
+            <a:r>
+              <a:rPr lang="en-US" dirty="0" err="1" smtClean="0"/>
+              <a:t>labore</a:t>
+            </a:r>
+            <a:r>
+              <a:rPr lang="en-US" dirty="0" smtClean="0"/>
+              <a:t> et </a:t>
+            </a:r>
+            <a:r>
+              <a:rPr lang="en-US" dirty="0" err="1" smtClean="0"/>
+              <a:t>dolore</a:t>
+            </a:r>
+            <a:r>
+              <a:rPr lang="en-US" dirty="0" smtClean="0"/>
+              <a:t> magna </a:t>
+            </a:r>
+            <a:r>
+              <a:rPr lang="en-US" dirty="0" err="1" smtClean="0"/>
+              <a:t>aliqua</a:t>
+            </a:r>
+            <a:r>
+              <a:rPr lang="en-US" dirty="0" smtClean="0"/>
+              <a:t>.</a:t>
+            </a:r>
+          </a:p>
+          <a:p>
+            <a:pPr marL="0" indent="0">
+              <a:buNone/>
+            </a:pPr>
+            <a:endParaRPr lang="ru-RU" dirty="0"/>
+          </a:p>
+        </p:txBody>
+      </p:sp>
+      <p:sp>
+        <p:nvSpPr>
           <p:cNvPr id="4" name="Slide Number Placeholder 3"/>
           <p:cNvSpPr>
             <a:spLocks noGrp="1"/>
@@ -5493,83 +4199,30 @@
           <a:bodyPr/>
           <a:lstStyle/>
           <a:p>
-            <a:pPr lvl="0"/>
-            <a:fld id="{8D34499A-1146-4B37-A18B-B81045F0F7DE}" type="slidenum">
+            <a:fld id="{37A93542-8C58-4ADB-95DA-1B7887A706FA}" type="slidenum">
+              <a:rPr lang="ru-RU" smtClean="0"/>
               <a:t>4</a:t>
             </a:fld>
-            <a:endParaRPr lang="en-US"/>
-          </a:p>
-        </p:txBody>
-      </p:sp>
-      <p:sp>
-        <p:nvSpPr>
-          <p:cNvPr id="2" name="Title 1"/>
-          <p:cNvSpPr txBox="1">
-            <a:spLocks noGrp="1"/>
-          </p:cNvSpPr>
-          <p:nvPr>
-            <p:ph type="title" idx="4294967295"/>
-          </p:nvPr>
-        </p:nvSpPr>
-        <p:spPr/>
-        <p:txBody>
-          <a:bodyPr vert="horz"/>
-          <a:lstStyle/>
-          <a:p>
-            <a:pPr lvl="0">
-              <a:spcBef>
-                <a:spcPts val="1414"/>
-              </a:spcBef>
-            </a:pPr>
-            <a:r>
-              <a:rPr lang="en-US"/>
-              <a:t>Создание программы</a:t>
-            </a:r>
-          </a:p>
-        </p:txBody>
-      </p:sp>
-      <p:sp>
-        <p:nvSpPr>
-          <p:cNvPr id="3" name="Text Placeholder 2"/>
-          <p:cNvSpPr txBox="1">
-            <a:spLocks noGrp="1"/>
-          </p:cNvSpPr>
-          <p:nvPr>
-            <p:ph type="body" idx="4294967295"/>
-          </p:nvPr>
-        </p:nvSpPr>
-        <p:spPr/>
-        <p:txBody>
-          <a:bodyPr vert="horz"/>
-          <a:lstStyle/>
-          <a:p>
-            <a:pPr lvl="0"/>
-            <a:r>
-              <a:rPr lang="en-US"/>
-              <a:t>Lorem ipsum dolor sit amet, consectetur adipiscing elit, sed do eiusmod tempor incididunt ut labore et dolore magna aliqua.</a:t>
-            </a:r>
+            <a:endParaRPr lang="ru-RU"/>
           </a:p>
         </p:txBody>
       </p:sp>
     </p:spTree>
+    <p:extLst>
+      <p:ext uri="{BB962C8B-B14F-4D97-AF65-F5344CB8AC3E}">
+        <p14:creationId xmlns:p14="http://schemas.microsoft.com/office/powerpoint/2010/main" val="4293999095"/>
+      </p:ext>
+    </p:extLst>
   </p:cSld>
   <p:clrMapOvr>
     <a:masterClrMapping/>
   </p:clrMapOvr>
-  <mc:AlternateContent xmlns:mc="http://schemas.openxmlformats.org/markup-compatibility/2006" xmlns:p14="http://schemas.microsoft.com/office/powerpoint/2010/main">
-    <mc:Choice Requires="p14">
-      <p:transition spd="slow" p14:dur="2000"/>
-    </mc:Choice>
-    <mc:Fallback xmlns="">
-      <p:transition spd="slow"/>
-    </mc:Fallback>
-  </mc:AlternateContent>
 </p:sld>
 </file>
 
 <file path=ppt/slides/slide5.xml><?xml version="1.0" encoding="utf-8"?>
 <p:sld xmlns:a="http://schemas.openxmlformats.org/drawingml/2006/main" xmlns:r="http://schemas.openxmlformats.org/officeDocument/2006/relationships" xmlns:p="http://schemas.openxmlformats.org/presentationml/2006/main">
-  <p:cSld name="page5">
+  <p:cSld>
     <p:spTree>
       <p:nvGrpSpPr>
         <p:cNvPr id="1" name=""/>
@@ -5586,6 +4239,156 @@
       </p:grpSpPr>
       <p:sp>
         <p:nvSpPr>
+          <p:cNvPr id="2" name="Title 1"/>
+          <p:cNvSpPr>
+            <a:spLocks noGrp="1"/>
+          </p:cNvSpPr>
+          <p:nvPr>
+            <p:ph type="title"/>
+          </p:nvPr>
+        </p:nvSpPr>
+        <p:spPr/>
+        <p:txBody>
+          <a:bodyPr/>
+          <a:lstStyle/>
+          <a:p>
+            <a:r>
+              <a:rPr lang="ru-RU" dirty="0" smtClean="0"/>
+              <a:t>Вторая задача</a:t>
+            </a:r>
+            <a:endParaRPr lang="ru-RU" dirty="0"/>
+          </a:p>
+        </p:txBody>
+      </p:sp>
+      <p:sp>
+        <p:nvSpPr>
+          <p:cNvPr id="3" name="Content Placeholder 2"/>
+          <p:cNvSpPr>
+            <a:spLocks noGrp="1"/>
+          </p:cNvSpPr>
+          <p:nvPr>
+            <p:ph idx="1"/>
+          </p:nvPr>
+        </p:nvSpPr>
+        <p:spPr/>
+        <p:txBody>
+          <a:bodyPr/>
+          <a:lstStyle/>
+          <a:p>
+            <a:pPr marL="0" indent="0">
+              <a:buNone/>
+            </a:pPr>
+            <a:r>
+              <a:rPr lang="en-US" dirty="0" smtClean="0"/>
+              <a:t>Lorem ipsum dolor sit </a:t>
+            </a:r>
+            <a:r>
+              <a:rPr lang="en-US" dirty="0" err="1" smtClean="0"/>
+              <a:t>amet</a:t>
+            </a:r>
+            <a:r>
+              <a:rPr lang="en-US" dirty="0" smtClean="0"/>
+              <a:t>, </a:t>
+            </a:r>
+            <a:r>
+              <a:rPr lang="en-US" dirty="0" err="1" smtClean="0"/>
+              <a:t>consectetur</a:t>
+            </a:r>
+            <a:r>
+              <a:rPr lang="en-US" dirty="0" smtClean="0"/>
+              <a:t> </a:t>
+            </a:r>
+            <a:r>
+              <a:rPr lang="en-US" dirty="0" err="1" smtClean="0"/>
+              <a:t>adipiscing</a:t>
+            </a:r>
+            <a:r>
+              <a:rPr lang="en-US" dirty="0" smtClean="0"/>
+              <a:t> </a:t>
+            </a:r>
+            <a:r>
+              <a:rPr lang="en-US" dirty="0" err="1" smtClean="0"/>
+              <a:t>elit</a:t>
+            </a:r>
+            <a:r>
+              <a:rPr lang="en-US" dirty="0" smtClean="0"/>
+              <a:t>, </a:t>
+            </a:r>
+            <a:r>
+              <a:rPr lang="en-US" dirty="0" err="1" smtClean="0"/>
+              <a:t>sed</a:t>
+            </a:r>
+            <a:r>
+              <a:rPr lang="en-US" dirty="0" smtClean="0"/>
+              <a:t> do </a:t>
+            </a:r>
+            <a:r>
+              <a:rPr lang="en-US" dirty="0" err="1" smtClean="0"/>
+              <a:t>eiusmod</a:t>
+            </a:r>
+            <a:r>
+              <a:rPr lang="en-US" dirty="0" smtClean="0"/>
+              <a:t> </a:t>
+            </a:r>
+            <a:r>
+              <a:rPr lang="en-US" dirty="0" err="1" smtClean="0"/>
+              <a:t>tempor</a:t>
+            </a:r>
+            <a:r>
+              <a:rPr lang="en-US" dirty="0" smtClean="0"/>
+              <a:t> </a:t>
+            </a:r>
+            <a:r>
+              <a:rPr lang="en-US" dirty="0" err="1" smtClean="0"/>
+              <a:t>incididunt</a:t>
+            </a:r>
+            <a:r>
+              <a:rPr lang="en-US" dirty="0" smtClean="0"/>
+              <a:t> </a:t>
+            </a:r>
+            <a:r>
+              <a:rPr lang="en-US" dirty="0" err="1" smtClean="0"/>
+              <a:t>ut</a:t>
+            </a:r>
+            <a:r>
+              <a:rPr lang="en-US" dirty="0" smtClean="0"/>
+              <a:t> </a:t>
+            </a:r>
+            <a:r>
+              <a:rPr lang="en-US" dirty="0" err="1" smtClean="0"/>
+              <a:t>labore</a:t>
+            </a:r>
+            <a:r>
+              <a:rPr lang="en-US" dirty="0" smtClean="0"/>
+              <a:t> et </a:t>
+            </a:r>
+            <a:r>
+              <a:rPr lang="en-US" dirty="0" err="1" smtClean="0"/>
+              <a:t>dolore</a:t>
+            </a:r>
+            <a:r>
+              <a:rPr lang="en-US" dirty="0" smtClean="0"/>
+              <a:t> magna </a:t>
+            </a:r>
+            <a:r>
+              <a:rPr lang="en-US" dirty="0" err="1" smtClean="0"/>
+              <a:t>aliqua</a:t>
+            </a:r>
+            <a:r>
+              <a:rPr lang="en-US" dirty="0" smtClean="0"/>
+              <a:t>.</a:t>
+            </a:r>
+          </a:p>
+          <a:p>
+            <a:pPr marL="0" indent="0">
+              <a:buNone/>
+            </a:pPr>
+            <a:endParaRPr lang="ru-RU" dirty="0"/>
+          </a:p>
+        </p:txBody>
+      </p:sp>
+      <p:sp>
+        <p:nvSpPr>
           <p:cNvPr id="4" name="Slide Number Placeholder 3"/>
           <p:cNvSpPr>
             <a:spLocks noGrp="1"/>
@@ -5599,83 +4402,30 @@
           <a:bodyPr/>
           <a:lstStyle/>
           <a:p>
-            <a:pPr lvl="0"/>
-            <a:fld id="{CAA6F78D-C2F8-4A6C-B399-A205D54CAF20}" type="slidenum">
+            <a:fld id="{37A93542-8C58-4ADB-95DA-1B7887A706FA}" type="slidenum">
+              <a:rPr lang="ru-RU" smtClean="0"/>
               <a:t>5</a:t>
             </a:fld>
-            <a:endParaRPr lang="en-US"/>
-          </a:p>
-        </p:txBody>
-      </p:sp>
-      <p:sp>
-        <p:nvSpPr>
-          <p:cNvPr id="2" name="Title 1"/>
-          <p:cNvSpPr txBox="1">
-            <a:spLocks noGrp="1"/>
-          </p:cNvSpPr>
-          <p:nvPr>
-            <p:ph type="title" idx="4294967295"/>
-          </p:nvPr>
-        </p:nvSpPr>
-        <p:spPr/>
-        <p:txBody>
-          <a:bodyPr vert="horz"/>
-          <a:lstStyle/>
-          <a:p>
-            <a:pPr lvl="0">
-              <a:spcBef>
-                <a:spcPts val="1414"/>
-              </a:spcBef>
-            </a:pPr>
-            <a:r>
-              <a:rPr lang="en-US"/>
-              <a:t>Вторая задача</a:t>
-            </a:r>
-          </a:p>
-        </p:txBody>
-      </p:sp>
-      <p:sp>
-        <p:nvSpPr>
-          <p:cNvPr id="3" name="Text Placeholder 2"/>
-          <p:cNvSpPr txBox="1">
-            <a:spLocks noGrp="1"/>
-          </p:cNvSpPr>
-          <p:nvPr>
-            <p:ph type="body" idx="4294967295"/>
-          </p:nvPr>
-        </p:nvSpPr>
-        <p:spPr/>
-        <p:txBody>
-          <a:bodyPr vert="horz"/>
-          <a:lstStyle/>
-          <a:p>
-            <a:pPr lvl="0"/>
-            <a:r>
-              <a:rPr lang="en-US"/>
-              <a:t>Lorem ipsum dolor sit amet, consectetur adipiscing elit, sed do eiusmod tempor incididunt ut labore et dolore magna aliqua.</a:t>
-            </a:r>
+            <a:endParaRPr lang="ru-RU"/>
           </a:p>
         </p:txBody>
       </p:sp>
     </p:spTree>
+    <p:extLst>
+      <p:ext uri="{BB962C8B-B14F-4D97-AF65-F5344CB8AC3E}">
+        <p14:creationId xmlns:p14="http://schemas.microsoft.com/office/powerpoint/2010/main" val="2842379791"/>
+      </p:ext>
+    </p:extLst>
   </p:cSld>
   <p:clrMapOvr>
     <a:masterClrMapping/>
   </p:clrMapOvr>
-  <mc:AlternateContent xmlns:mc="http://schemas.openxmlformats.org/markup-compatibility/2006" xmlns:p14="http://schemas.microsoft.com/office/powerpoint/2010/main">
-    <mc:Choice Requires="p14">
-      <p:transition spd="slow" p14:dur="2000"/>
-    </mc:Choice>
-    <mc:Fallback xmlns="">
-      <p:transition spd="slow"/>
-    </mc:Fallback>
-  </mc:AlternateContent>
 </p:sld>
 </file>
 
 <file path=ppt/slides/slide6.xml><?xml version="1.0" encoding="utf-8"?>
 <p:sld xmlns:a="http://schemas.openxmlformats.org/drawingml/2006/main" xmlns:r="http://schemas.openxmlformats.org/officeDocument/2006/relationships" xmlns:p="http://schemas.openxmlformats.org/presentationml/2006/main">
-  <p:cSld name="page6">
+  <p:cSld>
     <p:spTree>
       <p:nvGrpSpPr>
         <p:cNvPr id="1" name=""/>
@@ -5692,6 +4442,156 @@
       </p:grpSpPr>
       <p:sp>
         <p:nvSpPr>
+          <p:cNvPr id="2" name="Title 1"/>
+          <p:cNvSpPr>
+            <a:spLocks noGrp="1"/>
+          </p:cNvSpPr>
+          <p:nvPr>
+            <p:ph type="title"/>
+          </p:nvPr>
+        </p:nvSpPr>
+        <p:spPr/>
+        <p:txBody>
+          <a:bodyPr/>
+          <a:lstStyle/>
+          <a:p>
+            <a:r>
+              <a:rPr lang="ru-RU" dirty="0" smtClean="0"/>
+              <a:t>Третья задача</a:t>
+            </a:r>
+            <a:endParaRPr lang="ru-RU" dirty="0"/>
+          </a:p>
+        </p:txBody>
+      </p:sp>
+      <p:sp>
+        <p:nvSpPr>
+          <p:cNvPr id="3" name="Content Placeholder 2"/>
+          <p:cNvSpPr>
+            <a:spLocks noGrp="1"/>
+          </p:cNvSpPr>
+          <p:nvPr>
+            <p:ph idx="1"/>
+          </p:nvPr>
+        </p:nvSpPr>
+        <p:spPr/>
+        <p:txBody>
+          <a:bodyPr/>
+          <a:lstStyle/>
+          <a:p>
+            <a:pPr marL="0" indent="0">
+              <a:buNone/>
+            </a:pPr>
+            <a:r>
+              <a:rPr lang="en-US" dirty="0" smtClean="0"/>
+              <a:t>Lorem ipsum dolor sit </a:t>
+            </a:r>
+            <a:r>
+              <a:rPr lang="en-US" dirty="0" err="1" smtClean="0"/>
+              <a:t>amet</a:t>
+            </a:r>
+            <a:r>
+              <a:rPr lang="en-US" dirty="0" smtClean="0"/>
+              <a:t>, </a:t>
+            </a:r>
+            <a:r>
+              <a:rPr lang="en-US" dirty="0" err="1" smtClean="0"/>
+              <a:t>consectetur</a:t>
+            </a:r>
+            <a:r>
+              <a:rPr lang="en-US" dirty="0" smtClean="0"/>
+              <a:t> </a:t>
+            </a:r>
+            <a:r>
+              <a:rPr lang="en-US" dirty="0" err="1" smtClean="0"/>
+              <a:t>adipiscing</a:t>
+            </a:r>
+            <a:r>
+              <a:rPr lang="en-US" dirty="0" smtClean="0"/>
+              <a:t> </a:t>
+            </a:r>
+            <a:r>
+              <a:rPr lang="en-US" dirty="0" err="1" smtClean="0"/>
+              <a:t>elit</a:t>
+            </a:r>
+            <a:r>
+              <a:rPr lang="en-US" dirty="0" smtClean="0"/>
+              <a:t>, </a:t>
+            </a:r>
+            <a:r>
+              <a:rPr lang="en-US" dirty="0" err="1" smtClean="0"/>
+              <a:t>sed</a:t>
+            </a:r>
+            <a:r>
+              <a:rPr lang="en-US" dirty="0" smtClean="0"/>
+              <a:t> do </a:t>
+            </a:r>
+            <a:r>
+              <a:rPr lang="en-US" dirty="0" err="1" smtClean="0"/>
+              <a:t>eiusmod</a:t>
+            </a:r>
+            <a:r>
+              <a:rPr lang="en-US" dirty="0" smtClean="0"/>
+              <a:t> </a:t>
+            </a:r>
+            <a:r>
+              <a:rPr lang="en-US" dirty="0" err="1" smtClean="0"/>
+              <a:t>tempor</a:t>
+            </a:r>
+            <a:r>
+              <a:rPr lang="en-US" dirty="0" smtClean="0"/>
+              <a:t> </a:t>
+            </a:r>
+            <a:r>
+              <a:rPr lang="en-US" dirty="0" err="1" smtClean="0"/>
+              <a:t>incididunt</a:t>
+            </a:r>
+            <a:r>
+              <a:rPr lang="en-US" dirty="0" smtClean="0"/>
+              <a:t> </a:t>
+            </a:r>
+            <a:r>
+              <a:rPr lang="en-US" dirty="0" err="1" smtClean="0"/>
+              <a:t>ut</a:t>
+            </a:r>
+            <a:r>
+              <a:rPr lang="en-US" dirty="0" smtClean="0"/>
+              <a:t> </a:t>
+            </a:r>
+            <a:r>
+              <a:rPr lang="en-US" dirty="0" err="1" smtClean="0"/>
+              <a:t>labore</a:t>
+            </a:r>
+            <a:r>
+              <a:rPr lang="en-US" dirty="0" smtClean="0"/>
+              <a:t> et </a:t>
+            </a:r>
+            <a:r>
+              <a:rPr lang="en-US" dirty="0" err="1" smtClean="0"/>
+              <a:t>dolore</a:t>
+            </a:r>
+            <a:r>
+              <a:rPr lang="en-US" dirty="0" smtClean="0"/>
+              <a:t> magna </a:t>
+            </a:r>
+            <a:r>
+              <a:rPr lang="en-US" dirty="0" err="1" smtClean="0"/>
+              <a:t>aliqua</a:t>
+            </a:r>
+            <a:r>
+              <a:rPr lang="en-US" dirty="0" smtClean="0"/>
+              <a:t>.</a:t>
+            </a:r>
+          </a:p>
+          <a:p>
+            <a:pPr marL="0" indent="0">
+              <a:buNone/>
+            </a:pPr>
+            <a:endParaRPr lang="ru-RU" dirty="0"/>
+          </a:p>
+        </p:txBody>
+      </p:sp>
+      <p:sp>
+        <p:nvSpPr>
           <p:cNvPr id="4" name="Slide Number Placeholder 3"/>
           <p:cNvSpPr>
             <a:spLocks noGrp="1"/>
@@ -5705,84 +4605,30 @@
           <a:bodyPr/>
           <a:lstStyle/>
           <a:p>
-            <a:pPr lvl="0"/>
-            <a:fld id="{D55CBE9C-F379-4179-81AA-C9B6FB66C855}" type="slidenum">
+            <a:fld id="{37A93542-8C58-4ADB-95DA-1B7887A706FA}" type="slidenum">
+              <a:rPr lang="ru-RU" smtClean="0"/>
               <a:t>6</a:t>
             </a:fld>
-            <a:endParaRPr lang="en-US"/>
-          </a:p>
-        </p:txBody>
-      </p:sp>
-      <p:sp>
-        <p:nvSpPr>
-          <p:cNvPr id="2" name="Title 1"/>
-          <p:cNvSpPr txBox="1">
-            <a:spLocks noGrp="1"/>
-          </p:cNvSpPr>
-          <p:nvPr>
-            <p:ph type="title" idx="4294967295"/>
-          </p:nvPr>
-        </p:nvSpPr>
-        <p:spPr>
-          <a:xfrm>
-            <a:off x="503640" y="226080"/>
-            <a:ext cx="9068760" cy="946440"/>
-          </a:xfrm>
-        </p:spPr>
-        <p:txBody>
-          <a:bodyPr vert="horz"/>
-          <a:lstStyle/>
-          <a:p>
-            <a:pPr lvl="0"/>
-            <a:r>
-              <a:rPr lang="en-US"/>
-              <a:t>Третья задача</a:t>
-            </a:r>
-          </a:p>
-        </p:txBody>
-      </p:sp>
-      <p:sp>
-        <p:nvSpPr>
-          <p:cNvPr id="3" name="Text Placeholder 2"/>
-          <p:cNvSpPr txBox="1">
-            <a:spLocks noGrp="1"/>
-          </p:cNvSpPr>
-          <p:nvPr>
-            <p:ph type="body" idx="4294967295"/>
-          </p:nvPr>
-        </p:nvSpPr>
-        <p:spPr/>
-        <p:txBody>
-          <a:bodyPr vert="horz"/>
-          <a:lstStyle/>
-          <a:p>
-            <a:pPr lvl="0"/>
-            <a:r>
-              <a:rPr lang="en-US"/>
-              <a:t>Lorem ipsum dolor sit amet, consectetur adipiscing elit, sed do eiusmod tempor incididunt ut labore et dolore magna aliqua.</a:t>
-            </a:r>
+            <a:endParaRPr lang="ru-RU"/>
           </a:p>
         </p:txBody>
       </p:sp>
     </p:spTree>
+    <p:extLst>
+      <p:ext uri="{BB962C8B-B14F-4D97-AF65-F5344CB8AC3E}">
+        <p14:creationId xmlns:p14="http://schemas.microsoft.com/office/powerpoint/2010/main" val="2589050815"/>
+      </p:ext>
+    </p:extLst>
   </p:cSld>
   <p:clrMapOvr>
     <a:masterClrMapping/>
   </p:clrMapOvr>
-  <mc:AlternateContent xmlns:mc="http://schemas.openxmlformats.org/markup-compatibility/2006" xmlns:p14="http://schemas.microsoft.com/office/powerpoint/2010/main">
-    <mc:Choice Requires="p14">
-      <p:transition spd="slow" p14:dur="2000"/>
-    </mc:Choice>
-    <mc:Fallback xmlns="">
-      <p:transition spd="slow"/>
-    </mc:Fallback>
-  </mc:AlternateContent>
 </p:sld>
 </file>
 
 <file path=ppt/slides/slide7.xml><?xml version="1.0" encoding="utf-8"?>
 <p:sld xmlns:a="http://schemas.openxmlformats.org/drawingml/2006/main" xmlns:r="http://schemas.openxmlformats.org/officeDocument/2006/relationships" xmlns:p="http://schemas.openxmlformats.org/presentationml/2006/main">
-  <p:cSld name="page7">
+  <p:cSld>
     <p:spTree>
       <p:nvGrpSpPr>
         <p:cNvPr id="1" name=""/>
@@ -5799,6 +4645,156 @@
       </p:grpSpPr>
       <p:sp>
         <p:nvSpPr>
+          <p:cNvPr id="2" name="Title 1"/>
+          <p:cNvSpPr>
+            <a:spLocks noGrp="1"/>
+          </p:cNvSpPr>
+          <p:nvPr>
+            <p:ph type="title"/>
+          </p:nvPr>
+        </p:nvSpPr>
+        <p:spPr/>
+        <p:txBody>
+          <a:bodyPr/>
+          <a:lstStyle/>
+          <a:p>
+            <a:r>
+              <a:rPr lang="ru-RU" dirty="0" smtClean="0"/>
+              <a:t>Четвертая задача</a:t>
+            </a:r>
+            <a:endParaRPr lang="ru-RU" dirty="0"/>
+          </a:p>
+        </p:txBody>
+      </p:sp>
+      <p:sp>
+        <p:nvSpPr>
+          <p:cNvPr id="3" name="Content Placeholder 2"/>
+          <p:cNvSpPr>
+            <a:spLocks noGrp="1"/>
+          </p:cNvSpPr>
+          <p:nvPr>
+            <p:ph idx="1"/>
+          </p:nvPr>
+        </p:nvSpPr>
+        <p:spPr/>
+        <p:txBody>
+          <a:bodyPr/>
+          <a:lstStyle/>
+          <a:p>
+            <a:pPr marL="0" indent="0">
+              <a:buNone/>
+            </a:pPr>
+            <a:r>
+              <a:rPr lang="en-US" dirty="0" smtClean="0"/>
+              <a:t>Lorem ipsum dolor sit </a:t>
+            </a:r>
+            <a:r>
+              <a:rPr lang="en-US" dirty="0" err="1" smtClean="0"/>
+              <a:t>amet</a:t>
+            </a:r>
+            <a:r>
+              <a:rPr lang="en-US" dirty="0" smtClean="0"/>
+              <a:t>, </a:t>
+            </a:r>
+            <a:r>
+              <a:rPr lang="en-US" dirty="0" err="1" smtClean="0"/>
+              <a:t>consectetur</a:t>
+            </a:r>
+            <a:r>
+              <a:rPr lang="en-US" dirty="0" smtClean="0"/>
+              <a:t> </a:t>
+            </a:r>
+            <a:r>
+              <a:rPr lang="en-US" dirty="0" err="1" smtClean="0"/>
+              <a:t>adipiscing</a:t>
+            </a:r>
+            <a:r>
+              <a:rPr lang="en-US" dirty="0" smtClean="0"/>
+              <a:t> </a:t>
+            </a:r>
+            <a:r>
+              <a:rPr lang="en-US" dirty="0" err="1" smtClean="0"/>
+              <a:t>elit</a:t>
+            </a:r>
+            <a:r>
+              <a:rPr lang="en-US" dirty="0" smtClean="0"/>
+              <a:t>, </a:t>
+            </a:r>
+            <a:r>
+              <a:rPr lang="en-US" dirty="0" err="1" smtClean="0"/>
+              <a:t>sed</a:t>
+            </a:r>
+            <a:r>
+              <a:rPr lang="en-US" dirty="0" smtClean="0"/>
+              <a:t> do </a:t>
+            </a:r>
+            <a:r>
+              <a:rPr lang="en-US" dirty="0" err="1" smtClean="0"/>
+              <a:t>eiusmod</a:t>
+            </a:r>
+            <a:r>
+              <a:rPr lang="en-US" dirty="0" smtClean="0"/>
+              <a:t> </a:t>
+            </a:r>
+            <a:r>
+              <a:rPr lang="en-US" dirty="0" err="1" smtClean="0"/>
+              <a:t>tempor</a:t>
+            </a:r>
+            <a:r>
+              <a:rPr lang="en-US" dirty="0" smtClean="0"/>
+              <a:t> </a:t>
+            </a:r>
+            <a:r>
+              <a:rPr lang="en-US" dirty="0" err="1" smtClean="0"/>
+              <a:t>incididunt</a:t>
+            </a:r>
+            <a:r>
+              <a:rPr lang="en-US" dirty="0" smtClean="0"/>
+              <a:t> </a:t>
+            </a:r>
+            <a:r>
+              <a:rPr lang="en-US" dirty="0" err="1" smtClean="0"/>
+              <a:t>ut</a:t>
+            </a:r>
+            <a:r>
+              <a:rPr lang="en-US" dirty="0" smtClean="0"/>
+              <a:t> </a:t>
+            </a:r>
+            <a:r>
+              <a:rPr lang="en-US" dirty="0" err="1" smtClean="0"/>
+              <a:t>labore</a:t>
+            </a:r>
+            <a:r>
+              <a:rPr lang="en-US" dirty="0" smtClean="0"/>
+              <a:t> et </a:t>
+            </a:r>
+            <a:r>
+              <a:rPr lang="en-US" dirty="0" err="1" smtClean="0"/>
+              <a:t>dolore</a:t>
+            </a:r>
+            <a:r>
+              <a:rPr lang="en-US" dirty="0" smtClean="0"/>
+              <a:t> magna </a:t>
+            </a:r>
+            <a:r>
+              <a:rPr lang="en-US" dirty="0" err="1" smtClean="0"/>
+              <a:t>aliqua</a:t>
+            </a:r>
+            <a:r>
+              <a:rPr lang="en-US" dirty="0" smtClean="0"/>
+              <a:t>.</a:t>
+            </a:r>
+          </a:p>
+          <a:p>
+            <a:pPr marL="0" indent="0">
+              <a:buNone/>
+            </a:pPr>
+            <a:endParaRPr lang="ru-RU" dirty="0"/>
+          </a:p>
+        </p:txBody>
+      </p:sp>
+      <p:sp>
+        <p:nvSpPr>
           <p:cNvPr id="4" name="Slide Number Placeholder 3"/>
           <p:cNvSpPr>
             <a:spLocks noGrp="1"/>
@@ -5812,79 +4808,30 @@
           <a:bodyPr/>
           <a:lstStyle/>
           <a:p>
-            <a:pPr lvl="0"/>
-            <a:fld id="{4EBB3403-D615-4618-B7F3-C5E33637965B}" type="slidenum">
+            <a:fld id="{37A93542-8C58-4ADB-95DA-1B7887A706FA}" type="slidenum">
+              <a:rPr lang="ru-RU" smtClean="0"/>
               <a:t>7</a:t>
             </a:fld>
-            <a:endParaRPr lang="en-US"/>
-          </a:p>
-        </p:txBody>
-      </p:sp>
-      <p:sp>
-        <p:nvSpPr>
-          <p:cNvPr id="2" name="Title 1"/>
-          <p:cNvSpPr txBox="1">
-            <a:spLocks noGrp="1"/>
-          </p:cNvSpPr>
-          <p:nvPr>
-            <p:ph type="title" idx="4294967295"/>
-          </p:nvPr>
-        </p:nvSpPr>
-        <p:spPr/>
-        <p:txBody>
-          <a:bodyPr vert="horz"/>
-          <a:lstStyle/>
-          <a:p>
-            <a:pPr lvl="0"/>
-            <a:r>
-              <a:rPr lang="en-US"/>
-              <a:t>Четвертая задача</a:t>
-            </a:r>
-          </a:p>
-        </p:txBody>
-      </p:sp>
-      <p:sp>
-        <p:nvSpPr>
-          <p:cNvPr id="3" name="Text Placeholder 2"/>
-          <p:cNvSpPr txBox="1">
-            <a:spLocks noGrp="1"/>
-          </p:cNvSpPr>
-          <p:nvPr>
-            <p:ph type="body" idx="4294967295"/>
-          </p:nvPr>
-        </p:nvSpPr>
-        <p:spPr/>
-        <p:txBody>
-          <a:bodyPr vert="horz"/>
-          <a:lstStyle/>
-          <a:p>
-            <a:pPr lvl="0"/>
-            <a:r>
-              <a:rPr lang="en-US"/>
-              <a:t>Lorem ipsum dolor sit amet, consectetur adipiscing elit, sed do eiusmod tempor incididunt ut labore et dolore magna aliqua.</a:t>
-            </a:r>
+            <a:endParaRPr lang="ru-RU"/>
           </a:p>
         </p:txBody>
       </p:sp>
     </p:spTree>
+    <p:extLst>
+      <p:ext uri="{BB962C8B-B14F-4D97-AF65-F5344CB8AC3E}">
+        <p14:creationId xmlns:p14="http://schemas.microsoft.com/office/powerpoint/2010/main" val="3647585049"/>
+      </p:ext>
+    </p:extLst>
   </p:cSld>
   <p:clrMapOvr>
     <a:masterClrMapping/>
   </p:clrMapOvr>
-  <mc:AlternateContent xmlns:mc="http://schemas.openxmlformats.org/markup-compatibility/2006" xmlns:p14="http://schemas.microsoft.com/office/powerpoint/2010/main">
-    <mc:Choice Requires="p14">
-      <p:transition spd="slow" p14:dur="2000"/>
-    </mc:Choice>
-    <mc:Fallback xmlns="">
-      <p:transition spd="slow"/>
-    </mc:Fallback>
-  </mc:AlternateContent>
 </p:sld>
 </file>
 
 <file path=ppt/slides/slide8.xml><?xml version="1.0" encoding="utf-8"?>
 <p:sld xmlns:a="http://schemas.openxmlformats.org/drawingml/2006/main" xmlns:r="http://schemas.openxmlformats.org/officeDocument/2006/relationships" xmlns:p="http://schemas.openxmlformats.org/presentationml/2006/main">
-  <p:cSld name="page8">
+  <p:cSld>
     <p:spTree>
       <p:nvGrpSpPr>
         <p:cNvPr id="1" name=""/>
@@ -5901,72 +4848,30 @@
       </p:grpSpPr>
       <p:sp>
         <p:nvSpPr>
-          <p:cNvPr id="5" name="Slide Number Placeholder 3"/>
-          <p:cNvSpPr>
-            <a:spLocks noGrp="1"/>
-          </p:cNvSpPr>
-          <p:nvPr>
-            <p:ph type="sldNum" sz="quarter" idx="12"/>
-          </p:nvPr>
-        </p:nvSpPr>
-        <p:spPr/>
-        <p:txBody>
-          <a:bodyPr/>
-          <a:lstStyle/>
-          <a:p>
-            <a:pPr lvl="0"/>
-            <a:fld id="{8CF8C440-E5F5-4FC7-86D2-B02F0AD87CD5}" type="slidenum">
-              <a:t>8</a:t>
-            </a:fld>
-            <a:endParaRPr lang="en-US"/>
-          </a:p>
-        </p:txBody>
-      </p:sp>
-      <p:sp>
-        <p:nvSpPr>
           <p:cNvPr id="2" name="Title 1"/>
-          <p:cNvSpPr txBox="1">
-            <a:spLocks noGrp="1"/>
-          </p:cNvSpPr>
-          <p:nvPr>
-            <p:ph type="title" idx="4294967295"/>
-          </p:nvPr>
-        </p:nvSpPr>
-        <p:spPr/>
-        <p:txBody>
-          <a:bodyPr vert="horz"/>
-          <a:lstStyle/>
-          <a:p>
-            <a:pPr lvl="0"/>
-            <a:r>
-              <a:rPr lang="en-US"/>
-              <a:t>Скриншот разработанной системы</a:t>
-            </a:r>
-          </a:p>
-        </p:txBody>
-      </p:sp>
-      <p:sp>
-        <p:nvSpPr>
-          <p:cNvPr id="3" name="Text Placeholder 2"/>
-          <p:cNvSpPr txBox="1">
-            <a:spLocks noGrp="1"/>
-          </p:cNvSpPr>
-          <p:nvPr>
-            <p:ph type="body" idx="4294967295"/>
-          </p:nvPr>
-        </p:nvSpPr>
-        <p:spPr/>
-        <p:txBody>
-          <a:bodyPr vert="horz"/>
-          <a:lstStyle/>
-          <a:p>
-            <a:endParaRPr lang="en-US"/>
+          <p:cNvSpPr>
+            <a:spLocks noGrp="1"/>
+          </p:cNvSpPr>
+          <p:nvPr>
+            <p:ph type="title"/>
+          </p:nvPr>
+        </p:nvSpPr>
+        <p:spPr/>
+        <p:txBody>
+          <a:bodyPr/>
+          <a:lstStyle/>
+          <a:p>
+            <a:r>
+              <a:rPr lang="ru-RU" dirty="0" smtClean="0"/>
+              <a:t>Скриншот разработанной программы</a:t>
+            </a:r>
+            <a:endParaRPr lang="ru-RU" dirty="0"/>
           </a:p>
         </p:txBody>
       </p:sp>
       <p:pic>
         <p:nvPicPr>
-          <p:cNvPr id="4" name="Picture 3">
+          <p:cNvPr id="4" name="Content Placeholder 3">
             <a:extLst>
               <a:ext uri="{FF2B5EF4-FFF2-40B4-BE49-F238E27FC236}">
                 <a16:creationId xmlns:a16="http://schemas.microsoft.com/office/drawing/2014/main" id="{00000000-0000-0000-0000-000000000000}"/>
@@ -5974,12 +4879,14 @@
             </a:extLst>
           </p:cNvPr>
           <p:cNvPicPr>
-            <a:picLocks noChangeAspect="1"/>
+            <a:picLocks noGrp="1" noChangeAspect="1"/>
           </p:cNvPicPr>
-          <p:nvPr/>
+          <p:nvPr>
+            <p:ph idx="1"/>
+          </p:nvPr>
         </p:nvPicPr>
         <p:blipFill>
-          <a:blip r:embed="rId3">
+          <a:blip r:embed="rId2">
             <a:lum/>
             <a:alphaModFix/>
           </a:blip>
@@ -5990,8 +4897,8 @@
         </p:blipFill>
         <p:spPr>
           <a:xfrm>
-            <a:off x="2761200" y="1883520"/>
-            <a:ext cx="4679640" cy="1900440"/>
+            <a:off x="3000375" y="2743994"/>
+            <a:ext cx="6191250" cy="2514600"/>
           </a:xfrm>
           <a:prstGeom prst="rect">
             <a:avLst/>
@@ -6002,25 +4909,45 @@
           </a:ln>
         </p:spPr>
       </p:pic>
+      <p:sp>
+        <p:nvSpPr>
+          <p:cNvPr id="3" name="Slide Number Placeholder 2"/>
+          <p:cNvSpPr>
+            <a:spLocks noGrp="1"/>
+          </p:cNvSpPr>
+          <p:nvPr>
+            <p:ph type="sldNum" sz="quarter" idx="12"/>
+          </p:nvPr>
+        </p:nvSpPr>
+        <p:spPr/>
+        <p:txBody>
+          <a:bodyPr/>
+          <a:lstStyle/>
+          <a:p>
+            <a:fld id="{37A93542-8C58-4ADB-95DA-1B7887A706FA}" type="slidenum">
+              <a:rPr lang="ru-RU" smtClean="0"/>
+              <a:t>8</a:t>
+            </a:fld>
+            <a:endParaRPr lang="ru-RU"/>
+          </a:p>
+        </p:txBody>
+      </p:sp>
     </p:spTree>
+    <p:extLst>
+      <p:ext uri="{BB962C8B-B14F-4D97-AF65-F5344CB8AC3E}">
+        <p14:creationId xmlns:p14="http://schemas.microsoft.com/office/powerpoint/2010/main" val="990379398"/>
+      </p:ext>
+    </p:extLst>
   </p:cSld>
   <p:clrMapOvr>
     <a:masterClrMapping/>
   </p:clrMapOvr>
-  <mc:AlternateContent xmlns:mc="http://schemas.openxmlformats.org/markup-compatibility/2006" xmlns:p14="http://schemas.microsoft.com/office/powerpoint/2010/main">
-    <mc:Choice Requires="p14">
-      <p:transition spd="slow" p14:dur="2000"/>
-    </mc:Choice>
-    <mc:Fallback xmlns="">
-      <p:transition spd="slow"/>
-    </mc:Fallback>
-  </mc:AlternateContent>
 </p:sld>
 </file>
 
 <file path=ppt/slides/slide9.xml><?xml version="1.0" encoding="utf-8"?>
 <p:sld xmlns:a="http://schemas.openxmlformats.org/drawingml/2006/main" xmlns:r="http://schemas.openxmlformats.org/officeDocument/2006/relationships" xmlns:p="http://schemas.openxmlformats.org/presentationml/2006/main">
-  <p:cSld name="page9">
+  <p:cSld>
     <p:spTree>
       <p:nvGrpSpPr>
         <p:cNvPr id="1" name=""/>
@@ -6037,6 +4964,156 @@
       </p:grpSpPr>
       <p:sp>
         <p:nvSpPr>
+          <p:cNvPr id="2" name="Title 1"/>
+          <p:cNvSpPr>
+            <a:spLocks noGrp="1"/>
+          </p:cNvSpPr>
+          <p:nvPr>
+            <p:ph type="title"/>
+          </p:nvPr>
+        </p:nvSpPr>
+        <p:spPr/>
+        <p:txBody>
+          <a:bodyPr/>
+          <a:lstStyle/>
+          <a:p>
+            <a:r>
+              <a:rPr lang="ru-RU" dirty="0" smtClean="0"/>
+              <a:t>Апробация работы</a:t>
+            </a:r>
+            <a:endParaRPr lang="ru-RU" dirty="0"/>
+          </a:p>
+        </p:txBody>
+      </p:sp>
+      <p:sp>
+        <p:nvSpPr>
+          <p:cNvPr id="3" name="Content Placeholder 2"/>
+          <p:cNvSpPr>
+            <a:spLocks noGrp="1"/>
+          </p:cNvSpPr>
+          <p:nvPr>
+            <p:ph idx="1"/>
+          </p:nvPr>
+        </p:nvSpPr>
+        <p:spPr/>
+        <p:txBody>
+          <a:bodyPr/>
+          <a:lstStyle/>
+          <a:p>
+            <a:pPr marL="0" indent="0">
+              <a:buNone/>
+            </a:pPr>
+            <a:r>
+              <a:rPr lang="en-US" dirty="0" smtClean="0"/>
+              <a:t>Lorem ipsum dolor sit </a:t>
+            </a:r>
+            <a:r>
+              <a:rPr lang="en-US" dirty="0" err="1" smtClean="0"/>
+              <a:t>amet</a:t>
+            </a:r>
+            <a:r>
+              <a:rPr lang="en-US" dirty="0" smtClean="0"/>
+              <a:t>, </a:t>
+            </a:r>
+            <a:r>
+              <a:rPr lang="en-US" dirty="0" err="1" smtClean="0"/>
+              <a:t>consectetur</a:t>
+            </a:r>
+            <a:r>
+              <a:rPr lang="en-US" dirty="0" smtClean="0"/>
+              <a:t> </a:t>
+            </a:r>
+            <a:r>
+              <a:rPr lang="en-US" dirty="0" err="1" smtClean="0"/>
+              <a:t>adipiscing</a:t>
+            </a:r>
+            <a:r>
+              <a:rPr lang="en-US" dirty="0" smtClean="0"/>
+              <a:t> </a:t>
+            </a:r>
+            <a:r>
+              <a:rPr lang="en-US" dirty="0" err="1" smtClean="0"/>
+              <a:t>elit</a:t>
+            </a:r>
+            <a:r>
+              <a:rPr lang="en-US" dirty="0" smtClean="0"/>
+              <a:t>, </a:t>
+            </a:r>
+            <a:r>
+              <a:rPr lang="en-US" dirty="0" err="1" smtClean="0"/>
+              <a:t>sed</a:t>
+            </a:r>
+            <a:r>
+              <a:rPr lang="en-US" dirty="0" smtClean="0"/>
+              <a:t> do </a:t>
+            </a:r>
+            <a:r>
+              <a:rPr lang="en-US" dirty="0" err="1" smtClean="0"/>
+              <a:t>eiusmod</a:t>
+            </a:r>
+            <a:r>
+              <a:rPr lang="en-US" dirty="0" smtClean="0"/>
+              <a:t> </a:t>
+            </a:r>
+            <a:r>
+              <a:rPr lang="en-US" dirty="0" err="1" smtClean="0"/>
+              <a:t>tempor</a:t>
+            </a:r>
+            <a:r>
+              <a:rPr lang="en-US" dirty="0" smtClean="0"/>
+              <a:t> </a:t>
+            </a:r>
+            <a:r>
+              <a:rPr lang="en-US" dirty="0" err="1" smtClean="0"/>
+              <a:t>incididunt</a:t>
+            </a:r>
+            <a:r>
+              <a:rPr lang="en-US" dirty="0" smtClean="0"/>
+              <a:t> </a:t>
+            </a:r>
+            <a:r>
+              <a:rPr lang="en-US" dirty="0" err="1" smtClean="0"/>
+              <a:t>ut</a:t>
+            </a:r>
+            <a:r>
+              <a:rPr lang="en-US" dirty="0" smtClean="0"/>
+              <a:t> </a:t>
+            </a:r>
+            <a:r>
+              <a:rPr lang="en-US" dirty="0" err="1" smtClean="0"/>
+              <a:t>labore</a:t>
+            </a:r>
+            <a:r>
+              <a:rPr lang="en-US" dirty="0" smtClean="0"/>
+              <a:t> et </a:t>
+            </a:r>
+            <a:r>
+              <a:rPr lang="en-US" dirty="0" err="1" smtClean="0"/>
+              <a:t>dolore</a:t>
+            </a:r>
+            <a:r>
+              <a:rPr lang="en-US" dirty="0" smtClean="0"/>
+              <a:t> magna </a:t>
+            </a:r>
+            <a:r>
+              <a:rPr lang="en-US" dirty="0" err="1" smtClean="0"/>
+              <a:t>aliqua</a:t>
+            </a:r>
+            <a:r>
+              <a:rPr lang="en-US" dirty="0" smtClean="0"/>
+              <a:t>.</a:t>
+            </a:r>
+          </a:p>
+          <a:p>
+            <a:pPr marL="0" indent="0">
+              <a:buNone/>
+            </a:pPr>
+            <a:endParaRPr lang="ru-RU" dirty="0"/>
+          </a:p>
+        </p:txBody>
+      </p:sp>
+      <p:sp>
+        <p:nvSpPr>
           <p:cNvPr id="4" name="Slide Number Placeholder 3"/>
           <p:cNvSpPr>
             <a:spLocks noGrp="1"/>
@@ -6050,78 +5127,29 @@
           <a:bodyPr/>
           <a:lstStyle/>
           <a:p>
-            <a:pPr lvl="0"/>
-            <a:fld id="{CE984C8E-BF99-4D47-9A3D-AF6B83B235E5}" type="slidenum">
+            <a:fld id="{37A93542-8C58-4ADB-95DA-1B7887A706FA}" type="slidenum">
+              <a:rPr lang="ru-RU" smtClean="0"/>
               <a:t>9</a:t>
             </a:fld>
-            <a:endParaRPr lang="en-US"/>
-          </a:p>
-        </p:txBody>
-      </p:sp>
-      <p:sp>
-        <p:nvSpPr>
-          <p:cNvPr id="2" name="Title 1"/>
-          <p:cNvSpPr txBox="1">
-            <a:spLocks noGrp="1"/>
-          </p:cNvSpPr>
-          <p:nvPr>
-            <p:ph type="title" idx="4294967295"/>
-          </p:nvPr>
-        </p:nvSpPr>
-        <p:spPr/>
-        <p:txBody>
-          <a:bodyPr vert="horz"/>
-          <a:lstStyle/>
-          <a:p>
-            <a:pPr lvl="0"/>
-            <a:r>
-              <a:rPr lang="en-US"/>
-              <a:t>Апробация работы</a:t>
-            </a:r>
-          </a:p>
-        </p:txBody>
-      </p:sp>
-      <p:sp>
-        <p:nvSpPr>
-          <p:cNvPr id="3" name="Text Placeholder 2"/>
-          <p:cNvSpPr txBox="1">
-            <a:spLocks noGrp="1"/>
-          </p:cNvSpPr>
-          <p:nvPr>
-            <p:ph type="body" idx="4294967295"/>
-          </p:nvPr>
-        </p:nvSpPr>
-        <p:spPr/>
-        <p:txBody>
-          <a:bodyPr vert="horz"/>
-          <a:lstStyle/>
-          <a:p>
-            <a:pPr lvl="0"/>
-            <a:r>
-              <a:rPr lang="en-US"/>
-              <a:t>Lorem ipsum dolor sit amet, consectetur adipiscing elit, sed do eiusmod tempor incididunt ut labore et dolore magna aliqua.</a:t>
-            </a:r>
+            <a:endParaRPr lang="ru-RU"/>
           </a:p>
         </p:txBody>
       </p:sp>
     </p:spTree>
+    <p:extLst>
+      <p:ext uri="{BB962C8B-B14F-4D97-AF65-F5344CB8AC3E}">
+        <p14:creationId xmlns:p14="http://schemas.microsoft.com/office/powerpoint/2010/main" val="3200996065"/>
+      </p:ext>
+    </p:extLst>
   </p:cSld>
   <p:clrMapOvr>
     <a:masterClrMapping/>
   </p:clrMapOvr>
-  <mc:AlternateContent xmlns:mc="http://schemas.openxmlformats.org/markup-compatibility/2006" xmlns:p14="http://schemas.microsoft.com/office/powerpoint/2010/main">
-    <mc:Choice Requires="p14">
-      <p:transition spd="slow" p14:dur="2000"/>
-    </mc:Choice>
-    <mc:Fallback xmlns="">
-      <p:transition spd="slow"/>
-    </mc:Fallback>
-  </mc:AlternateContent>
 </p:sld>
 </file>
 
 <file path=ppt/theme/theme1.xml><?xml version="1.0" encoding="utf-8"?>
-<a:theme xmlns:a="http://schemas.openxmlformats.org/drawingml/2006/main" name="Default">
+<a:theme xmlns:a="http://schemas.openxmlformats.org/drawingml/2006/main" name="Office Theme">
   <a:themeElements>
     <a:clrScheme name="Office">
       <a:dk1>
@@ -6640,265 +5668,4 @@
     </a:ext>
   </a:extLst>
 </a:theme>
-</file>
-
-<file path=ppt/theme/theme3.xml><?xml version="1.0" encoding="utf-8"?>
-<a:theme xmlns:a="http://schemas.openxmlformats.org/drawingml/2006/main" name="Office Theme">
-  <a:themeElements>
-    <a:clrScheme name="Office">
-      <a:dk1>
-        <a:sysClr val="windowText" lastClr="000000"/>
-      </a:dk1>
-      <a:lt1>
-        <a:sysClr val="window" lastClr="FFFFFF"/>
-      </a:lt1>
-      <a:dk2>
-        <a:srgbClr val="44546A"/>
-      </a:dk2>
-      <a:lt2>
-        <a:srgbClr val="E7E6E6"/>
-      </a:lt2>
-      <a:accent1>
-        <a:srgbClr val="5B9BD5"/>
-      </a:accent1>
-      <a:accent2>
-        <a:srgbClr val="ED7D31"/>
-      </a:accent2>
-      <a:accent3>
-        <a:srgbClr val="A5A5A5"/>
-      </a:accent3>
-      <a:accent4>
-        <a:srgbClr val="FFC000"/>
-      </a:accent4>
-      <a:accent5>
-        <a:srgbClr val="4472C4"/>
-      </a:accent5>
-      <a:accent6>
-        <a:srgbClr val="70AD47"/>
-      </a:accent6>
-      <a:hlink>
-        <a:srgbClr val="0563C1"/>
-      </a:hlink>
-      <a:folHlink>
-        <a:srgbClr val="954F72"/>
-      </a:folHlink>
-    </a:clrScheme>
-    <a:fontScheme name="Office">
-      <a:majorFont>
-        <a:latin typeface="Calibri Light" panose="020F0302020204030204"/>
-        <a:ea typeface=""/>
-        <a:cs typeface=""/>
-        <a:font script="Jpan" typeface="游ゴシック Light"/>
-        <a:font script="Hang" typeface="맑은 고딕"/>
-        <a:font script="Hans" typeface="等线 Light"/>
-        <a:font script="Hant" typeface="新細明體"/>
-        <a:font script="Arab" typeface="Times New Roman"/>
-        <a:font script="Hebr" typeface="Times New Roman"/>
-        <a:font script="Thai" typeface="Angsana New"/>
-        <a:font script="Ethi" typeface="Nyala"/>
-        <a:font script="Beng" typeface="Vrinda"/>
-        <a:font script="Gujr" typeface="Shruti"/>
-        <a:font script="Khmr" typeface="MoolBoran"/>
-        <a:font script="Knda" typeface="Tunga"/>
-        <a:font script="Guru" typeface="Raavi"/>
-        <a:font script="Cans" typeface="Euphemia"/>
-        <a:font script="Cher" typeface="Plantagenet Cherokee"/>
-        <a:font script="Yiii" typeface="Microsoft Yi Baiti"/>
-        <a:font script="Tibt" typeface="Microsoft Himalaya"/>
-        <a:font script="Thaa" typeface="MV Boli"/>
-        <a:font script="Deva" typeface="Mangal"/>
-        <a:font script="Telu" typeface="Gautami"/>
-        <a:font script="Taml" typeface="Latha"/>
-        <a:font script="Syrc" typeface="Estrangelo Edessa"/>
-        <a:font script="Orya" typeface="Kalinga"/>
-        <a:font script="Mlym" typeface="Kartika"/>
-        <a:font script="Laoo" typeface="DokChampa"/>
-        <a:font script="Sinh" typeface="Iskoola Pota"/>
-        <a:font script="Mong" typeface="Mongolian Baiti"/>
-        <a:font script="Viet" typeface="Times New Roman"/>
-        <a:font script="Uigh" typeface="Microsoft Uighur"/>
-        <a:font script="Geor" typeface="Sylfaen"/>
-      </a:majorFont>
-      <a:minorFont>
-        <a:latin typeface="Calibri" panose="020F0502020204030204"/>
-        <a:ea typeface=""/>
-        <a:cs typeface=""/>
-        <a:font script="Jpan" typeface="游ゴシック"/>
-        <a:font script="Hang" typeface="맑은 고딕"/>
-        <a:font script="Hans" typeface="等线"/>
-        <a:font script="Hant" typeface="新細明體"/>
-        <a:font script="Arab" typeface="Arial"/>
-        <a:font script="Hebr" typeface="Arial"/>
-        <a:font script="Thai" typeface="Cordia New"/>
-        <a:font script="Ethi" typeface="Nyala"/>
-        <a:font script="Beng" typeface="Vrinda"/>
-        <a:font script="Gujr" typeface="Shruti"/>
-        <a:font script="Khmr" typeface="DaunPenh"/>
-        <a:font script="Knda" typeface="Tunga"/>
-        <a:font script="Guru" typeface="Raavi"/>
-        <a:font script="Cans" typeface="Euphemia"/>
-        <a:font script="Cher" typeface="Plantagenet Cherokee"/>
-        <a:font script="Yiii" typeface="Microsoft Yi Baiti"/>
-        <a:font script="Tibt" typeface="Microsoft Himalaya"/>
-        <a:font script="Thaa" typeface="MV Boli"/>
-        <a:font script="Deva" typeface="Mangal"/>
-        <a:font script="Telu" typeface="Gautami"/>
-        <a:font script="Taml" typeface="Latha"/>
-        <a:font script="Syrc" typeface="Estrangelo Edessa"/>
-        <a:font script="Orya" typeface="Kalinga"/>
-        <a:font script="Mlym" typeface="Kartika"/>
-        <a:font script="Laoo" typeface="DokChampa"/>
-        <a:font script="Sinh" typeface="Iskoola Pota"/>
-        <a:font script="Mong" typeface="Mongolian Baiti"/>
-        <a:font script="Viet" typeface="Arial"/>
-        <a:font script="Uigh" typeface="Microsoft Uighur"/>
-        <a:font script="Geor" typeface="Sylfaen"/>
-      </a:minorFont>
-    </a:fontScheme>
-    <a:fmtScheme name="Office">
-      <a:fillStyleLst>
-        <a:solidFill>
-          <a:schemeClr val="phClr"/>
-        </a:solidFill>
-        <a:gradFill rotWithShape="1">
-          <a:gsLst>
-            <a:gs pos="0">
-              <a:schemeClr val="phClr">
-                <a:lumMod val="110000"/>
-                <a:satMod val="105000"/>
-                <a:tint val="67000"/>
-              </a:schemeClr>
-            </a:gs>
-            <a:gs pos="50000">
-              <a:schemeClr val="phClr">
-                <a:lumMod val="105000"/>
-                <a:satMod val="103000"/>
-                <a:tint val="73000"/>
-              </a:schemeClr>
-            </a:gs>
-            <a:gs pos="100000">
-              <a:schemeClr val="phClr">
-                <a:lumMod val="105000"/>
-                <a:satMod val="109000"/>
-                <a:tint val="81000"/>
-              </a:schemeClr>
-            </a:gs>
-          </a:gsLst>
-          <a:lin ang="5400000" scaled="0"/>
-        </a:gradFill>
-        <a:gradFill rotWithShape="1">
-          <a:gsLst>
-            <a:gs pos="0">
-              <a:schemeClr val="phClr">
-                <a:satMod val="103000"/>
-                <a:lumMod val="102000"/>
-                <a:tint val="94000"/>
-              </a:schemeClr>
-            </a:gs>
-            <a:gs pos="50000">
-              <a:schemeClr val="phClr">
-                <a:satMod val="110000"/>
-                <a:lumMod val="100000"/>
-                <a:shade val="100000"/>
-              </a:schemeClr>
-            </a:gs>
-            <a:gs pos="100000">
-              <a:schemeClr val="phClr">
-                <a:lumMod val="99000"/>
-                <a:satMod val="120000"/>
-                <a:shade val="78000"/>
-              </a:schemeClr>
-            </a:gs>
-          </a:gsLst>
-          <a:lin ang="5400000" scaled="0"/>
-        </a:gradFill>
-      </a:fillStyleLst>
-      <a:lnStyleLst>
-        <a:ln w="6350" cap="flat" cmpd="sng" algn="ctr">
-          <a:solidFill>
-            <a:schemeClr val="phClr"/>
-          </a:solidFill>
-          <a:prstDash val="solid"/>
-          <a:miter lim="800000"/>
-        </a:ln>
-        <a:ln w="12700" cap="flat" cmpd="sng" algn="ctr">
-          <a:solidFill>
-            <a:schemeClr val="phClr"/>
-          </a:solidFill>
-          <a:prstDash val="solid"/>
-          <a:miter lim="800000"/>
-        </a:ln>
-        <a:ln w="19050" cap="flat" cmpd="sng" algn="ctr">
-          <a:solidFill>
-            <a:schemeClr val="phClr"/>
-          </a:solidFill>
-          <a:prstDash val="solid"/>
-          <a:miter lim="800000"/>
-        </a:ln>
-      </a:lnStyleLst>
-      <a:effectStyleLst>
-        <a:effectStyle>
-          <a:effectLst/>
-        </a:effectStyle>
-        <a:effectStyle>
-          <a:effectLst/>
-        </a:effectStyle>
-        <a:effectStyle>
-          <a:effectLst>
-            <a:outerShdw blurRad="57150" dist="19050" dir="5400000" algn="ctr" rotWithShape="0">
-              <a:srgbClr val="000000">
-                <a:alpha val="63000"/>
-              </a:srgbClr>
-            </a:outerShdw>
-          </a:effectLst>
-        </a:effectStyle>
-      </a:effectStyleLst>
-      <a:bgFillStyleLst>
-        <a:solidFill>
-          <a:schemeClr val="phClr"/>
-        </a:solidFill>
-        <a:solidFill>
-          <a:schemeClr val="phClr">
-            <a:tint val="95000"/>
-            <a:satMod val="170000"/>
-          </a:schemeClr>
-        </a:solidFill>
-        <a:gradFill rotWithShape="1">
-          <a:gsLst>
-            <a:gs pos="0">
-              <a:schemeClr val="phClr">
-                <a:tint val="93000"/>
-                <a:satMod val="150000"/>
-                <a:shade val="98000"/>
-                <a:lumMod val="102000"/>
-              </a:schemeClr>
-            </a:gs>
-            <a:gs pos="50000">
-              <a:schemeClr val="phClr">
-                <a:tint val="98000"/>
-                <a:satMod val="130000"/>
-                <a:shade val="90000"/>
-                <a:lumMod val="103000"/>
-              </a:schemeClr>
-            </a:gs>
-            <a:gs pos="100000">
-              <a:schemeClr val="phClr">
-                <a:shade val="63000"/>
-                <a:satMod val="120000"/>
-              </a:schemeClr>
-            </a:gs>
-          </a:gsLst>
-          <a:lin ang="5400000" scaled="0"/>
-        </a:gradFill>
-      </a:bgFillStyleLst>
-    </a:fmtScheme>
-  </a:themeElements>
-  <a:objectDefaults/>
-  <a:extraClrSchemeLst/>
-  <a:extLst>
-    <a:ext uri="{05A4C25C-085E-4340-85A3-A5531E510DB2}">
-      <thm15:themeFamily xmlns:thm15="http://schemas.microsoft.com/office/thememl/2012/main" name="Office Theme" id="{62F939B6-93AF-4DB8-9C6B-D6C7DFDC589F}" vid="{4A3C46E8-61CC-4603-A589-7422A47A8E4A}"/>
-    </a:ext>
-  </a:extLst>
-</a:theme>
 </file>